--- a/wp/ppts/css.pptx
+++ b/wp/ppts/css.pptx
@@ -2,60 +2,60 @@
 <file path=ppt/presentation.xml><?xml version="1.0" encoding="utf-8"?>
 <p:presentation xmlns:a="http://schemas.openxmlformats.org/drawingml/2006/main" xmlns:r="http://schemas.openxmlformats.org/officeDocument/2006/relationships" xmlns:p="http://schemas.openxmlformats.org/presentationml/2006/main" saveSubsetFonts="1">
   <p:sldMasterIdLst>
-    <p:sldMasterId id="2147483660" r:id="rId1"/>
+    <p:sldMasterId id="2147483660" r:id="rId4"/>
   </p:sldMasterIdLst>
   <p:notesMasterIdLst>
-    <p:notesMasterId r:id="rId50"/>
+    <p:notesMasterId r:id="rId53"/>
   </p:notesMasterIdLst>
   <p:sldIdLst>
-    <p:sldId id="256" r:id="rId2"/>
-    <p:sldId id="258" r:id="rId3"/>
-    <p:sldId id="259" r:id="rId4"/>
-    <p:sldId id="260" r:id="rId5"/>
-    <p:sldId id="291" r:id="rId6"/>
-    <p:sldId id="262" r:id="rId7"/>
-    <p:sldId id="264" r:id="rId8"/>
-    <p:sldId id="265" r:id="rId9"/>
-    <p:sldId id="292" r:id="rId10"/>
-    <p:sldId id="293" r:id="rId11"/>
-    <p:sldId id="294" r:id="rId12"/>
-    <p:sldId id="266" r:id="rId13"/>
-    <p:sldId id="267" r:id="rId14"/>
-    <p:sldId id="295" r:id="rId15"/>
-    <p:sldId id="296" r:id="rId16"/>
-    <p:sldId id="297" r:id="rId17"/>
-    <p:sldId id="268" r:id="rId18"/>
-    <p:sldId id="269" r:id="rId19"/>
-    <p:sldId id="270" r:id="rId20"/>
-    <p:sldId id="272" r:id="rId21"/>
-    <p:sldId id="273" r:id="rId22"/>
-    <p:sldId id="274" r:id="rId23"/>
-    <p:sldId id="275" r:id="rId24"/>
-    <p:sldId id="276" r:id="rId25"/>
-    <p:sldId id="277" r:id="rId26"/>
-    <p:sldId id="278" r:id="rId27"/>
-    <p:sldId id="279" r:id="rId28"/>
-    <p:sldId id="298" r:id="rId29"/>
-    <p:sldId id="299" r:id="rId30"/>
-    <p:sldId id="280" r:id="rId31"/>
-    <p:sldId id="281" r:id="rId32"/>
-    <p:sldId id="282" r:id="rId33"/>
-    <p:sldId id="283" r:id="rId34"/>
-    <p:sldId id="284" r:id="rId35"/>
-    <p:sldId id="286" r:id="rId36"/>
-    <p:sldId id="287" r:id="rId37"/>
-    <p:sldId id="288" r:id="rId38"/>
-    <p:sldId id="289" r:id="rId39"/>
-    <p:sldId id="302" r:id="rId40"/>
-    <p:sldId id="303" r:id="rId41"/>
-    <p:sldId id="300" r:id="rId42"/>
-    <p:sldId id="301" r:id="rId43"/>
-    <p:sldId id="290" r:id="rId44"/>
-    <p:sldId id="305" r:id="rId45"/>
-    <p:sldId id="307" r:id="rId46"/>
-    <p:sldId id="306" r:id="rId47"/>
-    <p:sldId id="308" r:id="rId48"/>
-    <p:sldId id="304" r:id="rId49"/>
+    <p:sldId id="256" r:id="rId5"/>
+    <p:sldId id="258" r:id="rId6"/>
+    <p:sldId id="259" r:id="rId7"/>
+    <p:sldId id="260" r:id="rId8"/>
+    <p:sldId id="291" r:id="rId9"/>
+    <p:sldId id="262" r:id="rId10"/>
+    <p:sldId id="264" r:id="rId11"/>
+    <p:sldId id="265" r:id="rId12"/>
+    <p:sldId id="292" r:id="rId13"/>
+    <p:sldId id="293" r:id="rId14"/>
+    <p:sldId id="294" r:id="rId15"/>
+    <p:sldId id="266" r:id="rId16"/>
+    <p:sldId id="267" r:id="rId17"/>
+    <p:sldId id="295" r:id="rId18"/>
+    <p:sldId id="296" r:id="rId19"/>
+    <p:sldId id="297" r:id="rId20"/>
+    <p:sldId id="268" r:id="rId21"/>
+    <p:sldId id="269" r:id="rId22"/>
+    <p:sldId id="270" r:id="rId23"/>
+    <p:sldId id="272" r:id="rId24"/>
+    <p:sldId id="273" r:id="rId25"/>
+    <p:sldId id="274" r:id="rId26"/>
+    <p:sldId id="275" r:id="rId27"/>
+    <p:sldId id="276" r:id="rId28"/>
+    <p:sldId id="277" r:id="rId29"/>
+    <p:sldId id="278" r:id="rId30"/>
+    <p:sldId id="279" r:id="rId31"/>
+    <p:sldId id="298" r:id="rId32"/>
+    <p:sldId id="299" r:id="rId33"/>
+    <p:sldId id="280" r:id="rId34"/>
+    <p:sldId id="281" r:id="rId35"/>
+    <p:sldId id="282" r:id="rId36"/>
+    <p:sldId id="283" r:id="rId37"/>
+    <p:sldId id="284" r:id="rId38"/>
+    <p:sldId id="286" r:id="rId39"/>
+    <p:sldId id="287" r:id="rId40"/>
+    <p:sldId id="288" r:id="rId41"/>
+    <p:sldId id="289" r:id="rId42"/>
+    <p:sldId id="302" r:id="rId43"/>
+    <p:sldId id="303" r:id="rId44"/>
+    <p:sldId id="300" r:id="rId45"/>
+    <p:sldId id="301" r:id="rId46"/>
+    <p:sldId id="290" r:id="rId47"/>
+    <p:sldId id="305" r:id="rId48"/>
+    <p:sldId id="307" r:id="rId49"/>
+    <p:sldId id="306" r:id="rId50"/>
+    <p:sldId id="304" r:id="rId51"/>
+    <p:sldId id="308" r:id="rId52"/>
   </p:sldIdLst>
   <p:sldSz cx="9144000" cy="6858000" type="screen4x3"/>
   <p:notesSz cx="6858000" cy="9144000"/>
@@ -156,7 +156,7 @@
   </p:defaultTextStyle>
   <p:extLst>
     <p:ext uri="{EFAFB233-063F-42B5-8137-9DF3F51BA10A}">
-      <p15:sldGuideLst xmlns="" xmlns:p15="http://schemas.microsoft.com/office/powerpoint/2012/main">
+      <p15:sldGuideLst xmlns:p15="http://schemas.microsoft.com/office/powerpoint/2012/main">
         <p15:guide id="1" orient="horz" pos="2160">
           <p15:clr>
             <a:srgbClr val="A4A3A4"/>
@@ -171,6 +171,35 @@
     </p:ext>
   </p:extLst>
 </p:presentation>
+</file>
+
+<file path=ppt/revisionInfo.xml><?xml version="1.0" encoding="utf-8"?>
+<p1510:revInfo xmlns:a="http://schemas.openxmlformats.org/drawingml/2006/main" xmlns:r="http://schemas.openxmlformats.org/officeDocument/2006/relationships" xmlns:p1510="http://schemas.microsoft.com/office/powerpoint/2015/10/main">
+  <p1510:revLst>
+    <p1510:client id="{27D64610-1EC2-4081-9CDA-AFD4D2A6B4D1}" v="1" dt="2020-10-31T09:40:10.691"/>
+  </p1510:revLst>
+</p1510:revInfo>
+</file>
+
+<file path=ppt/changesInfos/changesInfo1.xml><?xml version="1.0" encoding="utf-8"?>
+<pc:chgInfo xmlns:a="http://schemas.openxmlformats.org/drawingml/2006/main" xmlns:r="http://schemas.openxmlformats.org/officeDocument/2006/relationships" xmlns:ac="http://schemas.microsoft.com/office/drawing/2013/main/command" xmlns:pc="http://schemas.microsoft.com/office/powerpoint/2013/main/command">
+  <pc:docChgLst>
+    <pc:chgData name="KSHITIJ CHAVAN - 70021018021" userId="S::kshitij.chavan@svkmmumbai.onmicrosoft.com::1a9cb076-c6e8-49ad-9fa2-26b6d534538f" providerId="AD" clId="Web-{27D64610-1EC2-4081-9CDA-AFD4D2A6B4D1}"/>
+    <pc:docChg chg="sldOrd">
+      <pc:chgData name="KSHITIJ CHAVAN - 70021018021" userId="S::kshitij.chavan@svkmmumbai.onmicrosoft.com::1a9cb076-c6e8-49ad-9fa2-26b6d534538f" providerId="AD" clId="Web-{27D64610-1EC2-4081-9CDA-AFD4D2A6B4D1}" dt="2020-10-31T09:40:10.691" v="0"/>
+      <pc:docMkLst>
+        <pc:docMk/>
+      </pc:docMkLst>
+      <pc:sldChg chg="ord">
+        <pc:chgData name="KSHITIJ CHAVAN - 70021018021" userId="S::kshitij.chavan@svkmmumbai.onmicrosoft.com::1a9cb076-c6e8-49ad-9fa2-26b6d534538f" providerId="AD" clId="Web-{27D64610-1EC2-4081-9CDA-AFD4D2A6B4D1}" dt="2020-10-31T09:40:10.691" v="0"/>
+        <pc:sldMkLst>
+          <pc:docMk/>
+          <pc:sldMk cId="0" sldId="304"/>
+        </pc:sldMkLst>
+      </pc:sldChg>
+    </pc:docChg>
+  </pc:docChgLst>
+</pc:chgInfo>
 </file>
 
 <file path=ppt/notesMasters/notesMaster1.xml><?xml version="1.0" encoding="utf-8"?>
@@ -256,7 +285,7 @@
             <a:fld id="{752BF271-DDCD-4A8F-9993-CA5C9EE05E03}" type="datetimeFigureOut">
               <a:rPr lang="en-US" smtClean="0"/>
               <a:pPr/>
-              <a:t>7/30/2020</a:t>
+              <a:t>10/31/2020</a:t>
             </a:fld>
             <a:endParaRPr lang="en-US"/>
           </a:p>
@@ -320,38 +349,37 @@
           <a:p>
             <a:pPr lvl="0"/>
             <a:r>
-              <a:rPr lang="en-US" smtClean="0"/>
+              <a:rPr lang="en-US"/>
               <a:t>Click to edit Master text styles</a:t>
             </a:r>
           </a:p>
           <a:p>
             <a:pPr lvl="1"/>
             <a:r>
-              <a:rPr lang="en-US" smtClean="0"/>
+              <a:rPr lang="en-US"/>
               <a:t>Second level</a:t>
             </a:r>
           </a:p>
           <a:p>
             <a:pPr lvl="2"/>
             <a:r>
-              <a:rPr lang="en-US" smtClean="0"/>
+              <a:rPr lang="en-US"/>
               <a:t>Third level</a:t>
             </a:r>
           </a:p>
           <a:p>
             <a:pPr lvl="3"/>
             <a:r>
-              <a:rPr lang="en-US" smtClean="0"/>
+              <a:rPr lang="en-US"/>
               <a:t>Fourth level</a:t>
             </a:r>
           </a:p>
           <a:p>
             <a:pPr lvl="4"/>
             <a:r>
-              <a:rPr lang="en-US" smtClean="0"/>
+              <a:rPr lang="en-US"/>
               <a:t>Fifth level</a:t>
             </a:r>
-            <a:endParaRPr lang="en-US"/>
           </a:p>
         </p:txBody>
       </p:sp>
@@ -425,7 +453,7 @@
     </p:spTree>
     <p:extLst>
       <p:ext uri="{BB962C8B-B14F-4D97-AF65-F5344CB8AC3E}">
-        <p14:creationId xmlns="" xmlns:p14="http://schemas.microsoft.com/office/powerpoint/2010/main" val="2347156669"/>
+        <p14:creationId xmlns:p14="http://schemas.microsoft.com/office/powerpoint/2010/main" val="2347156669"/>
       </p:ext>
     </p:extLst>
   </p:cSld>
@@ -570,7 +598,7 @@
           <a:lstStyle/>
           <a:p>
             <a:r>
-              <a:rPr lang="en-US" sz="1200" dirty="0" smtClean="0"/>
+              <a:rPr lang="en-US" sz="1200" dirty="0"/>
               <a:t>a conflict (two sheets define a style for the same HTML element</a:t>
             </a:r>
             <a:endParaRPr lang="en-US" dirty="0"/>
@@ -604,7 +632,7 @@
     </p:spTree>
     <p:extLst>
       <p:ext uri="{BB962C8B-B14F-4D97-AF65-F5344CB8AC3E}">
-        <p14:creationId xmlns="" xmlns:p14="http://schemas.microsoft.com/office/powerpoint/2010/main" val="2336578276"/>
+        <p14:creationId xmlns:p14="http://schemas.microsoft.com/office/powerpoint/2010/main" val="2336578276"/>
       </p:ext>
     </p:extLst>
   </p:cSld>
@@ -689,7 +717,7 @@
     </p:spTree>
     <p:extLst>
       <p:ext uri="{BB962C8B-B14F-4D97-AF65-F5344CB8AC3E}">
-        <p14:creationId xmlns="" xmlns:p14="http://schemas.microsoft.com/office/powerpoint/2010/main" val="2655821790"/>
+        <p14:creationId xmlns:p14="http://schemas.microsoft.com/office/powerpoint/2010/main" val="2655821790"/>
       </p:ext>
     </p:extLst>
   </p:cSld>
@@ -774,7 +802,7 @@
     </p:spTree>
     <p:extLst>
       <p:ext uri="{BB962C8B-B14F-4D97-AF65-F5344CB8AC3E}">
-        <p14:creationId xmlns="" xmlns:p14="http://schemas.microsoft.com/office/powerpoint/2010/main" val="2336578276"/>
+        <p14:creationId xmlns:p14="http://schemas.microsoft.com/office/powerpoint/2010/main" val="2336578276"/>
       </p:ext>
     </p:extLst>
   </p:cSld>
@@ -829,20 +857,20 @@
           <a:lstStyle/>
           <a:p>
             <a:r>
-              <a:rPr lang="en-US" sz="1200" dirty="0" smtClean="0">
+              <a:rPr lang="en-US" sz="1200" dirty="0">
                 <a:latin typeface="Courier New" pitchFamily="49" charset="0"/>
                 <a:cs typeface="Courier New" pitchFamily="49" charset="0"/>
               </a:rPr>
               <a:t>justify </a:t>
             </a:r>
             <a:r>
-              <a:rPr lang="en-US" sz="1200" dirty="0" smtClean="0"/>
+              <a:rPr lang="en-US" sz="1200" dirty="0"/>
               <a:t>(which widens all full lines</a:t>
             </a:r>
           </a:p>
           <a:p>
             <a:r>
-              <a:rPr lang="en-US" sz="1200" dirty="0" smtClean="0"/>
+              <a:rPr lang="en-US" sz="1200" dirty="0"/>
               <a:t>of the element so that they occupy its entire width)</a:t>
             </a:r>
           </a:p>
@@ -878,7 +906,7 @@
     </p:spTree>
     <p:extLst>
       <p:ext uri="{BB962C8B-B14F-4D97-AF65-F5344CB8AC3E}">
-        <p14:creationId xmlns="" xmlns:p14="http://schemas.microsoft.com/office/powerpoint/2010/main" val="2655821790"/>
+        <p14:creationId xmlns:p14="http://schemas.microsoft.com/office/powerpoint/2010/main" val="2655821790"/>
       </p:ext>
     </p:extLst>
   </p:cSld>
@@ -963,7 +991,7 @@
     </p:spTree>
     <p:extLst>
       <p:ext uri="{BB962C8B-B14F-4D97-AF65-F5344CB8AC3E}">
-        <p14:creationId xmlns="" xmlns:p14="http://schemas.microsoft.com/office/powerpoint/2010/main" val="2655821790"/>
+        <p14:creationId xmlns:p14="http://schemas.microsoft.com/office/powerpoint/2010/main" val="2655821790"/>
       </p:ext>
     </p:extLst>
   </p:cSld>
@@ -1048,7 +1076,7 @@
     </p:spTree>
     <p:extLst>
       <p:ext uri="{BB962C8B-B14F-4D97-AF65-F5344CB8AC3E}">
-        <p14:creationId xmlns="" xmlns:p14="http://schemas.microsoft.com/office/powerpoint/2010/main" val="2655821790"/>
+        <p14:creationId xmlns:p14="http://schemas.microsoft.com/office/powerpoint/2010/main" val="2655821790"/>
       </p:ext>
     </p:extLst>
   </p:cSld>
@@ -1133,7 +1161,7 @@
     </p:spTree>
     <p:extLst>
       <p:ext uri="{BB962C8B-B14F-4D97-AF65-F5344CB8AC3E}">
-        <p14:creationId xmlns="" xmlns:p14="http://schemas.microsoft.com/office/powerpoint/2010/main" val="2655821790"/>
+        <p14:creationId xmlns:p14="http://schemas.microsoft.com/office/powerpoint/2010/main" val="2655821790"/>
       </p:ext>
     </p:extLst>
   </p:cSld>
@@ -1188,10 +1216,10 @@
           <a:lstStyle/>
           <a:p>
             <a:r>
-              <a:rPr lang="en-US" sz="1200" dirty="0" smtClean="0"/>
+              <a:rPr lang="en-US" sz="1200" dirty="0"/>
               <a:t>not all properties are inherited (notice link's color above)</a:t>
             </a:r>
-            <a:endParaRPr lang="en-US" sz="1200" dirty="0" smtClean="0">
+            <a:endParaRPr lang="en-US" sz="1200" dirty="0">
               <a:latin typeface="Courier New" pitchFamily="49" charset="0"/>
               <a:cs typeface="Courier New" pitchFamily="49" charset="0"/>
             </a:endParaRPr>
@@ -1228,7 +1256,7 @@
     </p:spTree>
     <p:extLst>
       <p:ext uri="{BB962C8B-B14F-4D97-AF65-F5344CB8AC3E}">
-        <p14:creationId xmlns="" xmlns:p14="http://schemas.microsoft.com/office/powerpoint/2010/main" val="2655821790"/>
+        <p14:creationId xmlns:p14="http://schemas.microsoft.com/office/powerpoint/2010/main" val="2655821790"/>
       </p:ext>
     </p:extLst>
   </p:cSld>
@@ -1300,7 +1328,7 @@
               <a:defRPr/>
             </a:pPr>
             <a:r>
-              <a:rPr lang="en-US" sz="1200" dirty="0" smtClean="0"/>
+              <a:rPr lang="en-US" sz="1200" dirty="0"/>
               <a:t>(later we will learn about more specific styles that can override more general styles)</a:t>
             </a:r>
           </a:p>
@@ -1336,7 +1364,7 @@
     </p:spTree>
     <p:extLst>
       <p:ext uri="{BB962C8B-B14F-4D97-AF65-F5344CB8AC3E}">
-        <p14:creationId xmlns="" xmlns:p14="http://schemas.microsoft.com/office/powerpoint/2010/main" val="2655821790"/>
+        <p14:creationId xmlns:p14="http://schemas.microsoft.com/office/powerpoint/2010/main" val="2655821790"/>
       </p:ext>
     </p:extLst>
   </p:cSld>
@@ -1421,7 +1449,7 @@
     </p:spTree>
     <p:extLst>
       <p:ext uri="{BB962C8B-B14F-4D97-AF65-F5344CB8AC3E}">
-        <p14:creationId xmlns="" xmlns:p14="http://schemas.microsoft.com/office/powerpoint/2010/main" val="2655821790"/>
+        <p14:creationId xmlns:p14="http://schemas.microsoft.com/office/powerpoint/2010/main" val="2655821790"/>
       </p:ext>
     </p:extLst>
   </p:cSld>
@@ -1506,7 +1534,7 @@
     </p:spTree>
     <p:extLst>
       <p:ext uri="{BB962C8B-B14F-4D97-AF65-F5344CB8AC3E}">
-        <p14:creationId xmlns="" xmlns:p14="http://schemas.microsoft.com/office/powerpoint/2010/main" val="2655821790"/>
+        <p14:creationId xmlns:p14="http://schemas.microsoft.com/office/powerpoint/2010/main" val="2655821790"/>
       </p:ext>
     </p:extLst>
   </p:cSld>
@@ -1711,10 +1739,9 @@
           </a:lstStyle>
           <a:p>
             <a:r>
-              <a:rPr lang="en-US" smtClean="0"/>
+              <a:rPr lang="en-US"/>
               <a:t>Click to edit Master title style</a:t>
             </a:r>
-            <a:endParaRPr lang="en-US"/>
           </a:p>
         </p:txBody>
       </p:sp>
@@ -1774,10 +1801,9 @@
           </a:lstStyle>
           <a:p>
             <a:r>
-              <a:rPr lang="en-US" smtClean="0"/>
+              <a:rPr lang="en-US"/>
               <a:t>Click to edit Master subtitle style</a:t>
             </a:r>
-            <a:endParaRPr lang="en-US"/>
           </a:p>
         </p:txBody>
       </p:sp>
@@ -1814,7 +1840,7 @@
             <a:fld id="{BC193921-F84E-439E-B46B-DB61D97E7DFC}" type="datetime1">
               <a:rPr lang="en-US" smtClean="0"/>
               <a:pPr/>
-              <a:t>7/30/2020</a:t>
+              <a:t>10/31/2020</a:t>
             </a:fld>
             <a:endParaRPr lang="en-US"/>
           </a:p>
@@ -1849,10 +1875,9 @@
           </a:lstStyle>
           <a:p>
             <a:r>
-              <a:rPr lang="en-US" dirty="0" smtClean="0"/>
+              <a:rPr lang="en-US" dirty="0"/>
               <a:t>CS380</a:t>
             </a:r>
-            <a:endParaRPr lang="en-US" dirty="0"/>
           </a:p>
         </p:txBody>
       </p:sp>
@@ -1898,13 +1923,6 @@
   <p:clrMapOvr>
     <a:overrideClrMapping bg1="dk1" tx1="lt1" bg2="dk2" tx2="lt2" accent1="accent1" accent2="accent2" accent3="accent3" accent4="accent4" accent5="accent5" accent6="accent6" hlink="hlink" folHlink="folHlink"/>
   </p:clrMapOvr>
-  <p:timing>
-    <p:tnLst>
-      <p:par>
-        <p:cTn id="1" dur="indefinite" restart="never" nodeType="tmRoot"/>
-      </p:par>
-    </p:tnLst>
-  </p:timing>
 </p:sldLayout>
 </file>
 
@@ -1941,10 +1959,9 @@
           <a:lstStyle/>
           <a:p>
             <a:r>
-              <a:rPr lang="en-US" smtClean="0"/>
+              <a:rPr lang="en-US"/>
               <a:t>Click to edit Master title style</a:t>
             </a:r>
-            <a:endParaRPr lang="en-US"/>
           </a:p>
         </p:txBody>
       </p:sp>
@@ -1965,38 +1982,37 @@
           <a:p>
             <a:pPr lvl="0"/>
             <a:r>
-              <a:rPr lang="en-US" smtClean="0"/>
+              <a:rPr lang="en-US"/>
               <a:t>Click to edit Master text styles</a:t>
             </a:r>
           </a:p>
           <a:p>
             <a:pPr lvl="1"/>
             <a:r>
-              <a:rPr lang="en-US" smtClean="0"/>
+              <a:rPr lang="en-US"/>
               <a:t>Second level</a:t>
             </a:r>
           </a:p>
           <a:p>
             <a:pPr lvl="2"/>
             <a:r>
-              <a:rPr lang="en-US" smtClean="0"/>
+              <a:rPr lang="en-US"/>
               <a:t>Third level</a:t>
             </a:r>
           </a:p>
           <a:p>
             <a:pPr lvl="3"/>
             <a:r>
-              <a:rPr lang="en-US" smtClean="0"/>
+              <a:rPr lang="en-US"/>
               <a:t>Fourth level</a:t>
             </a:r>
           </a:p>
           <a:p>
             <a:pPr lvl="4"/>
             <a:r>
-              <a:rPr lang="en-US" smtClean="0"/>
+              <a:rPr lang="en-US"/>
               <a:t>Fifth level</a:t>
             </a:r>
-            <a:endParaRPr lang="en-US"/>
           </a:p>
         </p:txBody>
       </p:sp>
@@ -2022,7 +2038,7 @@
             <a:fld id="{134DFF5B-3307-489E-9EDF-9936DA106646}" type="datetime1">
               <a:rPr lang="en-US" smtClean="0"/>
               <a:pPr/>
-              <a:t>7/30/2020</a:t>
+              <a:t>10/31/2020</a:t>
             </a:fld>
             <a:endParaRPr lang="en-US"/>
           </a:p>
@@ -2048,10 +2064,9 @@
           </a:lstStyle>
           <a:p>
             <a:r>
-              <a:rPr lang="en-US" smtClean="0"/>
+              <a:rPr lang="en-US"/>
               <a:t>CS380</a:t>
             </a:r>
-            <a:endParaRPr lang="en-US"/>
           </a:p>
         </p:txBody>
       </p:sp>
@@ -2088,13 +2103,6 @@
   <p:clrMapOvr>
     <a:masterClrMapping/>
   </p:clrMapOvr>
-  <p:timing>
-    <p:tnLst>
-      <p:par>
-        <p:cTn id="1" dur="indefinite" restart="never" nodeType="tmRoot"/>
-      </p:par>
-    </p:tnLst>
-  </p:timing>
 </p:sldLayout>
 </file>
 
@@ -2277,10 +2285,9 @@
           <a:lstStyle/>
           <a:p>
             <a:r>
-              <a:rPr lang="en-US" smtClean="0"/>
+              <a:rPr lang="en-US"/>
               <a:t>Click to edit Master title style</a:t>
             </a:r>
-            <a:endParaRPr lang="en-US"/>
           </a:p>
         </p:txBody>
       </p:sp>
@@ -2306,38 +2313,37 @@
           <a:p>
             <a:pPr lvl="0"/>
             <a:r>
-              <a:rPr lang="en-US" smtClean="0"/>
+              <a:rPr lang="en-US"/>
               <a:t>Click to edit Master text styles</a:t>
             </a:r>
           </a:p>
           <a:p>
             <a:pPr lvl="1"/>
             <a:r>
-              <a:rPr lang="en-US" smtClean="0"/>
+              <a:rPr lang="en-US"/>
               <a:t>Second level</a:t>
             </a:r>
           </a:p>
           <a:p>
             <a:pPr lvl="2"/>
             <a:r>
-              <a:rPr lang="en-US" smtClean="0"/>
+              <a:rPr lang="en-US"/>
               <a:t>Third level</a:t>
             </a:r>
           </a:p>
           <a:p>
             <a:pPr lvl="3"/>
             <a:r>
-              <a:rPr lang="en-US" smtClean="0"/>
+              <a:rPr lang="en-US"/>
               <a:t>Fourth level</a:t>
             </a:r>
           </a:p>
           <a:p>
             <a:pPr lvl="4"/>
             <a:r>
-              <a:rPr lang="en-US" smtClean="0"/>
+              <a:rPr lang="en-US"/>
               <a:t>Fifth level</a:t>
             </a:r>
-            <a:endParaRPr lang="en-US"/>
           </a:p>
         </p:txBody>
       </p:sp>
@@ -2368,7 +2374,7 @@
             <a:fld id="{F426D0EE-D62E-453B-A5F4-24826C59CFE2}" type="datetime1">
               <a:rPr lang="en-US" smtClean="0"/>
               <a:pPr/>
-              <a:t>7/30/2020</a:t>
+              <a:t>10/31/2020</a:t>
             </a:fld>
             <a:endParaRPr lang="en-US"/>
           </a:p>
@@ -2399,10 +2405,9 @@
           </a:lstStyle>
           <a:p>
             <a:r>
-              <a:rPr lang="en-US" smtClean="0"/>
+              <a:rPr lang="en-US"/>
               <a:t>CS380</a:t>
             </a:r>
-            <a:endParaRPr lang="en-US"/>
           </a:p>
         </p:txBody>
       </p:sp>
@@ -2444,13 +2449,6 @@
   <p:clrMapOvr>
     <a:overrideClrMapping bg1="lt1" tx1="dk1" bg2="lt2" tx2="dk2" accent1="accent1" accent2="accent2" accent3="accent3" accent4="accent4" accent5="accent5" accent6="accent6" hlink="hlink" folHlink="folHlink"/>
   </p:clrMapOvr>
-  <p:timing>
-    <p:tnLst>
-      <p:par>
-        <p:cTn id="1" dur="indefinite" restart="never" nodeType="tmRoot"/>
-      </p:par>
-    </p:tnLst>
-  </p:timing>
 </p:sldLayout>
 </file>
 
@@ -2492,10 +2490,9 @@
           <a:lstStyle/>
           <a:p>
             <a:r>
-              <a:rPr lang="en-US" smtClean="0"/>
+              <a:rPr lang="en-US"/>
               <a:t>Click to edit Master title style</a:t>
             </a:r>
-            <a:endParaRPr lang="en-US"/>
           </a:p>
         </p:txBody>
       </p:sp>
@@ -2521,38 +2518,37 @@
           <a:p>
             <a:pPr lvl="0"/>
             <a:r>
-              <a:rPr lang="en-US" smtClean="0"/>
+              <a:rPr lang="en-US"/>
               <a:t>Click to edit Master text styles</a:t>
             </a:r>
           </a:p>
           <a:p>
             <a:pPr lvl="1"/>
             <a:r>
-              <a:rPr lang="en-US" smtClean="0"/>
+              <a:rPr lang="en-US"/>
               <a:t>Second level</a:t>
             </a:r>
           </a:p>
           <a:p>
             <a:pPr lvl="2"/>
             <a:r>
-              <a:rPr lang="en-US" smtClean="0"/>
+              <a:rPr lang="en-US"/>
               <a:t>Third level</a:t>
             </a:r>
           </a:p>
           <a:p>
             <a:pPr lvl="3"/>
             <a:r>
-              <a:rPr lang="en-US" smtClean="0"/>
+              <a:rPr lang="en-US"/>
               <a:t>Fourth level</a:t>
             </a:r>
           </a:p>
           <a:p>
             <a:pPr lvl="4"/>
             <a:r>
-              <a:rPr lang="en-US" smtClean="0"/>
+              <a:rPr lang="en-US"/>
               <a:t>Fifth level</a:t>
             </a:r>
-            <a:endParaRPr lang="en-US"/>
           </a:p>
         </p:txBody>
       </p:sp>
@@ -2578,7 +2574,7 @@
             <a:fld id="{730D47AF-89C0-48CA-824F-ADDD7B01EE5E}" type="datetime1">
               <a:rPr lang="en-US" smtClean="0"/>
               <a:pPr/>
-              <a:t>7/30/2020</a:t>
+              <a:t>10/31/2020</a:t>
             </a:fld>
             <a:endParaRPr lang="en-US"/>
           </a:p>
@@ -2604,10 +2600,9 @@
           </a:lstStyle>
           <a:p>
             <a:r>
-              <a:rPr lang="en-US" smtClean="0"/>
+              <a:rPr lang="en-US"/>
               <a:t>CS380</a:t>
             </a:r>
-            <a:endParaRPr lang="en-US"/>
           </a:p>
         </p:txBody>
       </p:sp>
@@ -2644,13 +2639,6 @@
   <p:clrMapOvr>
     <a:masterClrMapping/>
   </p:clrMapOvr>
-  <p:timing>
-    <p:tnLst>
-      <p:par>
-        <p:cTn id="1" dur="indefinite" restart="never" nodeType="tmRoot"/>
-      </p:par>
-    </p:tnLst>
-  </p:timing>
 </p:sldLayout>
 </file>
 
@@ -2895,7 +2883,7 @@
           <a:p>
             <a:pPr lvl="0"/>
             <a:r>
-              <a:rPr lang="en-US" smtClean="0"/>
+              <a:rPr lang="en-US"/>
               <a:t>Click to edit Master text styles</a:t>
             </a:r>
           </a:p>
@@ -2931,10 +2919,9 @@
           </a:lstStyle>
           <a:p>
             <a:r>
-              <a:rPr lang="en-US" smtClean="0"/>
+              <a:rPr lang="en-US"/>
               <a:t>Click to edit Master title style</a:t>
             </a:r>
-            <a:endParaRPr lang="en-US"/>
           </a:p>
         </p:txBody>
       </p:sp>
@@ -2960,7 +2947,7 @@
             <a:fld id="{CE428347-ED47-47AA-9898-2D49B348C40D}" type="datetime1">
               <a:rPr lang="en-US" smtClean="0"/>
               <a:pPr/>
-              <a:t>7/30/2020</a:t>
+              <a:t>10/31/2020</a:t>
             </a:fld>
             <a:endParaRPr lang="en-US"/>
           </a:p>
@@ -3025,10 +3012,9 @@
           </a:lstStyle>
           <a:p>
             <a:r>
-              <a:rPr lang="en-US" smtClean="0"/>
+              <a:rPr lang="en-US"/>
               <a:t>CS380</a:t>
             </a:r>
-            <a:endParaRPr lang="en-US"/>
           </a:p>
         </p:txBody>
       </p:sp>
@@ -3037,13 +3023,6 @@
   <p:clrMapOvr>
     <a:overrideClrMapping bg1="lt1" tx1="dk1" bg2="lt2" tx2="dk2" accent1="accent1" accent2="accent2" accent3="accent3" accent4="accent4" accent5="accent5" accent6="accent6" hlink="hlink" folHlink="folHlink"/>
   </p:clrMapOvr>
-  <p:timing>
-    <p:tnLst>
-      <p:par>
-        <p:cTn id="1" dur="indefinite" restart="never" nodeType="tmRoot"/>
-      </p:par>
-    </p:tnLst>
-  </p:timing>
 </p:sldLayout>
 </file>
 
@@ -3080,10 +3059,9 @@
           <a:lstStyle/>
           <a:p>
             <a:r>
-              <a:rPr lang="en-US" smtClean="0"/>
+              <a:rPr lang="en-US"/>
               <a:t>Click to edit Master title style</a:t>
             </a:r>
-            <a:endParaRPr lang="en-US"/>
           </a:p>
         </p:txBody>
       </p:sp>
@@ -3109,38 +3087,37 @@
           <a:p>
             <a:pPr lvl="0"/>
             <a:r>
-              <a:rPr lang="en-US" smtClean="0"/>
+              <a:rPr lang="en-US"/>
               <a:t>Click to edit Master text styles</a:t>
             </a:r>
           </a:p>
           <a:p>
             <a:pPr lvl="1"/>
             <a:r>
-              <a:rPr lang="en-US" smtClean="0"/>
+              <a:rPr lang="en-US"/>
               <a:t>Second level</a:t>
             </a:r>
           </a:p>
           <a:p>
             <a:pPr lvl="2"/>
             <a:r>
-              <a:rPr lang="en-US" smtClean="0"/>
+              <a:rPr lang="en-US"/>
               <a:t>Third level</a:t>
             </a:r>
           </a:p>
           <a:p>
             <a:pPr lvl="3"/>
             <a:r>
-              <a:rPr lang="en-US" smtClean="0"/>
+              <a:rPr lang="en-US"/>
               <a:t>Fourth level</a:t>
             </a:r>
           </a:p>
           <a:p>
             <a:pPr lvl="4"/>
             <a:r>
-              <a:rPr lang="en-US" smtClean="0"/>
+              <a:rPr lang="en-US"/>
               <a:t>Fifth level</a:t>
             </a:r>
-            <a:endParaRPr lang="en-US"/>
           </a:p>
         </p:txBody>
       </p:sp>
@@ -3166,38 +3143,37 @@
           <a:p>
             <a:pPr lvl="0"/>
             <a:r>
-              <a:rPr lang="en-US" smtClean="0"/>
+              <a:rPr lang="en-US"/>
               <a:t>Click to edit Master text styles</a:t>
             </a:r>
           </a:p>
           <a:p>
             <a:pPr lvl="1"/>
             <a:r>
-              <a:rPr lang="en-US" smtClean="0"/>
+              <a:rPr lang="en-US"/>
               <a:t>Second level</a:t>
             </a:r>
           </a:p>
           <a:p>
             <a:pPr lvl="2"/>
             <a:r>
-              <a:rPr lang="en-US" smtClean="0"/>
+              <a:rPr lang="en-US"/>
               <a:t>Third level</a:t>
             </a:r>
           </a:p>
           <a:p>
             <a:pPr lvl="3"/>
             <a:r>
-              <a:rPr lang="en-US" smtClean="0"/>
+              <a:rPr lang="en-US"/>
               <a:t>Fourth level</a:t>
             </a:r>
           </a:p>
           <a:p>
             <a:pPr lvl="4"/>
             <a:r>
-              <a:rPr lang="en-US" smtClean="0"/>
+              <a:rPr lang="en-US"/>
               <a:t>Fifth level</a:t>
             </a:r>
-            <a:endParaRPr lang="en-US"/>
           </a:p>
         </p:txBody>
       </p:sp>
@@ -3223,7 +3199,7 @@
             <a:fld id="{20D67355-D6E9-41E9-A701-C7483A6C9F14}" type="datetime1">
               <a:rPr lang="en-US" smtClean="0"/>
               <a:pPr/>
-              <a:t>7/30/2020</a:t>
+              <a:t>10/31/2020</a:t>
             </a:fld>
             <a:endParaRPr lang="en-US"/>
           </a:p>
@@ -3277,10 +3253,9 @@
           </a:lstStyle>
           <a:p>
             <a:r>
-              <a:rPr lang="en-US" smtClean="0"/>
+              <a:rPr lang="en-US"/>
               <a:t>CS380</a:t>
             </a:r>
-            <a:endParaRPr lang="en-US"/>
           </a:p>
         </p:txBody>
       </p:sp>
@@ -3289,13 +3264,6 @@
   <p:clrMapOvr>
     <a:masterClrMapping/>
   </p:clrMapOvr>
-  <p:timing>
-    <p:tnLst>
-      <p:par>
-        <p:cTn id="1" dur="indefinite" restart="never" nodeType="tmRoot"/>
-      </p:par>
-    </p:tnLst>
-  </p:timing>
 </p:sldLayout>
 </file>
 
@@ -3341,10 +3309,9 @@
           </a:lstStyle>
           <a:p>
             <a:r>
-              <a:rPr lang="en-US" smtClean="0"/>
+              <a:rPr lang="en-US"/>
               <a:t>Click to edit Master title style</a:t>
             </a:r>
-            <a:endParaRPr lang="en-US"/>
           </a:p>
         </p:txBody>
       </p:sp>
@@ -3370,38 +3337,37 @@
           <a:p>
             <a:pPr lvl="0"/>
             <a:r>
-              <a:rPr lang="en-US" smtClean="0"/>
+              <a:rPr lang="en-US"/>
               <a:t>Click to edit Master text styles</a:t>
             </a:r>
           </a:p>
           <a:p>
             <a:pPr lvl="1"/>
             <a:r>
-              <a:rPr lang="en-US" smtClean="0"/>
+              <a:rPr lang="en-US"/>
               <a:t>Second level</a:t>
             </a:r>
           </a:p>
           <a:p>
             <a:pPr lvl="2"/>
             <a:r>
-              <a:rPr lang="en-US" smtClean="0"/>
+              <a:rPr lang="en-US"/>
               <a:t>Third level</a:t>
             </a:r>
           </a:p>
           <a:p>
             <a:pPr lvl="3"/>
             <a:r>
-              <a:rPr lang="en-US" smtClean="0"/>
+              <a:rPr lang="en-US"/>
               <a:t>Fourth level</a:t>
             </a:r>
           </a:p>
           <a:p>
             <a:pPr lvl="4"/>
             <a:r>
-              <a:rPr lang="en-US" smtClean="0"/>
+              <a:rPr lang="en-US"/>
               <a:t>Fifth level</a:t>
             </a:r>
-            <a:endParaRPr lang="en-US"/>
           </a:p>
         </p:txBody>
       </p:sp>
@@ -3427,38 +3393,37 @@
           <a:p>
             <a:pPr lvl="0"/>
             <a:r>
-              <a:rPr lang="en-US" smtClean="0"/>
+              <a:rPr lang="en-US"/>
               <a:t>Click to edit Master text styles</a:t>
             </a:r>
           </a:p>
           <a:p>
             <a:pPr lvl="1"/>
             <a:r>
-              <a:rPr lang="en-US" smtClean="0"/>
+              <a:rPr lang="en-US"/>
               <a:t>Second level</a:t>
             </a:r>
           </a:p>
           <a:p>
             <a:pPr lvl="2"/>
             <a:r>
-              <a:rPr lang="en-US" smtClean="0"/>
+              <a:rPr lang="en-US"/>
               <a:t>Third level</a:t>
             </a:r>
           </a:p>
           <a:p>
             <a:pPr lvl="3"/>
             <a:r>
-              <a:rPr lang="en-US" smtClean="0"/>
+              <a:rPr lang="en-US"/>
               <a:t>Fourth level</a:t>
             </a:r>
           </a:p>
           <a:p>
             <a:pPr lvl="4"/>
             <a:r>
-              <a:rPr lang="en-US" smtClean="0"/>
+              <a:rPr lang="en-US"/>
               <a:t>Fifth level</a:t>
             </a:r>
-            <a:endParaRPr lang="en-US"/>
           </a:p>
         </p:txBody>
       </p:sp>
@@ -3497,7 +3462,7 @@
           <a:p>
             <a:pPr lvl="0"/>
             <a:r>
-              <a:rPr lang="en-US" smtClean="0"/>
+              <a:rPr lang="en-US"/>
               <a:t>Click to edit Master text styles</a:t>
             </a:r>
           </a:p>
@@ -3538,7 +3503,7 @@
           <a:p>
             <a:pPr lvl="0"/>
             <a:r>
-              <a:rPr lang="en-US" smtClean="0"/>
+              <a:rPr lang="en-US"/>
               <a:t>Click to edit Master text styles</a:t>
             </a:r>
           </a:p>
@@ -3566,7 +3531,7 @@
             <a:fld id="{732B2286-9226-4041-9EA9-52AF1C99806A}" type="datetime1">
               <a:rPr lang="en-US" smtClean="0"/>
               <a:pPr/>
-              <a:t>7/30/2020</a:t>
+              <a:t>10/31/2020</a:t>
             </a:fld>
             <a:endParaRPr lang="en-US"/>
           </a:p>
@@ -3620,10 +3585,9 @@
           </a:lstStyle>
           <a:p>
             <a:r>
-              <a:rPr lang="en-US" smtClean="0"/>
+              <a:rPr lang="en-US"/>
               <a:t>CS380</a:t>
             </a:r>
-            <a:endParaRPr lang="en-US"/>
           </a:p>
         </p:txBody>
       </p:sp>
@@ -3632,13 +3596,6 @@
   <p:clrMapOvr>
     <a:masterClrMapping/>
   </p:clrMapOvr>
-  <p:timing>
-    <p:tnLst>
-      <p:par>
-        <p:cTn id="1" dur="indefinite" restart="never" nodeType="tmRoot"/>
-      </p:par>
-    </p:tnLst>
-  </p:timing>
 </p:sldLayout>
 </file>
 
@@ -3675,10 +3632,9 @@
           <a:lstStyle/>
           <a:p>
             <a:r>
-              <a:rPr lang="en-US" smtClean="0"/>
+              <a:rPr lang="en-US"/>
               <a:t>Click to edit Master title style</a:t>
             </a:r>
-            <a:endParaRPr lang="en-US"/>
           </a:p>
         </p:txBody>
       </p:sp>
@@ -3704,7 +3660,7 @@
             <a:fld id="{29A9E3B4-C60B-4448-9541-A3A372E40858}" type="datetime1">
               <a:rPr lang="en-US" smtClean="0"/>
               <a:pPr/>
-              <a:t>7/30/2020</a:t>
+              <a:t>10/31/2020</a:t>
             </a:fld>
             <a:endParaRPr lang="en-US"/>
           </a:p>
@@ -3730,10 +3686,9 @@
           </a:lstStyle>
           <a:p>
             <a:r>
-              <a:rPr lang="en-US" smtClean="0"/>
+              <a:rPr lang="en-US"/>
               <a:t>CS380</a:t>
             </a:r>
-            <a:endParaRPr lang="en-US"/>
           </a:p>
         </p:txBody>
       </p:sp>
@@ -3770,13 +3725,6 @@
   <p:clrMapOvr>
     <a:masterClrMapping/>
   </p:clrMapOvr>
-  <p:timing>
-    <p:tnLst>
-      <p:par>
-        <p:cTn id="1" dur="indefinite" restart="never" nodeType="tmRoot"/>
-      </p:par>
-    </p:tnLst>
-  </p:timing>
 </p:sldLayout>
 </file>
 
@@ -3819,7 +3767,7 @@
             <a:fld id="{7F0ECC7C-FA33-4B46-B0E2-2C2D92E80238}" type="datetime1">
               <a:rPr lang="en-US" smtClean="0"/>
               <a:pPr/>
-              <a:t>7/30/2020</a:t>
+              <a:t>10/31/2020</a:t>
             </a:fld>
             <a:endParaRPr lang="en-US"/>
           </a:p>
@@ -3845,10 +3793,9 @@
           </a:lstStyle>
           <a:p>
             <a:r>
-              <a:rPr lang="en-US" smtClean="0"/>
+              <a:rPr lang="en-US"/>
               <a:t>CS380</a:t>
             </a:r>
-            <a:endParaRPr lang="en-US"/>
           </a:p>
         </p:txBody>
       </p:sp>
@@ -3894,13 +3841,6 @@
   <p:clrMapOvr>
     <a:masterClrMapping/>
   </p:clrMapOvr>
-  <p:timing>
-    <p:tnLst>
-      <p:par>
-        <p:cTn id="1" dur="indefinite" restart="never" nodeType="tmRoot"/>
-      </p:par>
-    </p:tnLst>
-  </p:timing>
 </p:sldLayout>
 </file>
 
@@ -3947,10 +3887,9 @@
           </a:lstStyle>
           <a:p>
             <a:r>
-              <a:rPr lang="en-US" smtClean="0"/>
+              <a:rPr lang="en-US"/>
               <a:t>Click to edit Master title style</a:t>
             </a:r>
-            <a:endParaRPr lang="en-US"/>
           </a:p>
         </p:txBody>
       </p:sp>
@@ -4022,7 +3961,7 @@
           <a:p>
             <a:pPr lvl="0"/>
             <a:r>
-              <a:rPr lang="en-US" smtClean="0"/>
+              <a:rPr lang="en-US"/>
               <a:t>Click to edit Master text styles</a:t>
             </a:r>
           </a:p>
@@ -4050,38 +3989,37 @@
           <a:p>
             <a:pPr lvl="0"/>
             <a:r>
-              <a:rPr lang="en-US" smtClean="0"/>
+              <a:rPr lang="en-US"/>
               <a:t>Click to edit Master text styles</a:t>
             </a:r>
           </a:p>
           <a:p>
             <a:pPr lvl="1"/>
             <a:r>
-              <a:rPr lang="en-US" smtClean="0"/>
+              <a:rPr lang="en-US"/>
               <a:t>Second level</a:t>
             </a:r>
           </a:p>
           <a:p>
             <a:pPr lvl="2"/>
             <a:r>
-              <a:rPr lang="en-US" smtClean="0"/>
+              <a:rPr lang="en-US"/>
               <a:t>Third level</a:t>
             </a:r>
           </a:p>
           <a:p>
             <a:pPr lvl="3"/>
             <a:r>
-              <a:rPr lang="en-US" smtClean="0"/>
+              <a:rPr lang="en-US"/>
               <a:t>Fourth level</a:t>
             </a:r>
           </a:p>
           <a:p>
             <a:pPr lvl="4"/>
             <a:r>
-              <a:rPr lang="en-US" smtClean="0"/>
+              <a:rPr lang="en-US"/>
               <a:t>Fifth level</a:t>
             </a:r>
-            <a:endParaRPr lang="en-US"/>
           </a:p>
         </p:txBody>
       </p:sp>
@@ -4107,7 +4045,7 @@
             <a:fld id="{1A6BBC48-6569-4B97-88AF-D0D0D2A921E7}" type="datetime1">
               <a:rPr lang="en-US" smtClean="0"/>
               <a:pPr/>
-              <a:t>7/30/2020</a:t>
+              <a:t>10/31/2020</a:t>
             </a:fld>
             <a:endParaRPr lang="en-US"/>
           </a:p>
@@ -4133,10 +4071,9 @@
           </a:lstStyle>
           <a:p>
             <a:r>
-              <a:rPr lang="en-US" smtClean="0"/>
+              <a:rPr lang="en-US"/>
               <a:t>CS380</a:t>
             </a:r>
-            <a:endParaRPr lang="en-US"/>
           </a:p>
         </p:txBody>
       </p:sp>
@@ -4173,13 +4110,6 @@
   <p:clrMapOvr>
     <a:masterClrMapping/>
   </p:clrMapOvr>
-  <p:timing>
-    <p:tnLst>
-      <p:par>
-        <p:cTn id="1" dur="indefinite" restart="never" nodeType="tmRoot"/>
-      </p:par>
-    </p:tnLst>
-  </p:timing>
 </p:sldLayout>
 </file>
 
@@ -4449,7 +4379,7 @@
           <a:p>
             <a:pPr lvl="0"/>
             <a:r>
-              <a:rPr lang="en-US" smtClean="0"/>
+              <a:rPr lang="en-US"/>
               <a:t>Click to edit Master text styles</a:t>
             </a:r>
           </a:p>
@@ -4485,10 +4415,9 @@
           </a:lstStyle>
           <a:p>
             <a:r>
-              <a:rPr lang="en-US" smtClean="0"/>
+              <a:rPr lang="en-US"/>
               <a:t>Click to edit Master title style</a:t>
             </a:r>
-            <a:endParaRPr lang="en-US"/>
           </a:p>
         </p:txBody>
       </p:sp>
@@ -4529,7 +4458,7 @@
           <a:p>
             <a:pPr lvl="0"/>
             <a:r>
-              <a:rPr lang="en-US" noProof="0" smtClean="0"/>
+              <a:rPr lang="en-US" noProof="0"/>
               <a:t>Click icon to add picture</a:t>
             </a:r>
             <a:endParaRPr lang="en-US" noProof="0" dirty="0"/>
@@ -4563,7 +4492,7 @@
             <a:fld id="{CB89FE90-1C4A-48E6-A136-0B030992077A}" type="datetime1">
               <a:rPr lang="en-US" smtClean="0"/>
               <a:pPr/>
-              <a:t>7/30/2020</a:t>
+              <a:t>10/31/2020</a:t>
             </a:fld>
             <a:endParaRPr lang="en-US"/>
           </a:p>
@@ -4627,10 +4556,9 @@
           </a:lstStyle>
           <a:p>
             <a:r>
-              <a:rPr lang="en-US" smtClean="0"/>
+              <a:rPr lang="en-US"/>
               <a:t>CS380</a:t>
             </a:r>
-            <a:endParaRPr lang="en-US"/>
           </a:p>
         </p:txBody>
       </p:sp>
@@ -4639,13 +4567,6 @@
   <p:clrMapOvr>
     <a:overrideClrMapping bg1="lt1" tx1="dk1" bg2="lt2" tx2="dk2" accent1="accent1" accent2="accent2" accent3="accent3" accent4="accent4" accent5="accent5" accent6="accent6" hlink="hlink" folHlink="folHlink"/>
   </p:clrMapOvr>
-  <p:timing>
-    <p:tnLst>
-      <p:par>
-        <p:cTn id="1" dur="indefinite" restart="never" nodeType="tmRoot"/>
-      </p:par>
-    </p:tnLst>
-  </p:timing>
 </p:sldLayout>
 </file>
 
@@ -4707,7 +4628,7 @@
           <a:p>
             <a:pPr lvl="0"/>
             <a:r>
-              <a:rPr lang="en-US" smtClean="0"/>
+              <a:rPr lang="en-US"/>
               <a:t>Click to edit Master title style</a:t>
             </a:r>
           </a:p>
@@ -4749,35 +4670,35 @@
           <a:p>
             <a:pPr lvl="0"/>
             <a:r>
-              <a:rPr lang="en-US" smtClean="0"/>
+              <a:rPr lang="en-US"/>
               <a:t>Click to edit Master text styles</a:t>
             </a:r>
           </a:p>
           <a:p>
             <a:pPr lvl="1"/>
             <a:r>
-              <a:rPr lang="en-US" smtClean="0"/>
+              <a:rPr lang="en-US"/>
               <a:t>Second level</a:t>
             </a:r>
           </a:p>
           <a:p>
             <a:pPr lvl="2"/>
             <a:r>
-              <a:rPr lang="en-US" smtClean="0"/>
+              <a:rPr lang="en-US"/>
               <a:t>Third level</a:t>
             </a:r>
           </a:p>
           <a:p>
             <a:pPr lvl="3"/>
             <a:r>
-              <a:rPr lang="en-US" smtClean="0"/>
+              <a:rPr lang="en-US"/>
               <a:t>Fourth level</a:t>
             </a:r>
           </a:p>
           <a:p>
             <a:pPr lvl="4"/>
             <a:r>
-              <a:rPr lang="en-US" smtClean="0"/>
+              <a:rPr lang="en-US"/>
               <a:t>Fifth level</a:t>
             </a:r>
           </a:p>
@@ -4818,7 +4739,7 @@
             <a:fld id="{38DF3805-346E-40E4-8AD0-6D5FAFC1FCA3}" type="datetime1">
               <a:rPr lang="en-US" smtClean="0"/>
               <a:pPr/>
-              <a:t>7/30/2020</a:t>
+              <a:t>10/31/2020</a:t>
             </a:fld>
             <a:endParaRPr lang="en-US"/>
           </a:p>
@@ -4857,10 +4778,9 @@
           </a:lstStyle>
           <a:p>
             <a:r>
-              <a:rPr lang="en-US" dirty="0" smtClean="0"/>
+              <a:rPr lang="en-US" dirty="0"/>
               <a:t>CS380</a:t>
             </a:r>
-            <a:endParaRPr lang="en-US" dirty="0"/>
           </a:p>
         </p:txBody>
       </p:sp>
@@ -5516,10 +5436,9 @@
           <a:lstStyle/>
           <a:p>
             <a:r>
-              <a:rPr lang="en-US" dirty="0" smtClean="0"/>
+              <a:rPr lang="en-US" dirty="0"/>
               <a:t>CSS for Styling</a:t>
             </a:r>
-            <a:endParaRPr lang="en-US" dirty="0"/>
           </a:p>
         </p:txBody>
       </p:sp>
@@ -5550,20 +5469,13 @@
     </p:spTree>
     <p:extLst>
       <p:ext uri="{BB962C8B-B14F-4D97-AF65-F5344CB8AC3E}">
-        <p14:creationId xmlns="" xmlns:p14="http://schemas.microsoft.com/office/powerpoint/2010/main" val="1560368368"/>
+        <p14:creationId xmlns:p14="http://schemas.microsoft.com/office/powerpoint/2010/main" val="1560368368"/>
       </p:ext>
     </p:extLst>
   </p:cSld>
   <p:clrMapOvr>
     <a:masterClrMapping/>
   </p:clrMapOvr>
-  <p:timing>
-    <p:tnLst>
-      <p:par>
-        <p:cTn id="1" dur="indefinite" restart="never" nodeType="tmRoot"/>
-      </p:par>
-    </p:tnLst>
-  </p:timing>
 </p:sld>
 </file>
 
@@ -5600,10 +5512,9 @@
           <a:lstStyle/>
           <a:p>
             <a:r>
-              <a:rPr lang="en-IN" dirty="0" smtClean="0"/>
+              <a:rPr lang="en-IN" dirty="0"/>
               <a:t>Meaning of these selectors?</a:t>
             </a:r>
-            <a:endParaRPr lang="en-IN" dirty="0"/>
           </a:p>
         </p:txBody>
       </p:sp>
@@ -5623,41 +5534,41 @@
           <a:lstStyle/>
           <a:p>
             <a:r>
-              <a:rPr lang="pt-BR" dirty="0" smtClean="0"/>
+              <a:rPr lang="pt-BR" dirty="0"/>
               <a:t>h1, h2, h3 { color: Maroon; }  </a:t>
             </a:r>
           </a:p>
           <a:p>
             <a:r>
-              <a:rPr lang="en-IN" dirty="0" smtClean="0"/>
+              <a:rPr lang="en-IN" dirty="0"/>
               <a:t>p  div { </a:t>
             </a:r>
             <a:r>
-              <a:rPr lang="en-IN" dirty="0" err="1" smtClean="0"/>
+              <a:rPr lang="en-IN" dirty="0" err="1"/>
               <a:t>color</a:t>
             </a:r>
             <a:r>
-              <a:rPr lang="en-IN" dirty="0" smtClean="0"/>
+              <a:rPr lang="en-IN" dirty="0"/>
               <a:t>: Blue; }</a:t>
             </a:r>
           </a:p>
           <a:p>
             <a:r>
-              <a:rPr lang="en-IN" dirty="0" smtClean="0"/>
+              <a:rPr lang="en-IN" dirty="0"/>
               <a:t>p.xyz  div { </a:t>
             </a:r>
             <a:r>
-              <a:rPr lang="en-IN" dirty="0" err="1" smtClean="0"/>
+              <a:rPr lang="en-IN" dirty="0" err="1"/>
               <a:t>color</a:t>
             </a:r>
             <a:r>
-              <a:rPr lang="en-IN" dirty="0" smtClean="0"/>
+              <a:rPr lang="en-IN" dirty="0"/>
               <a:t>: Blue; }</a:t>
             </a:r>
           </a:p>
           <a:p>
             <a:r>
-              <a:rPr lang="en-IN" sz="1600" dirty="0" smtClean="0">
+              <a:rPr lang="en-IN" sz="1600" dirty="0">
                 <a:solidFill>
                   <a:srgbClr val="FF0000"/>
                 </a:solidFill>
@@ -5671,15 +5582,15 @@
               <a:buChar char="q"/>
             </a:pPr>
             <a:r>
-              <a:rPr lang="en-IN" sz="2800" dirty="0" smtClean="0"/>
+              <a:rPr lang="en-IN" sz="2800" dirty="0"/>
               <a:t>p.xyz&gt; div { </a:t>
             </a:r>
             <a:r>
-              <a:rPr lang="en-IN" sz="2800" dirty="0" err="1" smtClean="0"/>
+              <a:rPr lang="en-IN" sz="2800" dirty="0" err="1"/>
               <a:t>color</a:t>
             </a:r>
             <a:r>
-              <a:rPr lang="en-IN" sz="2800" dirty="0" smtClean="0"/>
+              <a:rPr lang="en-IN" sz="2800" dirty="0"/>
               <a:t>: Blue; }</a:t>
             </a:r>
           </a:p>
@@ -5689,7 +5600,7 @@
               <a:buChar char="q"/>
             </a:pPr>
             <a:r>
-              <a:rPr lang="en-IN" sz="2800" dirty="0" smtClean="0"/>
+              <a:rPr lang="en-IN" sz="2800" dirty="0"/>
               <a:t>h2 ~ p { font-style: italic; }</a:t>
             </a:r>
           </a:p>
@@ -5733,13 +5644,6 @@
   <p:clrMapOvr>
     <a:masterClrMapping/>
   </p:clrMapOvr>
-  <p:timing>
-    <p:tnLst>
-      <p:par>
-        <p:cTn id="1" dur="indefinite" restart="never" nodeType="tmRoot"/>
-      </p:par>
-    </p:tnLst>
-  </p:timing>
 </p:sld>
 </file>
 
@@ -5781,10 +5685,9 @@
           <a:lstStyle/>
           <a:p>
             <a:r>
-              <a:rPr lang="en-IN" dirty="0" smtClean="0"/>
+              <a:rPr lang="en-IN" dirty="0"/>
               <a:t>Adjacent sibling selector</a:t>
             </a:r>
-            <a:endParaRPr lang="en-IN" dirty="0"/>
           </a:p>
         </p:txBody>
       </p:sp>
@@ -5809,7 +5712,7 @@
           <a:lstStyle/>
           <a:p>
             <a:r>
-              <a:rPr lang="en-IN" sz="2000" dirty="0" smtClean="0">
+              <a:rPr lang="en-IN" sz="2000" dirty="0">
                 <a:solidFill>
                   <a:srgbClr val="0000FF"/>
                 </a:solidFill>
@@ -5818,7 +5721,7 @@
               <a:t>&lt;style </a:t>
             </a:r>
             <a:r>
-              <a:rPr lang="en-IN" sz="2000" dirty="0" smtClean="0">
+              <a:rPr lang="en-IN" sz="2000" dirty="0">
                 <a:solidFill>
                   <a:srgbClr val="FF0000"/>
                 </a:solidFill>
@@ -5827,7 +5730,7 @@
               <a:t>type</a:t>
             </a:r>
             <a:r>
-              <a:rPr lang="en-IN" sz="2000" dirty="0" smtClean="0">
+              <a:rPr lang="en-IN" sz="2000" dirty="0">
                 <a:solidFill>
                   <a:srgbClr val="0000FF"/>
                 </a:solidFill>
@@ -5836,7 +5739,7 @@
               <a:t>=</a:t>
             </a:r>
             <a:r>
-              <a:rPr lang="en-IN" sz="2000" dirty="0" smtClean="0">
+              <a:rPr lang="en-IN" sz="2000" dirty="0">
                 <a:solidFill>
                   <a:srgbClr val="A31515"/>
                 </a:solidFill>
@@ -5845,7 +5748,7 @@
               <a:t>"text/</a:t>
             </a:r>
             <a:r>
-              <a:rPr lang="en-IN" sz="2000" dirty="0" err="1" smtClean="0">
+              <a:rPr lang="en-IN" sz="2000" dirty="0" err="1">
                 <a:solidFill>
                   <a:srgbClr val="A31515"/>
                 </a:solidFill>
@@ -5854,7 +5757,7 @@
               <a:t>css</a:t>
             </a:r>
             <a:r>
-              <a:rPr lang="en-IN" sz="2000" dirty="0" smtClean="0">
+              <a:rPr lang="en-IN" sz="2000" dirty="0">
                 <a:solidFill>
                   <a:srgbClr val="A31515"/>
                 </a:solidFill>
@@ -5863,7 +5766,7 @@
               <a:t>"</a:t>
             </a:r>
             <a:r>
-              <a:rPr lang="en-IN" sz="2000" dirty="0" smtClean="0">
+              <a:rPr lang="en-IN" sz="2000" dirty="0">
                 <a:solidFill>
                   <a:srgbClr val="0000FF"/>
                 </a:solidFill>
@@ -5872,7 +5775,7 @@
               <a:t>&gt;</a:t>
             </a:r>
             <a:r>
-              <a:rPr lang="en-IN" sz="2000" dirty="0" smtClean="0">
+              <a:rPr lang="en-IN" sz="2000" dirty="0">
                 <a:solidFill>
                   <a:srgbClr val="000000"/>
                 </a:solidFill>
@@ -5882,7 +5785,7 @@
             </a:r>
           </a:p>
           <a:p>
-            <a:endParaRPr lang="en-IN" sz="2000" dirty="0" smtClean="0">
+            <a:endParaRPr lang="en-IN" sz="2000" dirty="0">
               <a:solidFill>
                 <a:srgbClr val="0000FF"/>
               </a:solidFill>
@@ -5891,7 +5794,7 @@
           </a:p>
           <a:p>
             <a:r>
-              <a:rPr lang="en-IN" sz="2000" dirty="0" smtClean="0">
+              <a:rPr lang="en-IN" sz="2000" dirty="0">
                 <a:solidFill>
                   <a:srgbClr val="0000FF"/>
                 </a:solidFill>
@@ -5900,7 +5803,7 @@
               <a:t>h2</a:t>
             </a:r>
             <a:r>
-              <a:rPr lang="en-IN" sz="2000" dirty="0" smtClean="0">
+              <a:rPr lang="en-IN" sz="2000" dirty="0">
                 <a:solidFill>
                   <a:srgbClr val="000000"/>
                 </a:solidFill>
@@ -5909,7 +5812,7 @@
               <a:t> + </a:t>
             </a:r>
             <a:r>
-              <a:rPr lang="en-IN" sz="2000" dirty="0" smtClean="0">
+              <a:rPr lang="en-IN" sz="2000" dirty="0">
                 <a:solidFill>
                   <a:srgbClr val="0000FF"/>
                 </a:solidFill>
@@ -5918,7 +5821,7 @@
               <a:t>p</a:t>
             </a:r>
             <a:r>
-              <a:rPr lang="en-IN" sz="2000" dirty="0" smtClean="0">
+              <a:rPr lang="en-IN" sz="2000" dirty="0">
                 <a:solidFill>
                   <a:srgbClr val="000000"/>
                 </a:solidFill>
@@ -5927,7 +5830,7 @@
               <a:t> { </a:t>
             </a:r>
             <a:r>
-              <a:rPr lang="en-IN" sz="2000" dirty="0" smtClean="0">
+              <a:rPr lang="en-IN" sz="2000" dirty="0">
                 <a:solidFill>
                   <a:srgbClr val="A31515"/>
                 </a:solidFill>
@@ -5936,7 +5839,7 @@
               <a:t>font-style</a:t>
             </a:r>
             <a:r>
-              <a:rPr lang="en-IN" sz="2000" dirty="0" smtClean="0">
+              <a:rPr lang="en-IN" sz="2000" dirty="0">
                 <a:solidFill>
                   <a:srgbClr val="000000"/>
                 </a:solidFill>
@@ -5947,7 +5850,7 @@
           </a:p>
           <a:p>
             <a:r>
-              <a:rPr lang="en-IN" sz="2000" dirty="0" smtClean="0">
+              <a:rPr lang="en-IN" sz="2000" dirty="0">
                 <a:solidFill>
                   <a:srgbClr val="000000"/>
                 </a:solidFill>
@@ -5956,7 +5859,7 @@
               <a:t> </a:t>
             </a:r>
             <a:r>
-              <a:rPr lang="en-IN" sz="2000" dirty="0" smtClean="0">
+              <a:rPr lang="en-IN" sz="2000" dirty="0">
                 <a:solidFill>
                   <a:srgbClr val="0000FF"/>
                 </a:solidFill>
@@ -5965,7 +5868,7 @@
               <a:t>&lt;/style&gt;</a:t>
             </a:r>
             <a:r>
-              <a:rPr lang="en-IN" sz="2000" dirty="0" smtClean="0">
+              <a:rPr lang="en-IN" sz="2000" dirty="0">
                 <a:solidFill>
                   <a:srgbClr val="000000"/>
                 </a:solidFill>
@@ -5976,7 +5879,7 @@
           </a:p>
           <a:p>
             <a:r>
-              <a:rPr lang="en-IN" sz="2000" dirty="0" smtClean="0">
+              <a:rPr lang="en-IN" sz="2000" dirty="0">
                 <a:solidFill>
                   <a:srgbClr val="0000FF"/>
                 </a:solidFill>
@@ -5985,7 +5888,7 @@
               <a:t>&lt;div </a:t>
             </a:r>
             <a:r>
-              <a:rPr lang="en-IN" sz="2000" dirty="0" smtClean="0">
+              <a:rPr lang="en-IN" sz="2000" dirty="0">
                 <a:solidFill>
                   <a:srgbClr val="FF0000"/>
                 </a:solidFill>
@@ -5994,7 +5897,7 @@
               <a:t>id</a:t>
             </a:r>
             <a:r>
-              <a:rPr lang="en-IN" sz="2000" dirty="0" smtClean="0">
+              <a:rPr lang="en-IN" sz="2000" dirty="0">
                 <a:solidFill>
                   <a:srgbClr val="0000FF"/>
                 </a:solidFill>
@@ -6003,7 +5906,7 @@
               <a:t>=</a:t>
             </a:r>
             <a:r>
-              <a:rPr lang="en-IN" sz="2000" dirty="0" smtClean="0">
+              <a:rPr lang="en-IN" sz="2000" dirty="0">
                 <a:solidFill>
                   <a:srgbClr val="A31515"/>
                 </a:solidFill>
@@ -6012,7 +5915,7 @@
               <a:t>"content"</a:t>
             </a:r>
             <a:r>
-              <a:rPr lang="en-IN" sz="2000" dirty="0" smtClean="0">
+              <a:rPr lang="en-IN" sz="2000" dirty="0">
                 <a:solidFill>
                   <a:srgbClr val="0000FF"/>
                 </a:solidFill>
@@ -6021,7 +5924,7 @@
               <a:t>&gt;</a:t>
             </a:r>
             <a:r>
-              <a:rPr lang="en-IN" sz="2000" dirty="0" smtClean="0">
+              <a:rPr lang="en-IN" sz="2000" dirty="0">
                 <a:solidFill>
                   <a:srgbClr val="000000"/>
                 </a:solidFill>
@@ -6032,7 +5935,7 @@
           </a:p>
           <a:p>
             <a:r>
-              <a:rPr lang="en-IN" sz="2000" dirty="0" smtClean="0">
+              <a:rPr lang="en-IN" sz="2000" dirty="0">
                 <a:solidFill>
                   <a:srgbClr val="0000FF"/>
                 </a:solidFill>
@@ -6041,7 +5944,7 @@
               <a:t>&lt;h1&gt;</a:t>
             </a:r>
             <a:r>
-              <a:rPr lang="en-IN" sz="2000" dirty="0" smtClean="0">
+              <a:rPr lang="en-IN" sz="2000" dirty="0">
                 <a:solidFill>
                   <a:srgbClr val="000000"/>
                 </a:solidFill>
@@ -6050,7 +5953,7 @@
               <a:t>Hello, world!</a:t>
             </a:r>
             <a:r>
-              <a:rPr lang="en-IN" sz="2000" dirty="0" smtClean="0">
+              <a:rPr lang="en-IN" sz="2000" dirty="0">
                 <a:solidFill>
                   <a:srgbClr val="0000FF"/>
                 </a:solidFill>
@@ -6059,7 +5962,7 @@
               <a:t>&lt;/h1&gt;</a:t>
             </a:r>
             <a:r>
-              <a:rPr lang="en-IN" sz="2000" dirty="0" smtClean="0">
+              <a:rPr lang="en-IN" sz="2000" dirty="0">
                 <a:solidFill>
                   <a:srgbClr val="000000"/>
                 </a:solidFill>
@@ -6070,7 +5973,7 @@
           </a:p>
           <a:p>
             <a:r>
-              <a:rPr lang="en-IN" sz="2000" dirty="0" smtClean="0">
+              <a:rPr lang="en-IN" sz="2000" dirty="0">
                 <a:solidFill>
                   <a:srgbClr val="0000FF"/>
                 </a:solidFill>
@@ -6079,7 +5982,7 @@
               <a:t>&lt;p&gt;</a:t>
             </a:r>
             <a:r>
-              <a:rPr lang="en-IN" sz="2000" dirty="0" smtClean="0">
+              <a:rPr lang="en-IN" sz="2000" dirty="0">
                 <a:solidFill>
                   <a:srgbClr val="000000"/>
                 </a:solidFill>
@@ -6088,7 +5991,7 @@
               <a:t>Some text here</a:t>
             </a:r>
             <a:r>
-              <a:rPr lang="en-IN" sz="2000" dirty="0" smtClean="0">
+              <a:rPr lang="en-IN" sz="2000" dirty="0">
                 <a:solidFill>
                   <a:srgbClr val="0000FF"/>
                 </a:solidFill>
@@ -6097,7 +6000,7 @@
               <a:t>&lt;/p&gt;</a:t>
             </a:r>
             <a:r>
-              <a:rPr lang="en-IN" sz="2000" dirty="0" smtClean="0">
+              <a:rPr lang="en-IN" sz="2000" dirty="0">
                 <a:solidFill>
                   <a:srgbClr val="000000"/>
                 </a:solidFill>
@@ -6108,7 +6011,7 @@
           </a:p>
           <a:p>
             <a:r>
-              <a:rPr lang="en-IN" sz="2000" dirty="0" smtClean="0">
+              <a:rPr lang="en-IN" sz="2000" dirty="0">
                 <a:solidFill>
                   <a:srgbClr val="0000FF"/>
                 </a:solidFill>
@@ -6117,7 +6020,7 @@
               <a:t>&lt;h2&gt;</a:t>
             </a:r>
             <a:r>
-              <a:rPr lang="en-IN" sz="2000" dirty="0" smtClean="0">
+              <a:rPr lang="en-IN" sz="2000" dirty="0">
                 <a:solidFill>
                   <a:srgbClr val="000000"/>
                 </a:solidFill>
@@ -6126,7 +6029,7 @@
               <a:t>Hello, world!</a:t>
             </a:r>
             <a:r>
-              <a:rPr lang="en-IN" sz="2000" dirty="0" smtClean="0">
+              <a:rPr lang="en-IN" sz="2000" dirty="0">
                 <a:solidFill>
                   <a:srgbClr val="0000FF"/>
                 </a:solidFill>
@@ -6137,7 +6040,7 @@
           </a:p>
           <a:p>
             <a:r>
-              <a:rPr lang="en-IN" sz="2000" dirty="0" smtClean="0">
+              <a:rPr lang="en-IN" sz="2000" dirty="0">
                 <a:solidFill>
                   <a:srgbClr val="000000"/>
                 </a:solidFill>
@@ -6146,7 +6049,7 @@
               <a:t> </a:t>
             </a:r>
             <a:r>
-              <a:rPr lang="en-IN" sz="2000" dirty="0" smtClean="0">
+              <a:rPr lang="en-IN" sz="2000" dirty="0">
                 <a:solidFill>
                   <a:srgbClr val="0000FF"/>
                 </a:solidFill>
@@ -6155,7 +6058,7 @@
               <a:t>&lt;p&gt;</a:t>
             </a:r>
             <a:r>
-              <a:rPr lang="en-IN" sz="2000" dirty="0" smtClean="0">
+              <a:rPr lang="en-IN" sz="2000" dirty="0">
                 <a:solidFill>
                   <a:srgbClr val="000000"/>
                 </a:solidFill>
@@ -6164,7 +6067,7 @@
               <a:t>Some text here</a:t>
             </a:r>
             <a:r>
-              <a:rPr lang="en-IN" sz="2000" dirty="0" smtClean="0">
+              <a:rPr lang="en-IN" sz="2000" dirty="0">
                 <a:solidFill>
                   <a:srgbClr val="0000FF"/>
                 </a:solidFill>
@@ -6173,7 +6076,7 @@
               <a:t>&lt;/p&gt;</a:t>
             </a:r>
             <a:r>
-              <a:rPr lang="en-IN" sz="2000" dirty="0" smtClean="0">
+              <a:rPr lang="en-IN" sz="2000" dirty="0">
                 <a:solidFill>
                   <a:srgbClr val="000000"/>
                 </a:solidFill>
@@ -6184,7 +6087,7 @@
           </a:p>
           <a:p>
             <a:r>
-              <a:rPr lang="en-IN" sz="2000" dirty="0" smtClean="0">
+              <a:rPr lang="en-IN" sz="2000" dirty="0">
                 <a:solidFill>
                   <a:srgbClr val="0000FF"/>
                 </a:solidFill>
@@ -6193,7 +6096,7 @@
               <a:t> &lt;p&gt;</a:t>
             </a:r>
             <a:r>
-              <a:rPr lang="en-IN" sz="2000" dirty="0" smtClean="0">
+              <a:rPr lang="en-IN" sz="2000" dirty="0">
                 <a:solidFill>
                   <a:srgbClr val="000000"/>
                 </a:solidFill>
@@ -6202,7 +6105,7 @@
               <a:t>More text here</a:t>
             </a:r>
             <a:r>
-              <a:rPr lang="en-IN" sz="2000" dirty="0" smtClean="0">
+              <a:rPr lang="en-IN" sz="2000" dirty="0">
                 <a:solidFill>
                   <a:srgbClr val="0000FF"/>
                 </a:solidFill>
@@ -6213,7 +6116,7 @@
           </a:p>
           <a:p>
             <a:r>
-              <a:rPr lang="en-IN" sz="2000" dirty="0" smtClean="0">
+              <a:rPr lang="en-IN" sz="2000" dirty="0">
                 <a:solidFill>
                   <a:srgbClr val="000000"/>
                 </a:solidFill>
@@ -6222,7 +6125,7 @@
               <a:t> </a:t>
             </a:r>
             <a:r>
-              <a:rPr lang="en-IN" sz="2000" dirty="0" smtClean="0">
+              <a:rPr lang="en-IN" sz="2000" dirty="0">
                 <a:solidFill>
                   <a:srgbClr val="0000FF"/>
                 </a:solidFill>
@@ -6231,7 +6134,7 @@
               <a:t>&lt;p&gt;</a:t>
             </a:r>
             <a:r>
-              <a:rPr lang="en-IN" sz="2000" dirty="0" smtClean="0">
+              <a:rPr lang="en-IN" sz="2000" dirty="0">
                 <a:solidFill>
                   <a:srgbClr val="000000"/>
                 </a:solidFill>
@@ -6240,7 +6143,7 @@
               <a:t>Even more text here</a:t>
             </a:r>
             <a:r>
-              <a:rPr lang="en-IN" sz="2000" dirty="0" smtClean="0">
+              <a:rPr lang="en-IN" sz="2000" dirty="0">
                 <a:solidFill>
                   <a:srgbClr val="0000FF"/>
                 </a:solidFill>
@@ -6249,7 +6152,7 @@
               <a:t>&lt;/p&gt;</a:t>
             </a:r>
             <a:r>
-              <a:rPr lang="en-IN" sz="2000" dirty="0" smtClean="0">
+              <a:rPr lang="en-IN" sz="2000" dirty="0">
                 <a:solidFill>
                   <a:srgbClr val="000000"/>
                 </a:solidFill>
@@ -6260,7 +6163,7 @@
           </a:p>
           <a:p>
             <a:r>
-              <a:rPr lang="en-IN" sz="2000" dirty="0" smtClean="0">
+              <a:rPr lang="en-IN" sz="2000" dirty="0">
                 <a:solidFill>
                   <a:srgbClr val="0000FF"/>
                 </a:solidFill>
@@ -6269,7 +6172,7 @@
               <a:t>&lt;h2&gt;</a:t>
             </a:r>
             <a:r>
-              <a:rPr lang="en-IN" sz="2000" dirty="0" smtClean="0">
+              <a:rPr lang="en-IN" sz="2000" dirty="0">
                 <a:solidFill>
                   <a:srgbClr val="000000"/>
                 </a:solidFill>
@@ -6278,7 +6181,7 @@
               <a:t>Hello, world!</a:t>
             </a:r>
             <a:r>
-              <a:rPr lang="en-IN" sz="2000" dirty="0" smtClean="0">
+              <a:rPr lang="en-IN" sz="2000" dirty="0">
                 <a:solidFill>
                   <a:srgbClr val="0000FF"/>
                 </a:solidFill>
@@ -6287,7 +6190,7 @@
               <a:t>&lt;/h2&gt;</a:t>
             </a:r>
             <a:r>
-              <a:rPr lang="en-IN" sz="2000" dirty="0" smtClean="0">
+              <a:rPr lang="en-IN" sz="2000" dirty="0">
                 <a:solidFill>
                   <a:srgbClr val="000000"/>
                 </a:solidFill>
@@ -6298,7 +6201,7 @@
           </a:p>
           <a:p>
             <a:r>
-              <a:rPr lang="en-IN" sz="2000" dirty="0" smtClean="0">
+              <a:rPr lang="en-IN" sz="2000" dirty="0">
                 <a:solidFill>
                   <a:srgbClr val="0000FF"/>
                 </a:solidFill>
@@ -6307,7 +6210,7 @@
               <a:t>&lt;p&gt;</a:t>
             </a:r>
             <a:r>
-              <a:rPr lang="en-IN" sz="2000" dirty="0" smtClean="0">
+              <a:rPr lang="en-IN" sz="2000" dirty="0">
                 <a:solidFill>
                   <a:srgbClr val="000000"/>
                 </a:solidFill>
@@ -6316,7 +6219,7 @@
               <a:t>Text here as well...</a:t>
             </a:r>
             <a:r>
-              <a:rPr lang="en-IN" sz="2000" dirty="0" smtClean="0">
+              <a:rPr lang="en-IN" sz="2000" dirty="0">
                 <a:solidFill>
                   <a:srgbClr val="0000FF"/>
                 </a:solidFill>
@@ -6325,7 +6228,7 @@
               <a:t>&lt;/p&gt;</a:t>
             </a:r>
             <a:r>
-              <a:rPr lang="en-IN" sz="2000" dirty="0" smtClean="0">
+              <a:rPr lang="en-IN" sz="2000" dirty="0">
                 <a:solidFill>
                   <a:srgbClr val="000000"/>
                 </a:solidFill>
@@ -6336,7 +6239,7 @@
           </a:p>
           <a:p>
             <a:r>
-              <a:rPr lang="en-IN" sz="2000" dirty="0" smtClean="0">
+              <a:rPr lang="en-IN" sz="2000" dirty="0">
                 <a:solidFill>
                   <a:srgbClr val="0000FF"/>
                 </a:solidFill>
@@ -6345,7 +6248,7 @@
               <a:t>&lt;p&gt;</a:t>
             </a:r>
             <a:r>
-              <a:rPr lang="en-IN" sz="2000" dirty="0" smtClean="0">
+              <a:rPr lang="en-IN" sz="2000" dirty="0">
                 <a:solidFill>
                   <a:srgbClr val="000000"/>
                 </a:solidFill>
@@ -6354,7 +6257,7 @@
               <a:t>But no more!</a:t>
             </a:r>
             <a:r>
-              <a:rPr lang="en-IN" sz="2000" dirty="0" smtClean="0">
+              <a:rPr lang="en-IN" sz="2000" dirty="0">
                 <a:solidFill>
                   <a:srgbClr val="0000FF"/>
                 </a:solidFill>
@@ -6363,7 +6266,7 @@
               <a:t>&lt;/p&gt;</a:t>
             </a:r>
             <a:r>
-              <a:rPr lang="en-IN" sz="2000" dirty="0" smtClean="0">
+              <a:rPr lang="en-IN" sz="2000" dirty="0">
                 <a:solidFill>
                   <a:srgbClr val="000000"/>
                 </a:solidFill>
@@ -6372,7 +6275,7 @@
               <a:t> </a:t>
             </a:r>
             <a:r>
-              <a:rPr lang="en-IN" sz="2000" dirty="0" smtClean="0">
+              <a:rPr lang="en-IN" sz="2000" dirty="0">
                 <a:solidFill>
                   <a:srgbClr val="0000FF"/>
                 </a:solidFill>
@@ -6415,13 +6318,6 @@
   <p:clrMapOvr>
     <a:masterClrMapping/>
   </p:clrMapOvr>
-  <p:timing>
-    <p:tnLst>
-      <p:par>
-        <p:cTn id="1" dur="indefinite" restart="never" nodeType="tmRoot"/>
-      </p:par>
-    </p:tnLst>
-  </p:timing>
 </p:sld>
 </file>
 
@@ -6554,14 +6450,7 @@
                 <a:latin typeface="Courier New" pitchFamily="49" charset="0"/>
                 <a:cs typeface="Courier New" pitchFamily="49" charset="0"/>
               </a:rPr>
-              <a:t>}</a:t>
-            </a:r>
-            <a:r>
-              <a:rPr lang="en-US" dirty="0" smtClean="0">
-                <a:latin typeface="Courier New" pitchFamily="49" charset="0"/>
-                <a:cs typeface="Courier New" pitchFamily="49" charset="0"/>
-              </a:rPr>
-              <a:t>							</a:t>
+              <a:t>}							</a:t>
             </a:r>
           </a:p>
           <a:p>
@@ -6570,17 +6459,10 @@
                 <a:latin typeface="Courier New" pitchFamily="49" charset="0"/>
                 <a:cs typeface="Courier New" pitchFamily="49" charset="0"/>
               </a:rPr>
-              <a:t>	</a:t>
-            </a:r>
-            <a:r>
-              <a:rPr lang="en-US" dirty="0" smtClean="0">
-                <a:latin typeface="Courier New" pitchFamily="49" charset="0"/>
-                <a:cs typeface="Courier New" pitchFamily="49" charset="0"/>
-              </a:rPr>
-              <a:t>							  </a:t>
-            </a:r>
-            <a:r>
-              <a:rPr lang="en-US" i="1" dirty="0" smtClean="0">
+              <a:t>								  </a:t>
+            </a:r>
+            <a:r>
+              <a:rPr lang="en-US" i="1" dirty="0">
                 <a:solidFill>
                   <a:schemeClr val="tx1">
                     <a:lumMod val="50000"/>
@@ -6632,20 +6514,10 @@
                 <a:latin typeface="Times New Roman" pitchFamily="18" charset="0"/>
                 <a:cs typeface="Times New Roman" pitchFamily="18" charset="0"/>
               </a:rPr>
-              <a:t>This paragraph uses the style </a:t>
-            </a:r>
-            <a:r>
-              <a:rPr lang="en-US" sz="2000" dirty="0" smtClean="0">
-                <a:solidFill>
-                  <a:srgbClr val="FF0000"/>
-                </a:solidFill>
-                <a:latin typeface="Times New Roman" pitchFamily="18" charset="0"/>
-                <a:cs typeface="Times New Roman" pitchFamily="18" charset="0"/>
-              </a:rPr>
-              <a:t>above                                                        </a:t>
-            </a:r>
-            <a:r>
-              <a:rPr lang="en-US" i="1" dirty="0" smtClean="0">
+              <a:t>This paragraph uses the style above                                                        </a:t>
+            </a:r>
+            <a:r>
+              <a:rPr lang="en-US" i="1" dirty="0">
                 <a:solidFill>
                   <a:schemeClr val="tx1">
                     <a:lumMod val="50000"/>
@@ -6669,7 +6541,7 @@
           <p:nvPr>
             <p:extLst>
               <p:ext uri="{D42A27DB-BD31-4B8C-83A1-F6EECF244321}">
-                <p14:modId xmlns="" xmlns:p14="http://schemas.microsoft.com/office/powerpoint/2010/main" val="2281174878"/>
+                <p14:modId xmlns:p14="http://schemas.microsoft.com/office/powerpoint/2010/main" val="2281174878"/>
               </p:ext>
             </p:extLst>
           </p:nvPr>
@@ -6685,8 +6557,20 @@
                 <a:tableStyleId>{775DCB02-9BB8-47FD-8907-85C794F793BA}</a:tableStyleId>
               </a:tblPr>
               <a:tblGrid>
-                <a:gridCol w="4076700"/>
-                <a:gridCol w="4076700"/>
+                <a:gridCol w="4076700">
+                  <a:extLst>
+                    <a:ext uri="{9D8B030D-6E8A-4147-A177-3AD203B41FA5}">
+                      <a16:colId xmlns:a16="http://schemas.microsoft.com/office/drawing/2014/main" val="20000"/>
+                    </a:ext>
+                  </a:extLst>
+                </a:gridCol>
+                <a:gridCol w="4076700">
+                  <a:extLst>
+                    <a:ext uri="{9D8B030D-6E8A-4147-A177-3AD203B41FA5}">
+                      <a16:colId xmlns:a16="http://schemas.microsoft.com/office/drawing/2014/main" val="20001"/>
+                    </a:ext>
+                  </a:extLst>
+                </a:gridCol>
               </a:tblGrid>
               <a:tr h="0">
                 <a:tc>
@@ -6717,6 +6601,11 @@
                   </a:txBody>
                   <a:tcPr anchor="ctr"/>
                 </a:tc>
+                <a:extLst>
+                  <a:ext uri="{0D108BD9-81ED-4DB2-BD59-A6C34878D82A}">
+                    <a16:rowId xmlns:a16="http://schemas.microsoft.com/office/drawing/2014/main" val="10000"/>
+                  </a:ext>
+                </a:extLst>
               </a:tr>
               <a:tr h="0">
                 <a:tc>
@@ -6745,6 +6634,11 @@
                   </a:txBody>
                   <a:tcPr anchor="ctr"/>
                 </a:tc>
+                <a:extLst>
+                  <a:ext uri="{0D108BD9-81ED-4DB2-BD59-A6C34878D82A}">
+                    <a16:rowId xmlns:a16="http://schemas.microsoft.com/office/drawing/2014/main" val="10001"/>
+                  </a:ext>
+                </a:extLst>
               </a:tr>
               <a:tr h="0">
                 <a:tc>
@@ -6773,6 +6667,11 @@
                   </a:txBody>
                   <a:tcPr anchor="ctr"/>
                 </a:tc>
+                <a:extLst>
+                  <a:ext uri="{0D108BD9-81ED-4DB2-BD59-A6C34878D82A}">
+                    <a16:rowId xmlns:a16="http://schemas.microsoft.com/office/drawing/2014/main" val="10002"/>
+                  </a:ext>
+                </a:extLst>
               </a:tr>
             </a:tbl>
           </a:graphicData>
@@ -6781,20 +6680,13 @@
     </p:spTree>
     <p:extLst>
       <p:ext uri="{BB962C8B-B14F-4D97-AF65-F5344CB8AC3E}">
-        <p14:creationId xmlns="" xmlns:p14="http://schemas.microsoft.com/office/powerpoint/2010/main" val="604804266"/>
+        <p14:creationId xmlns:p14="http://schemas.microsoft.com/office/powerpoint/2010/main" val="604804266"/>
       </p:ext>
     </p:extLst>
   </p:cSld>
   <p:clrMapOvr>
     <a:masterClrMapping/>
   </p:clrMapOvr>
-  <p:timing>
-    <p:tnLst>
-      <p:par>
-        <p:cTn id="1" dur="indefinite" restart="never" nodeType="tmRoot"/>
-      </p:par>
-    </p:tnLst>
-  </p:timing>
 </p:sld>
 </file>
 
@@ -6831,10 +6723,9 @@
           <a:lstStyle/>
           <a:p>
             <a:r>
-              <a:rPr lang="en-US" dirty="0" smtClean="0"/>
+              <a:rPr lang="en-US" dirty="0"/>
               <a:t>Specifying colors</a:t>
             </a:r>
-            <a:endParaRPr lang="en-US" dirty="0"/>
           </a:p>
         </p:txBody>
       </p:sp>
@@ -6968,31 +6859,10 @@
                 <a:latin typeface="Courier New" pitchFamily="49" charset="0"/>
                 <a:cs typeface="Courier New" pitchFamily="49" charset="0"/>
               </a:rPr>
-              <a:t>; }	</a:t>
-            </a:r>
-            <a:r>
-              <a:rPr lang="en-US" dirty="0" smtClean="0">
-                <a:latin typeface="Courier New" pitchFamily="49" charset="0"/>
-                <a:cs typeface="Courier New" pitchFamily="49" charset="0"/>
-              </a:rPr>
-              <a:t>							 				</a:t>
-            </a:r>
-            <a:r>
-              <a:rPr lang="en-US" dirty="0">
-                <a:latin typeface="Courier New" pitchFamily="49" charset="0"/>
-                <a:cs typeface="Courier New" pitchFamily="49" charset="0"/>
-              </a:rPr>
-              <a:t> </a:t>
-            </a:r>
-            <a:r>
-              <a:rPr lang="en-US" dirty="0" smtClean="0">
-                <a:latin typeface="Courier New" pitchFamily="49" charset="0"/>
-                <a:cs typeface="Courier New" pitchFamily="49" charset="0"/>
-              </a:rPr>
-              <a:t>       </a:t>
-            </a:r>
-            <a:r>
-              <a:rPr lang="en-US" i="1" dirty="0" smtClean="0">
+              <a:t>; }								 				        </a:t>
+            </a:r>
+            <a:r>
+              <a:rPr lang="en-US" i="1" dirty="0">
                 <a:solidFill>
                   <a:schemeClr val="tx1">
                     <a:lumMod val="50000"/>
@@ -7044,51 +6914,31 @@
                 <a:latin typeface="Times New Roman" pitchFamily="18" charset="0"/>
                 <a:cs typeface="Times New Roman" pitchFamily="18" charset="0"/>
               </a:rPr>
-              <a:t>This paragraph uses the </a:t>
-            </a:r>
-            <a:r>
-              <a:rPr lang="en-US" sz="2000" dirty="0" smtClean="0">
+              <a:t>This paragraph uses the first style above   </a:t>
+            </a:r>
+          </a:p>
+          <a:p>
+            <a:r>
+              <a:rPr lang="en-US" sz="2000" dirty="0">
                 <a:solidFill>
                   <a:srgbClr val="FF0000"/>
                 </a:solidFill>
                 <a:latin typeface="Times New Roman" pitchFamily="18" charset="0"/>
                 <a:cs typeface="Times New Roman" pitchFamily="18" charset="0"/>
               </a:rPr>
-              <a:t>first style above   </a:t>
-            </a:r>
-          </a:p>
-          <a:p>
-            <a:r>
-              <a:rPr lang="en-US" sz="2000" dirty="0" smtClean="0">
-                <a:solidFill>
-                  <a:srgbClr val="FF0000"/>
+              <a:t>      </a:t>
+            </a:r>
+          </a:p>
+          <a:p>
+            <a:r>
+              <a:rPr lang="en-US" sz="2800" b="1" dirty="0">
+                <a:solidFill>
+                  <a:srgbClr val="9900CC"/>
                 </a:solidFill>
                 <a:latin typeface="Times New Roman" pitchFamily="18" charset="0"/>
                 <a:cs typeface="Times New Roman" pitchFamily="18" charset="0"/>
               </a:rPr>
-              <a:t>      </a:t>
-            </a:r>
-          </a:p>
-          <a:p>
-            <a:r>
-              <a:rPr lang="en-US" sz="2800" b="1" dirty="0">
-                <a:solidFill>
-                  <a:srgbClr val="9900CC"/>
-                </a:solidFill>
-                <a:latin typeface="Times New Roman" pitchFamily="18" charset="0"/>
-                <a:cs typeface="Times New Roman" pitchFamily="18" charset="0"/>
-              </a:rPr>
-              <a:t>This h2 uses the second style above</a:t>
-            </a:r>
-            <a:r>
-              <a:rPr lang="en-US" sz="2800" b="1" dirty="0" smtClean="0">
-                <a:solidFill>
-                  <a:srgbClr val="9900CC"/>
-                </a:solidFill>
-                <a:latin typeface="Times New Roman" pitchFamily="18" charset="0"/>
-                <a:cs typeface="Times New Roman" pitchFamily="18" charset="0"/>
-              </a:rPr>
-              <a:t>.</a:t>
+              <a:t>This h2 uses the second style above.</a:t>
             </a:r>
           </a:p>
           <a:p>
@@ -7121,7 +6971,7 @@
           </a:p>
           <a:p>
             <a:r>
-              <a:rPr lang="en-US" sz="2000" dirty="0" smtClean="0">
+              <a:rPr lang="en-US" sz="2000" dirty="0">
                 <a:solidFill>
                   <a:srgbClr val="FF0000"/>
                 </a:solidFill>
@@ -7131,7 +6981,7 @@
               <a:t>                                               				            </a:t>
             </a:r>
             <a:r>
-              <a:rPr lang="en-US" i="1" dirty="0" smtClean="0">
+              <a:rPr lang="en-US" i="1" dirty="0">
                 <a:solidFill>
                   <a:schemeClr val="tx1">
                     <a:lumMod val="50000"/>
@@ -7168,15 +7018,7 @@
           <a:p>
             <a:r>
               <a:rPr lang="en-US" sz="2200" dirty="0"/>
-              <a:t>color names: aqua, black, blue, fuchsia, gray, green, lime, maroon, navy, </a:t>
-            </a:r>
-            <a:r>
-              <a:rPr lang="en-US" sz="2200" dirty="0" smtClean="0"/>
-              <a:t>olive, purple</a:t>
-            </a:r>
-            <a:r>
-              <a:rPr lang="en-US" sz="2200" dirty="0"/>
-              <a:t>, red, silver, teal, white (white), yellow</a:t>
+              <a:t>color names: aqua, black, blue, fuchsia, gray, green, lime, maroon, navy, olive, purple, red, silver, teal, white (white), yellow</a:t>
             </a:r>
           </a:p>
           <a:p>
@@ -7196,20 +7038,13 @@
     </p:spTree>
     <p:extLst>
       <p:ext uri="{BB962C8B-B14F-4D97-AF65-F5344CB8AC3E}">
-        <p14:creationId xmlns="" xmlns:p14="http://schemas.microsoft.com/office/powerpoint/2010/main" val="3713257187"/>
+        <p14:creationId xmlns:p14="http://schemas.microsoft.com/office/powerpoint/2010/main" val="3713257187"/>
       </p:ext>
     </p:extLst>
   </p:cSld>
   <p:clrMapOvr>
     <a:masterClrMapping/>
   </p:clrMapOvr>
-  <p:timing>
-    <p:tnLst>
-      <p:par>
-        <p:cTn id="1" dur="indefinite" restart="never" nodeType="tmRoot"/>
-      </p:par>
-    </p:tnLst>
-  </p:timing>
 </p:sld>
 </file>
 
@@ -7251,84 +7086,83 @@
           <a:lstStyle/>
           <a:p>
             <a:r>
-              <a:rPr lang="en-IN" sz="1800" dirty="0" smtClean="0"/>
+              <a:rPr lang="en-IN" sz="1800" dirty="0"/>
               <a:t>Hue: degree on the </a:t>
             </a:r>
             <a:r>
-              <a:rPr lang="en-IN" sz="1800" dirty="0" err="1" smtClean="0"/>
+              <a:rPr lang="en-IN" sz="1800" dirty="0" err="1"/>
               <a:t>color</a:t>
             </a:r>
             <a:r>
-              <a:rPr lang="en-IN" sz="1800" dirty="0" smtClean="0"/>
+              <a:rPr lang="en-IN" sz="1800" dirty="0"/>
               <a:t> wheel from 0 to 360. 0 is red, 120 is green, 240 is blue.</a:t>
             </a:r>
           </a:p>
           <a:p>
             <a:r>
-              <a:rPr lang="en-IN" sz="1800" dirty="0" smtClean="0"/>
+              <a:rPr lang="en-IN" sz="1800" dirty="0"/>
               <a:t>Saturation : percentage value; 0% means a shade of gray and 100% is the full </a:t>
             </a:r>
             <a:r>
-              <a:rPr lang="en-IN" sz="1800" dirty="0" err="1" smtClean="0"/>
+              <a:rPr lang="en-IN" sz="1800" dirty="0" err="1"/>
               <a:t>color</a:t>
             </a:r>
             <a:r>
-              <a:rPr lang="en-IN" sz="1800" dirty="0" smtClean="0"/>
+              <a:rPr lang="en-IN" sz="1800" dirty="0"/>
               <a:t>.</a:t>
             </a:r>
           </a:p>
           <a:p>
             <a:r>
-              <a:rPr lang="en-IN" sz="1800" dirty="0" smtClean="0"/>
+              <a:rPr lang="en-IN" sz="1800" dirty="0"/>
               <a:t>Lightness : percentage; 0% is black, 100% is white.</a:t>
             </a:r>
           </a:p>
           <a:p>
-            <a:endParaRPr lang="en-IN" dirty="0" smtClean="0"/>
-          </a:p>
-          <a:p>
-            <a:r>
-              <a:rPr lang="en-IN" dirty="0" err="1" smtClean="0"/>
+            <a:endParaRPr lang="en-IN" dirty="0"/>
+          </a:p>
+          <a:p>
+            <a:r>
+              <a:rPr lang="en-IN" dirty="0" err="1"/>
               <a:t>color</a:t>
             </a:r>
             <a:r>
-              <a:rPr lang="en-IN" dirty="0" smtClean="0"/>
+              <a:rPr lang="en-IN" dirty="0"/>
               <a:t>: </a:t>
             </a:r>
             <a:r>
-              <a:rPr lang="en-IN" dirty="0" err="1" smtClean="0"/>
+              <a:rPr lang="en-IN" dirty="0" err="1"/>
               <a:t>hsl</a:t>
             </a:r>
             <a:r>
-              <a:rPr lang="en-IN" dirty="0" smtClean="0"/>
+              <a:rPr lang="en-IN" dirty="0"/>
               <a:t>(160,50%,50%);</a:t>
             </a:r>
           </a:p>
           <a:p>
             <a:r>
-              <a:rPr lang="en-IN" dirty="0" err="1" smtClean="0"/>
+              <a:rPr lang="en-IN" dirty="0" err="1"/>
               <a:t>color</a:t>
             </a:r>
             <a:r>
-              <a:rPr lang="en-IN" dirty="0" smtClean="0"/>
+              <a:rPr lang="en-IN" dirty="0"/>
               <a:t>: </a:t>
             </a:r>
             <a:r>
-              <a:rPr lang="en-IN" dirty="0" err="1" smtClean="0"/>
+              <a:rPr lang="en-IN" dirty="0" err="1"/>
               <a:t>hsla</a:t>
             </a:r>
             <a:r>
-              <a:rPr lang="en-IN" dirty="0" smtClean="0"/>
+              <a:rPr lang="en-IN" dirty="0"/>
               <a:t>(160,50%,50%,0.5);</a:t>
             </a:r>
           </a:p>
           <a:p>
             <a:pPr lvl="1"/>
             <a:r>
-              <a:rPr lang="en-IN" dirty="0" smtClean="0"/>
+              <a:rPr lang="en-IN" dirty="0"/>
               <a:t>Hue-saturation-lightness-alpha model (HSLA).</a:t>
             </a:r>
-            <a:endParaRPr lang="en-IN" dirty="0"/>
           </a:p>
         </p:txBody>
       </p:sp>
@@ -7382,13 +7216,6 @@
   <p:clrMapOvr>
     <a:masterClrMapping/>
   </p:clrMapOvr>
-  <p:timing>
-    <p:tnLst>
-      <p:par>
-        <p:cTn id="1" dur="indefinite" restart="never" nodeType="tmRoot"/>
-      </p:par>
-    </p:tnLst>
-  </p:timing>
 </p:sld>
 </file>
 
@@ -7430,8 +7257,20 @@
                 <a:tableStyleId>{5C22544A-7EE6-4342-B048-85BDC9FD1C3A}</a:tableStyleId>
               </a:tblPr>
               <a:tblGrid>
-                <a:gridCol w="4076700"/>
-                <a:gridCol w="4076700"/>
+                <a:gridCol w="4076700">
+                  <a:extLst>
+                    <a:ext uri="{9D8B030D-6E8A-4147-A177-3AD203B41FA5}">
+                      <a16:colId xmlns:a16="http://schemas.microsoft.com/office/drawing/2014/main" val="20000"/>
+                    </a:ext>
+                  </a:extLst>
+                </a:gridCol>
+                <a:gridCol w="4076700">
+                  <a:extLst>
+                    <a:ext uri="{9D8B030D-6E8A-4147-A177-3AD203B41FA5}">
+                      <a16:colId xmlns:a16="http://schemas.microsoft.com/office/drawing/2014/main" val="20001"/>
+                    </a:ext>
+                  </a:extLst>
+                </a:gridCol>
               </a:tblGrid>
               <a:tr h="5227320">
                 <a:tc>
@@ -7440,40 +7279,39 @@
                     <a:lstStyle/>
                     <a:p>
                       <a:r>
-                        <a:rPr lang="en-IN" dirty="0" smtClean="0"/>
+                        <a:rPr lang="en-IN" dirty="0"/>
                         <a:t>&lt;div&gt;</a:t>
                       </a:r>
                     </a:p>
                     <a:p>
                       <a:r>
-                        <a:rPr lang="en-IN" dirty="0" smtClean="0"/>
+                        <a:rPr lang="en-IN" dirty="0"/>
                         <a:t>  &lt;p class="xyz"&gt;</a:t>
                       </a:r>
                     </a:p>
                     <a:p>
                       <a:r>
-                        <a:rPr lang="en-IN" dirty="0" smtClean="0"/>
+                        <a:rPr lang="en-IN" dirty="0"/>
                         <a:t>         I am first paragraph</a:t>
                       </a:r>
                     </a:p>
                     <a:p>
                       <a:r>
-                        <a:rPr lang="en-IN" dirty="0" smtClean="0"/>
+                        <a:rPr lang="en-IN" dirty="0"/>
                         <a:t>&lt;/p&gt;</a:t>
                       </a:r>
                     </a:p>
                     <a:p>
                       <a:r>
-                        <a:rPr lang="en-IN" dirty="0" smtClean="0"/>
+                        <a:rPr lang="en-IN" dirty="0"/>
                         <a:t>  &lt;p&gt;I am a paragraph&lt;/p&gt;</a:t>
                       </a:r>
                     </a:p>
                     <a:p>
                       <a:r>
-                        <a:rPr lang="en-IN" dirty="0" smtClean="0"/>
+                        <a:rPr lang="en-IN" dirty="0"/>
                         <a:t>&lt;/div&gt;</a:t>
                       </a:r>
-                      <a:endParaRPr lang="en-IN" dirty="0"/>
                     </a:p>
                   </a:txBody>
                   <a:tcPr/>
@@ -7484,113 +7322,117 @@
                     <a:lstStyle/>
                     <a:p>
                       <a:r>
-                        <a:rPr lang="en-IN" dirty="0" smtClean="0"/>
+                        <a:rPr lang="en-IN" dirty="0"/>
                         <a:t>&lt;style&gt;</a:t>
                       </a:r>
                     </a:p>
                     <a:p>
                       <a:r>
-                        <a:rPr lang="en-IN" dirty="0" smtClean="0"/>
+                        <a:rPr lang="en-IN" dirty="0"/>
                         <a:t>div {</a:t>
                       </a:r>
                     </a:p>
                     <a:p>
                       <a:r>
-                        <a:rPr lang="en-IN" dirty="0" smtClean="0"/>
+                        <a:rPr lang="en-IN" dirty="0"/>
                         <a:t>  </a:t>
                       </a:r>
                       <a:r>
-                        <a:rPr lang="en-IN" dirty="0" err="1" smtClean="0"/>
+                        <a:rPr lang="en-IN" dirty="0" err="1"/>
                         <a:t>color</a:t>
                       </a:r>
                       <a:r>
-                        <a:rPr lang="en-IN" dirty="0" smtClean="0"/>
+                        <a:rPr lang="en-IN" dirty="0"/>
                         <a:t>: blue;</a:t>
                       </a:r>
                     </a:p>
                     <a:p>
                       <a:r>
-                        <a:rPr lang="en-IN" dirty="0" smtClean="0"/>
+                        <a:rPr lang="en-IN" dirty="0"/>
                         <a:t>  border: 1px solid black;</a:t>
                       </a:r>
                     </a:p>
                     <a:p>
                       <a:r>
-                        <a:rPr lang="en-IN" dirty="0" smtClean="0"/>
+                        <a:rPr lang="en-IN" dirty="0"/>
                         <a:t>}</a:t>
                       </a:r>
                     </a:p>
                     <a:p>
-                      <a:endParaRPr lang="en-IN" dirty="0" smtClean="0"/>
+                      <a:endParaRPr lang="en-IN" dirty="0"/>
                     </a:p>
                     <a:p>
                       <a:r>
-                        <a:rPr lang="en-IN" dirty="0" smtClean="0"/>
+                        <a:rPr lang="en-IN" dirty="0"/>
                         <a:t>p {</a:t>
                       </a:r>
                     </a:p>
                     <a:p>
                       <a:r>
-                        <a:rPr lang="en-IN" dirty="0" smtClean="0"/>
+                        <a:rPr lang="en-IN" dirty="0"/>
                         <a:t>  </a:t>
                       </a:r>
                       <a:r>
-                        <a:rPr lang="en-IN" dirty="0" err="1" smtClean="0"/>
+                        <a:rPr lang="en-IN" dirty="0" err="1"/>
                         <a:t>color</a:t>
                       </a:r>
                       <a:r>
-                        <a:rPr lang="en-IN" dirty="0" smtClean="0"/>
+                        <a:rPr lang="en-IN" dirty="0"/>
                         <a:t>: inherit;</a:t>
                       </a:r>
                     </a:p>
                     <a:p>
                       <a:r>
-                        <a:rPr lang="en-IN" dirty="0" smtClean="0"/>
+                        <a:rPr lang="en-IN" dirty="0"/>
                         <a:t>}</a:t>
                       </a:r>
                     </a:p>
                     <a:p>
                       <a:r>
-                        <a:rPr lang="en-IN" dirty="0" smtClean="0"/>
+                        <a:rPr lang="en-IN" dirty="0"/>
                         <a:t>.xyz</a:t>
                       </a:r>
                     </a:p>
                     <a:p>
                       <a:r>
-                        <a:rPr lang="en-IN" dirty="0" smtClean="0"/>
+                        <a:rPr lang="en-IN" dirty="0"/>
                         <a:t>{</a:t>
                       </a:r>
                     </a:p>
                     <a:p>
                       <a:r>
-                        <a:rPr lang="en-IN" dirty="0" smtClean="0"/>
+                        <a:rPr lang="en-IN" dirty="0"/>
                         <a:t>	</a:t>
                       </a:r>
                       <a:r>
-                        <a:rPr lang="en-IN" dirty="0" err="1" smtClean="0"/>
+                        <a:rPr lang="en-IN" dirty="0" err="1"/>
                         <a:t>color:red</a:t>
                       </a:r>
                       <a:r>
-                        <a:rPr lang="en-IN" dirty="0" smtClean="0"/>
+                        <a:rPr lang="en-IN" dirty="0"/>
                         <a:t>;</a:t>
                       </a:r>
                     </a:p>
                     <a:p>
                       <a:r>
-                        <a:rPr lang="en-IN" dirty="0" smtClean="0"/>
+                        <a:rPr lang="en-IN" dirty="0"/>
                         <a:t>}</a:t>
                       </a:r>
                     </a:p>
                     <a:p>
                       <a:r>
-                        <a:rPr lang="en-IN" dirty="0" smtClean="0"/>
+                        <a:rPr lang="en-IN" dirty="0"/>
                         <a:t>&lt;/style&gt;</a:t>
                       </a:r>
-                      <a:endParaRPr lang="en-IN" dirty="0"/>
                     </a:p>
                   </a:txBody>
                   <a:tcPr/>
                 </a:tc>
+                <a:extLst>
+                  <a:ext uri="{0D108BD9-81ED-4DB2-BD59-A6C34878D82A}">
+                    <a16:rowId xmlns:a16="http://schemas.microsoft.com/office/drawing/2014/main" val="10000"/>
+                  </a:ext>
+                </a:extLst>
               </a:tr>
             </a:tbl>
           </a:graphicData>
@@ -7627,13 +7469,6 @@
   <p:clrMapOvr>
     <a:masterClrMapping/>
   </p:clrMapOvr>
-  <p:timing>
-    <p:tnLst>
-      <p:par>
-        <p:cTn id="1" dur="indefinite" restart="never" nodeType="tmRoot"/>
-      </p:par>
-    </p:tnLst>
-  </p:timing>
 </p:sld>
 </file>
 
@@ -7675,8 +7510,20 @@
                 <a:tableStyleId>{5C22544A-7EE6-4342-B048-85BDC9FD1C3A}</a:tableStyleId>
               </a:tblPr>
               <a:tblGrid>
-                <a:gridCol w="4076700"/>
-                <a:gridCol w="4076700"/>
+                <a:gridCol w="4076700">
+                  <a:extLst>
+                    <a:ext uri="{9D8B030D-6E8A-4147-A177-3AD203B41FA5}">
+                      <a16:colId xmlns:a16="http://schemas.microsoft.com/office/drawing/2014/main" val="20000"/>
+                    </a:ext>
+                  </a:extLst>
+                </a:gridCol>
+                <a:gridCol w="4076700">
+                  <a:extLst>
+                    <a:ext uri="{9D8B030D-6E8A-4147-A177-3AD203B41FA5}">
+                      <a16:colId xmlns:a16="http://schemas.microsoft.com/office/drawing/2014/main" val="20001"/>
+                    </a:ext>
+                  </a:extLst>
+                </a:gridCol>
               </a:tblGrid>
               <a:tr h="3962400">
                 <a:tc>
@@ -7685,28 +7532,27 @@
                     <a:lstStyle/>
                     <a:p>
                       <a:r>
-                        <a:rPr lang="en-IN" dirty="0" smtClean="0"/>
+                        <a:rPr lang="en-IN" dirty="0"/>
                         <a:t>&lt;div&gt;</a:t>
                       </a:r>
                     </a:p>
                     <a:p>
                       <a:r>
-                        <a:rPr lang="en-IN" dirty="0" smtClean="0"/>
+                        <a:rPr lang="en-IN" dirty="0"/>
                         <a:t>  &lt;p class="xyz"&gt;</a:t>
                       </a:r>
                     </a:p>
                     <a:p>
                       <a:r>
-                        <a:rPr lang="en-IN" dirty="0" smtClean="0"/>
+                        <a:rPr lang="en-IN" dirty="0"/>
                         <a:t>I am first paragraph&lt;/p&gt;</a:t>
                       </a:r>
                     </a:p>
                     <a:p>
                       <a:r>
-                        <a:rPr lang="en-IN" dirty="0" smtClean="0"/>
+                        <a:rPr lang="en-IN" dirty="0"/>
                         <a:t>&lt;/div&gt;</a:t>
                       </a:r>
-                      <a:endParaRPr lang="en-IN" dirty="0"/>
                     </a:p>
                   </a:txBody>
                   <a:tcPr/>
@@ -7717,78 +7563,82 @@
                     <a:lstStyle/>
                     <a:p>
                       <a:r>
-                        <a:rPr lang="en-IN" dirty="0" smtClean="0"/>
+                        <a:rPr lang="en-IN" dirty="0"/>
                         <a:t>div {</a:t>
                       </a:r>
                     </a:p>
                     <a:p>
                       <a:r>
-                        <a:rPr lang="en-IN" dirty="0" smtClean="0"/>
+                        <a:rPr lang="en-IN" dirty="0"/>
                         <a:t>  </a:t>
                       </a:r>
                       <a:r>
-                        <a:rPr lang="en-IN" dirty="0" err="1" smtClean="0"/>
+                        <a:rPr lang="en-IN" dirty="0" err="1"/>
                         <a:t>color</a:t>
                       </a:r>
                       <a:r>
-                        <a:rPr lang="en-IN" dirty="0" smtClean="0"/>
+                        <a:rPr lang="en-IN" dirty="0"/>
                         <a:t>: blue;</a:t>
                       </a:r>
                     </a:p>
                     <a:p>
                       <a:r>
-                        <a:rPr lang="en-IN" dirty="0" smtClean="0"/>
+                        <a:rPr lang="en-IN" dirty="0"/>
                         <a:t>  border: 1px solid black;</a:t>
                       </a:r>
                     </a:p>
                     <a:p>
                       <a:r>
-                        <a:rPr lang="en-IN" dirty="0" smtClean="0"/>
+                        <a:rPr lang="en-IN" dirty="0"/>
                         <a:t>}</a:t>
                       </a:r>
                     </a:p>
                     <a:p>
                       <a:r>
-                        <a:rPr lang="en-IN" dirty="0" smtClean="0"/>
+                        <a:rPr lang="en-IN" dirty="0"/>
                         <a:t>.xyz</a:t>
                       </a:r>
                     </a:p>
                     <a:p>
                       <a:r>
-                        <a:rPr lang="en-IN" dirty="0" smtClean="0"/>
+                        <a:rPr lang="en-IN" dirty="0"/>
                         <a:t>{</a:t>
                       </a:r>
                     </a:p>
                     <a:p>
                       <a:r>
-                        <a:rPr lang="en-IN" dirty="0" smtClean="0"/>
+                        <a:rPr lang="en-IN" dirty="0"/>
                         <a:t>	</a:t>
                       </a:r>
                       <a:r>
-                        <a:rPr lang="en-IN" dirty="0" err="1" smtClean="0"/>
+                        <a:rPr lang="en-IN" dirty="0" err="1"/>
                         <a:t>color</a:t>
                       </a:r>
                       <a:r>
-                        <a:rPr lang="en-IN" dirty="0" smtClean="0"/>
+                        <a:rPr lang="en-IN" dirty="0"/>
                         <a:t>: initial;</a:t>
                       </a:r>
                     </a:p>
                     <a:p>
                       <a:r>
-                        <a:rPr lang="en-IN" dirty="0" smtClean="0"/>
+                        <a:rPr lang="en-IN" dirty="0"/>
                         <a:t>}</a:t>
                       </a:r>
                     </a:p>
                     <a:p>
                       <a:r>
-                        <a:rPr lang="en-IN" dirty="0" smtClean="0"/>
+                        <a:rPr lang="en-IN" dirty="0"/>
                         <a:t>&lt;/style&gt;</a:t>
                       </a:r>
-                      <a:endParaRPr lang="en-IN" dirty="0"/>
                     </a:p>
                   </a:txBody>
                   <a:tcPr/>
                 </a:tc>
+                <a:extLst>
+                  <a:ext uri="{0D108BD9-81ED-4DB2-BD59-A6C34878D82A}">
+                    <a16:rowId xmlns:a16="http://schemas.microsoft.com/office/drawing/2014/main" val="10000"/>
+                  </a:ext>
+                </a:extLst>
               </a:tr>
             </a:tbl>
           </a:graphicData>
@@ -7825,13 +7675,6 @@
   <p:clrMapOvr>
     <a:masterClrMapping/>
   </p:clrMapOvr>
-  <p:timing>
-    <p:tnLst>
-      <p:par>
-        <p:cTn id="1" dur="indefinite" restart="never" nodeType="tmRoot"/>
-      </p:par>
-    </p:tnLst>
-  </p:timing>
 </p:sld>
 </file>
 
@@ -7868,10 +7711,9 @@
           <a:lstStyle/>
           <a:p>
             <a:r>
-              <a:rPr lang="en-US" dirty="0" smtClean="0"/>
+              <a:rPr lang="en-US" dirty="0"/>
               <a:t>Grouping styles</a:t>
             </a:r>
-            <a:endParaRPr lang="en-US" dirty="0"/>
           </a:p>
         </p:txBody>
       </p:sp>
@@ -7997,31 +7839,10 @@
                 <a:latin typeface="Courier New" pitchFamily="49" charset="0"/>
                 <a:cs typeface="Courier New" pitchFamily="49" charset="0"/>
               </a:rPr>
-              <a:t>}	</a:t>
-            </a:r>
-            <a:r>
-              <a:rPr lang="en-US" dirty="0" smtClean="0">
-                <a:latin typeface="Courier New" pitchFamily="49" charset="0"/>
-                <a:cs typeface="Courier New" pitchFamily="49" charset="0"/>
-              </a:rPr>
-              <a:t>						</a:t>
-            </a:r>
-            <a:r>
-              <a:rPr lang="en-US" dirty="0">
-                <a:latin typeface="Courier New" pitchFamily="49" charset="0"/>
-                <a:cs typeface="Courier New" pitchFamily="49" charset="0"/>
-              </a:rPr>
-              <a:t> </a:t>
-            </a:r>
-            <a:r>
-              <a:rPr lang="en-US" dirty="0" smtClean="0">
-                <a:latin typeface="Courier New" pitchFamily="49" charset="0"/>
-                <a:cs typeface="Courier New" pitchFamily="49" charset="0"/>
-              </a:rPr>
-              <a:t>       </a:t>
-            </a:r>
-            <a:r>
-              <a:rPr lang="en-US" i="1" dirty="0" smtClean="0">
+              <a:t>}							        </a:t>
+            </a:r>
+            <a:r>
+              <a:rPr lang="en-US" i="1" dirty="0">
                 <a:solidFill>
                   <a:schemeClr val="tx1">
                     <a:lumMod val="50000"/>
@@ -8075,26 +7896,14 @@
                 <a:latin typeface="Times New Roman" pitchFamily="18" charset="0"/>
                 <a:cs typeface="Times New Roman" pitchFamily="18" charset="0"/>
               </a:rPr>
-              <a:t>This paragraph uses the above style</a:t>
-            </a:r>
-            <a:r>
-              <a:rPr lang="en-US" sz="2000" dirty="0" smtClean="0">
-                <a:solidFill>
-                  <a:schemeClr val="accent5">
-                    <a:lumMod val="50000"/>
-                  </a:schemeClr>
-                </a:solidFill>
-                <a:latin typeface="Times New Roman" pitchFamily="18" charset="0"/>
-                <a:cs typeface="Times New Roman" pitchFamily="18" charset="0"/>
-              </a:rPr>
-              <a:t>.</a:t>
+              <a:t>This paragraph uses the above style.</a:t>
             </a:r>
           </a:p>
           <a:p>
             <a:endParaRPr lang="en-US" sz="2000" dirty="0"/>
           </a:p>
           <a:p>
-            <a:endParaRPr lang="en-US" i="1" dirty="0" smtClean="0">
+            <a:endParaRPr lang="en-US" i="1" dirty="0">
               <a:solidFill>
                 <a:schemeClr val="tx1">
                   <a:lumMod val="50000"/>
@@ -8107,7 +7916,7 @@
           </a:p>
           <a:p>
             <a:r>
-              <a:rPr lang="en-US" i="1" dirty="0" smtClean="0">
+              <a:rPr lang="en-US" i="1" dirty="0">
                 <a:solidFill>
                   <a:schemeClr val="tx1">
                     <a:lumMod val="50000"/>
@@ -8164,7 +7973,7 @@
           <a:lstStyle/>
           <a:p>
             <a:r>
-              <a:rPr lang="en-US" sz="2400" b="1" dirty="0" smtClean="0">
+              <a:rPr lang="en-US" sz="2400" b="1" dirty="0">
                 <a:solidFill>
                   <a:schemeClr val="accent5">
                     <a:lumMod val="50000"/>
@@ -8203,26 +8012,14 @@
           <a:lstStyle/>
           <a:p>
             <a:r>
-              <a:rPr lang="en-US" sz="2400" dirty="0" smtClean="0"/>
-              <a:t>A style </a:t>
-            </a:r>
-            <a:r>
               <a:rPr lang="en-US" sz="2400" dirty="0"/>
-              <a:t>can select multiple elements separated by commas</a:t>
+              <a:t>A style can select multiple elements separated by commas</a:t>
             </a:r>
           </a:p>
           <a:p>
             <a:r>
               <a:rPr lang="en-US" sz="2400" dirty="0"/>
-              <a:t>T</a:t>
-            </a:r>
-            <a:r>
-              <a:rPr lang="en-US" sz="2400" dirty="0" smtClean="0"/>
-              <a:t>he </a:t>
-            </a:r>
-            <a:r>
-              <a:rPr lang="en-US" sz="2400" dirty="0"/>
-              <a:t>individual elements can also have their own styles </a:t>
+              <a:t>The individual elements can also have their own styles </a:t>
             </a:r>
           </a:p>
         </p:txBody>
@@ -8230,20 +8027,13 @@
     </p:spTree>
     <p:extLst>
       <p:ext uri="{BB962C8B-B14F-4D97-AF65-F5344CB8AC3E}">
-        <p14:creationId xmlns="" xmlns:p14="http://schemas.microsoft.com/office/powerpoint/2010/main" val="4160314572"/>
+        <p14:creationId xmlns:p14="http://schemas.microsoft.com/office/powerpoint/2010/main" val="4160314572"/>
       </p:ext>
     </p:extLst>
   </p:cSld>
   <p:clrMapOvr>
     <a:masterClrMapping/>
   </p:clrMapOvr>
-  <p:timing>
-    <p:tnLst>
-      <p:par>
-        <p:cTn id="1" dur="indefinite" restart="never" nodeType="tmRoot"/>
-      </p:par>
-    </p:tnLst>
-  </p:timing>
 </p:sld>
 </file>
 
@@ -8280,10 +8070,9 @@
           <a:lstStyle/>
           <a:p>
             <a:r>
-              <a:rPr lang="en-US" dirty="0" smtClean="0"/>
+              <a:rPr lang="en-US" dirty="0"/>
               <a:t>CSS comments /*…*/</a:t>
             </a:r>
-            <a:endParaRPr lang="en-US" dirty="0"/>
           </a:p>
         </p:txBody>
       </p:sp>
@@ -8386,31 +8175,10 @@
                 <a:latin typeface="Courier New" pitchFamily="49" charset="0"/>
                 <a:cs typeface="Courier New" pitchFamily="49" charset="0"/>
               </a:rPr>
-              <a:t>} 	</a:t>
-            </a:r>
-            <a:r>
-              <a:rPr lang="en-US" dirty="0" smtClean="0">
-                <a:latin typeface="Courier New" pitchFamily="49" charset="0"/>
-                <a:cs typeface="Courier New" pitchFamily="49" charset="0"/>
-              </a:rPr>
-              <a:t>						</a:t>
-            </a:r>
-            <a:r>
-              <a:rPr lang="en-US" dirty="0">
-                <a:latin typeface="Courier New" pitchFamily="49" charset="0"/>
-                <a:cs typeface="Courier New" pitchFamily="49" charset="0"/>
-              </a:rPr>
-              <a:t> </a:t>
-            </a:r>
-            <a:r>
-              <a:rPr lang="en-US" dirty="0" smtClean="0">
-                <a:latin typeface="Courier New" pitchFamily="49" charset="0"/>
-                <a:cs typeface="Courier New" pitchFamily="49" charset="0"/>
-              </a:rPr>
-              <a:t>       </a:t>
-            </a:r>
-            <a:r>
-              <a:rPr lang="en-US" i="1" dirty="0" smtClean="0">
+              <a:t>} 							        </a:t>
+            </a:r>
+            <a:r>
+              <a:rPr lang="en-US" i="1" dirty="0">
                 <a:solidFill>
                   <a:schemeClr val="tx1">
                     <a:lumMod val="50000"/>
@@ -8447,40 +8215,19 @@
           <a:p>
             <a:r>
               <a:rPr lang="en-US" sz="2400" dirty="0"/>
-              <a:t>CSS (like HTML) is usually not commented as rigorously as programming languages such </a:t>
-            </a:r>
-            <a:r>
-              <a:rPr lang="en-US" sz="2400" dirty="0" smtClean="0"/>
-              <a:t>as Java</a:t>
-            </a:r>
-            <a:endParaRPr lang="en-US" sz="2400" dirty="0"/>
+              <a:t>CSS (like HTML) is usually not commented as rigorously as programming languages such as Java</a:t>
+            </a:r>
           </a:p>
           <a:p>
             <a:r>
               <a:rPr lang="en-US" sz="2400" dirty="0"/>
-              <a:t>T</a:t>
-            </a:r>
-            <a:r>
-              <a:rPr lang="en-US" sz="2400" dirty="0" smtClean="0"/>
-              <a:t>he </a:t>
-            </a:r>
+              <a:t>The // single-line comment style is NOT supported in CSS</a:t>
+            </a:r>
+          </a:p>
+          <a:p>
             <a:r>
               <a:rPr lang="en-US" sz="2400" dirty="0"/>
-              <a:t>// single-line comment style is NOT supported in CSS</a:t>
-            </a:r>
-          </a:p>
-          <a:p>
-            <a:r>
-              <a:rPr lang="en-US" sz="2400" dirty="0"/>
-              <a:t>T</a:t>
-            </a:r>
-            <a:r>
-              <a:rPr lang="en-US" sz="2400" dirty="0" smtClean="0"/>
-              <a:t>he </a:t>
-            </a:r>
-            <a:r>
-              <a:rPr lang="en-US" sz="2400" dirty="0"/>
-              <a:t>&lt;!-- ... --&gt; HTML comment style is also NOT supported in CSS</a:t>
+              <a:t>The &lt;!-- ... --&gt; HTML comment style is also NOT supported in CSS</a:t>
             </a:r>
           </a:p>
         </p:txBody>
@@ -8488,20 +8235,13 @@
     </p:spTree>
     <p:extLst>
       <p:ext uri="{BB962C8B-B14F-4D97-AF65-F5344CB8AC3E}">
-        <p14:creationId xmlns="" xmlns:p14="http://schemas.microsoft.com/office/powerpoint/2010/main" val="181567384"/>
+        <p14:creationId xmlns:p14="http://schemas.microsoft.com/office/powerpoint/2010/main" val="181567384"/>
       </p:ext>
     </p:extLst>
   </p:cSld>
   <p:clrMapOvr>
     <a:masterClrMapping/>
   </p:clrMapOvr>
-  <p:timing>
-    <p:tnLst>
-      <p:par>
-        <p:cTn id="1" dur="indefinite" restart="never" nodeType="tmRoot"/>
-      </p:par>
-    </p:tnLst>
-  </p:timing>
 </p:sld>
 </file>
 
@@ -8538,10 +8278,9 @@
           <a:lstStyle/>
           <a:p>
             <a:r>
-              <a:rPr lang="en-US" dirty="0" smtClean="0"/>
+              <a:rPr lang="en-US" dirty="0"/>
               <a:t>CSS properties for fonts</a:t>
             </a:r>
-            <a:endParaRPr lang="en-US" dirty="0"/>
           </a:p>
         </p:txBody>
       </p:sp>
@@ -8555,7 +8294,7 @@
             <p:ph sz="quarter" idx="1"/>
             <p:extLst>
               <p:ext uri="{D42A27DB-BD31-4B8C-83A1-F6EECF244321}">
-                <p14:modId xmlns="" xmlns:p14="http://schemas.microsoft.com/office/powerpoint/2010/main" val="1043903592"/>
+                <p14:modId xmlns:p14="http://schemas.microsoft.com/office/powerpoint/2010/main" val="1043903592"/>
               </p:ext>
             </p:extLst>
           </p:nvPr>
@@ -8571,8 +8310,20 @@
                 <a:tableStyleId>{284E427A-3D55-4303-BF80-6455036E1DE7}</a:tableStyleId>
               </a:tblPr>
               <a:tblGrid>
-                <a:gridCol w="4076700"/>
-                <a:gridCol w="4076700"/>
+                <a:gridCol w="4076700">
+                  <a:extLst>
+                    <a:ext uri="{9D8B030D-6E8A-4147-A177-3AD203B41FA5}">
+                      <a16:colId xmlns:a16="http://schemas.microsoft.com/office/drawing/2014/main" val="20000"/>
+                    </a:ext>
+                  </a:extLst>
+                </a:gridCol>
+                <a:gridCol w="4076700">
+                  <a:extLst>
+                    <a:ext uri="{9D8B030D-6E8A-4147-A177-3AD203B41FA5}">
+                      <a16:colId xmlns:a16="http://schemas.microsoft.com/office/drawing/2014/main" val="20001"/>
+                    </a:ext>
+                  </a:extLst>
+                </a:gridCol>
               </a:tblGrid>
               <a:tr h="0">
                 <a:tc>
@@ -8603,6 +8354,11 @@
                   </a:txBody>
                   <a:tcPr anchor="ctr"/>
                 </a:tc>
+                <a:extLst>
+                  <a:ext uri="{0D108BD9-81ED-4DB2-BD59-A6C34878D82A}">
+                    <a16:rowId xmlns:a16="http://schemas.microsoft.com/office/drawing/2014/main" val="10000"/>
+                  </a:ext>
+                </a:extLst>
               </a:tr>
               <a:tr h="0">
                 <a:tc>
@@ -8631,6 +8387,11 @@
                   </a:txBody>
                   <a:tcPr anchor="ctr"/>
                 </a:tc>
+                <a:extLst>
+                  <a:ext uri="{0D108BD9-81ED-4DB2-BD59-A6C34878D82A}">
+                    <a16:rowId xmlns:a16="http://schemas.microsoft.com/office/drawing/2014/main" val="10001"/>
+                  </a:ext>
+                </a:extLst>
               </a:tr>
               <a:tr h="0">
                 <a:tc>
@@ -8659,6 +8420,11 @@
                   </a:txBody>
                   <a:tcPr anchor="ctr"/>
                 </a:tc>
+                <a:extLst>
+                  <a:ext uri="{0D108BD9-81ED-4DB2-BD59-A6C34878D82A}">
+                    <a16:rowId xmlns:a16="http://schemas.microsoft.com/office/drawing/2014/main" val="10002"/>
+                  </a:ext>
+                </a:extLst>
               </a:tr>
               <a:tr h="0">
                 <a:tc>
@@ -8687,6 +8453,11 @@
                   </a:txBody>
                   <a:tcPr anchor="ctr"/>
                 </a:tc>
+                <a:extLst>
+                  <a:ext uri="{0D108BD9-81ED-4DB2-BD59-A6C34878D82A}">
+                    <a16:rowId xmlns:a16="http://schemas.microsoft.com/office/drawing/2014/main" val="10003"/>
+                  </a:ext>
+                </a:extLst>
               </a:tr>
               <a:tr h="0">
                 <a:tc>
@@ -8715,6 +8486,11 @@
                   </a:txBody>
                   <a:tcPr anchor="ctr"/>
                 </a:tc>
+                <a:extLst>
+                  <a:ext uri="{0D108BD9-81ED-4DB2-BD59-A6C34878D82A}">
+                    <a16:rowId xmlns:a16="http://schemas.microsoft.com/office/drawing/2014/main" val="10004"/>
+                  </a:ext>
+                </a:extLst>
               </a:tr>
             </a:tbl>
           </a:graphicData>
@@ -8768,36 +8544,28 @@
           <a:lstStyle/>
           <a:p>
             <a:r>
-              <a:rPr lang="en-US" dirty="0" smtClean="0">
+              <a:rPr lang="en-US" dirty="0">
                 <a:hlinkClick r:id="rId2"/>
               </a:rPr>
               <a:t>Complete list of font properties</a:t>
             </a:r>
             <a:r>
-              <a:rPr lang="en-US" dirty="0" smtClean="0"/>
+              <a:rPr lang="en-US" dirty="0"/>
               <a:t> (http://www.w3schools.com/css/css_reference.asp#font)</a:t>
             </a:r>
-            <a:endParaRPr lang="en-US" dirty="0"/>
           </a:p>
         </p:txBody>
       </p:sp>
     </p:spTree>
     <p:extLst>
       <p:ext uri="{BB962C8B-B14F-4D97-AF65-F5344CB8AC3E}">
-        <p14:creationId xmlns="" xmlns:p14="http://schemas.microsoft.com/office/powerpoint/2010/main" val="120593456"/>
+        <p14:creationId xmlns:p14="http://schemas.microsoft.com/office/powerpoint/2010/main" val="120593456"/>
       </p:ext>
     </p:extLst>
   </p:cSld>
   <p:clrMapOvr>
     <a:masterClrMapping/>
   </p:clrMapOvr>
-  <p:timing>
-    <p:tnLst>
-      <p:par>
-        <p:cTn id="1" dur="indefinite" restart="never" nodeType="tmRoot"/>
-      </p:par>
-    </p:tnLst>
-  </p:timing>
 </p:sld>
 </file>
 
@@ -8862,27 +8630,14 @@
           <a:p>
             <a:r>
               <a:rPr lang="en-US" dirty="0"/>
-              <a:t>T</a:t>
-            </a:r>
-            <a:r>
-              <a:rPr lang="en-US" dirty="0" smtClean="0"/>
-              <a:t>ags </a:t>
-            </a:r>
+              <a:t>Tags such as b, i, u, and font are discouraged in strict XHTML</a:t>
+            </a:r>
+          </a:p>
+          <a:p>
             <a:r>
               <a:rPr lang="en-US" dirty="0"/>
-              <a:t>such as b, i, u, and font are discouraged in strict XHTML</a:t>
-            </a:r>
-          </a:p>
-          <a:p>
-            <a:r>
-              <a:rPr lang="en-US" dirty="0"/>
-              <a:t>Why is this bad</a:t>
-            </a:r>
-            <a:r>
-              <a:rPr lang="en-US" dirty="0" smtClean="0"/>
-              <a:t>?</a:t>
-            </a:r>
-            <a:endParaRPr lang="en-US" dirty="0"/>
+              <a:t>Why is this bad?</a:t>
+            </a:r>
           </a:p>
         </p:txBody>
       </p:sp>
@@ -8958,47 +8713,33 @@
                 <a:latin typeface="Courier New" pitchFamily="49" charset="0"/>
                 <a:cs typeface="Courier New" pitchFamily="49" charset="0"/>
               </a:rPr>
-              <a:t>&lt;font face="Arial</a:t>
-            </a:r>
-            <a:r>
-              <a:rPr lang="en-US" b="1" dirty="0" smtClean="0">
-                <a:latin typeface="Courier New" pitchFamily="49" charset="0"/>
-                <a:cs typeface="Courier New" pitchFamily="49" charset="0"/>
-              </a:rPr>
-              <a:t>"&gt;</a:t>
-            </a:r>
-            <a:r>
-              <a:rPr lang="en-US" dirty="0" err="1" smtClean="0">
+              <a:t>&lt;font face="Arial"&gt;</a:t>
+            </a:r>
+            <a:r>
+              <a:rPr lang="en-US" dirty="0" err="1">
                 <a:latin typeface="Courier New" pitchFamily="49" charset="0"/>
                 <a:cs typeface="Courier New" pitchFamily="49" charset="0"/>
               </a:rPr>
               <a:t>Shashdot</a:t>
             </a:r>
             <a:r>
-              <a:rPr lang="en-US" dirty="0" smtClean="0">
+              <a:rPr lang="en-US" dirty="0">
                 <a:latin typeface="Courier New" pitchFamily="49" charset="0"/>
                 <a:cs typeface="Courier New" pitchFamily="49" charset="0"/>
               </a:rPr>
               <a:t>.</a:t>
             </a:r>
             <a:r>
-              <a:rPr lang="en-US" b="1" dirty="0" smtClean="0">
-                <a:latin typeface="Courier New" pitchFamily="49" charset="0"/>
-                <a:cs typeface="Courier New" pitchFamily="49" charset="0"/>
-              </a:rPr>
-              <a:t>&lt;/</a:t>
-            </a:r>
-            <a:r>
               <a:rPr lang="en-US" b="1" dirty="0">
                 <a:latin typeface="Courier New" pitchFamily="49" charset="0"/>
                 <a:cs typeface="Courier New" pitchFamily="49" charset="0"/>
               </a:rPr>
-              <a:t>font&gt;</a:t>
-            </a:r>
-          </a:p>
-          <a:p>
-            <a:r>
-              <a:rPr lang="en-US" dirty="0" smtClean="0">
+              <a:t>&lt;/font&gt;</a:t>
+            </a:r>
+          </a:p>
+          <a:p>
+            <a:r>
+              <a:rPr lang="en-US" dirty="0">
                 <a:latin typeface="Courier New" pitchFamily="49" charset="0"/>
                 <a:cs typeface="Courier New" pitchFamily="49" charset="0"/>
               </a:rPr>
@@ -9009,24 +8750,17 @@
                 <a:latin typeface="Courier New" pitchFamily="49" charset="0"/>
                 <a:cs typeface="Courier New" pitchFamily="49" charset="0"/>
               </a:rPr>
-              <a:t>&lt;</a:t>
-            </a:r>
-            <a:r>
-              <a:rPr lang="en-US" b="1" dirty="0" smtClean="0">
-                <a:latin typeface="Courier New" pitchFamily="49" charset="0"/>
-                <a:cs typeface="Courier New" pitchFamily="49" charset="0"/>
-              </a:rPr>
-              <a:t>b&gt;</a:t>
-            </a:r>
-            <a:r>
-              <a:rPr lang="en-US" dirty="0" smtClean="0">
+              <a:t>&lt;b&gt;</a:t>
+            </a:r>
+            <a:r>
+              <a:rPr lang="en-US" dirty="0">
                 <a:latin typeface="Courier New" pitchFamily="49" charset="0"/>
                 <a:cs typeface="Courier New" pitchFamily="49" charset="0"/>
               </a:rPr>
               <a:t>nerds!!</a:t>
             </a:r>
             <a:r>
-              <a:rPr lang="en-US" b="1" dirty="0" smtClean="0">
+              <a:rPr lang="en-US" b="1" dirty="0">
                 <a:latin typeface="Courier New" pitchFamily="49" charset="0"/>
                 <a:cs typeface="Courier New" pitchFamily="49" charset="0"/>
               </a:rPr>
@@ -9037,24 +8771,17 @@
                 <a:latin typeface="Courier New" pitchFamily="49" charset="0"/>
                 <a:cs typeface="Courier New" pitchFamily="49" charset="0"/>
               </a:rPr>
-              <a:t> </a:t>
-            </a:r>
-            <a:r>
-              <a:rPr lang="en-US" dirty="0" smtClean="0">
-                <a:latin typeface="Courier New" pitchFamily="49" charset="0"/>
-                <a:cs typeface="Courier New" pitchFamily="49" charset="0"/>
-              </a:rPr>
-              <a:t>You will </a:t>
-            </a:r>
-            <a:r>
-              <a:rPr lang="en-US" b="1" dirty="0" smtClean="0">
+              <a:t> You will </a:t>
+            </a:r>
+            <a:r>
+              <a:rPr lang="en-US" b="1" dirty="0">
                 <a:latin typeface="Courier New" pitchFamily="49" charset="0"/>
                 <a:cs typeface="Courier New" pitchFamily="49" charset="0"/>
               </a:rPr>
               <a:t>&lt;i&gt;</a:t>
             </a:r>
             <a:r>
-              <a:rPr lang="en-US" dirty="0" smtClean="0">
+              <a:rPr lang="en-US" dirty="0">
                 <a:latin typeface="Courier New" pitchFamily="49" charset="0"/>
                 <a:cs typeface="Courier New" pitchFamily="49" charset="0"/>
               </a:rPr>
@@ -9093,26 +8820,15 @@
                 <a:latin typeface="Courier New" pitchFamily="49" charset="0"/>
                 <a:cs typeface="Courier New" pitchFamily="49" charset="0"/>
               </a:rPr>
-              <a:t>&lt;/u</a:t>
-            </a:r>
-            <a:r>
-              <a:rPr lang="en-US" b="1" dirty="0" smtClean="0">
-                <a:latin typeface="Courier New" pitchFamily="49" charset="0"/>
-                <a:cs typeface="Courier New" pitchFamily="49" charset="0"/>
-              </a:rPr>
-              <a:t>&gt; </a:t>
-            </a:r>
-            <a:r>
-              <a:rPr lang="en-US" dirty="0" smtClean="0">
+              <a:t>&lt;/u&gt; </a:t>
+            </a:r>
+            <a:r>
+              <a:rPr lang="en-US" dirty="0">
                 <a:latin typeface="Courier New" pitchFamily="49" charset="0"/>
                 <a:cs typeface="Courier New" pitchFamily="49" charset="0"/>
               </a:rPr>
               <a:t>be</a:t>
             </a:r>
-            <a:endParaRPr lang="en-US" dirty="0">
-              <a:latin typeface="Courier New" pitchFamily="49" charset="0"/>
-              <a:cs typeface="Courier New" pitchFamily="49" charset="0"/>
-            </a:endParaRPr>
           </a:p>
           <a:p>
             <a:r>
@@ -9120,47 +8836,29 @@
                 <a:latin typeface="Courier New" pitchFamily="49" charset="0"/>
                 <a:cs typeface="Courier New" pitchFamily="49" charset="0"/>
               </a:rPr>
-              <a:t>&lt;font size="+4" color="red</a:t>
-            </a:r>
-            <a:r>
-              <a:rPr lang="en-US" b="1" dirty="0" smtClean="0">
-                <a:latin typeface="Courier New" pitchFamily="49" charset="0"/>
-                <a:cs typeface="Courier New" pitchFamily="49" charset="0"/>
-              </a:rPr>
-              <a:t>"&gt;</a:t>
-            </a:r>
-            <a:r>
-              <a:rPr lang="en-US" dirty="0" smtClean="0">
+              <a:t>&lt;font size="+4" color="red"&gt;</a:t>
+            </a:r>
+            <a:r>
+              <a:rPr lang="en-US" dirty="0">
                 <a:latin typeface="Courier New" pitchFamily="49" charset="0"/>
                 <a:cs typeface="Courier New" pitchFamily="49" charset="0"/>
               </a:rPr>
               <a:t>BORED</a:t>
             </a:r>
             <a:r>
-              <a:rPr lang="en-US" b="1" dirty="0" smtClean="0">
-                <a:latin typeface="Courier New" pitchFamily="49" charset="0"/>
-                <a:cs typeface="Courier New" pitchFamily="49" charset="0"/>
-              </a:rPr>
-              <a:t>&lt;/</a:t>
-            </a:r>
-            <a:r>
               <a:rPr lang="en-US" b="1" dirty="0">
                 <a:latin typeface="Courier New" pitchFamily="49" charset="0"/>
                 <a:cs typeface="Courier New" pitchFamily="49" charset="0"/>
               </a:rPr>
-              <a:t>font&gt; </a:t>
-            </a:r>
-            <a:r>
-              <a:rPr lang="en-US" dirty="0" smtClean="0">
+              <a:t>&lt;/font&gt; </a:t>
+            </a:r>
+            <a:r>
+              <a:rPr lang="en-US" dirty="0">
                 <a:latin typeface="Courier New" pitchFamily="49" charset="0"/>
                 <a:cs typeface="Courier New" pitchFamily="49" charset="0"/>
               </a:rPr>
               <a:t>here!</a:t>
             </a:r>
-            <a:endParaRPr lang="en-US" dirty="0">
-              <a:latin typeface="Courier New" pitchFamily="49" charset="0"/>
-              <a:cs typeface="Courier New" pitchFamily="49" charset="0"/>
-            </a:endParaRPr>
           </a:p>
           <a:p>
             <a:r>
@@ -9168,17 +8866,10 @@
                 <a:latin typeface="Courier New" pitchFamily="49" charset="0"/>
                 <a:cs typeface="Courier New" pitchFamily="49" charset="0"/>
               </a:rPr>
-              <a:t>&lt;/p&gt;</a:t>
-            </a:r>
-            <a:r>
-              <a:rPr lang="en-US" dirty="0" smtClean="0">
-                <a:latin typeface="Courier New" pitchFamily="49" charset="0"/>
-                <a:cs typeface="Courier New" pitchFamily="49" charset="0"/>
-              </a:rPr>
-              <a:t>								</a:t>
-            </a:r>
-            <a:r>
-              <a:rPr lang="en-US" i="1" dirty="0" smtClean="0">
+              <a:t>&lt;/p&gt;								</a:t>
+            </a:r>
+            <a:r>
+              <a:rPr lang="en-US" i="1" dirty="0">
                 <a:solidFill>
                   <a:schemeClr val="tx1">
                     <a:lumMod val="50000"/>
@@ -9221,82 +8912,75 @@
           <a:lstStyle/>
           <a:p>
             <a:r>
-              <a:rPr lang="en-US" dirty="0" smtClean="0">
+              <a:rPr lang="en-US" dirty="0">
                 <a:latin typeface="Arial" pitchFamily="34" charset="0"/>
                 <a:cs typeface="Arial" pitchFamily="34" charset="0"/>
               </a:rPr>
               <a:t>Slashdot</a:t>
             </a:r>
-            <a:r>
-              <a:rPr lang="en-US" dirty="0" smtClean="0">
-                <a:latin typeface="Consolas" pitchFamily="49" charset="0"/>
-                <a:cs typeface="Consolas" pitchFamily="49" charset="0"/>
-              </a:rPr>
-              <a:t>. News for </a:t>
-            </a:r>
-            <a:r>
-              <a:rPr lang="en-US" b="1" dirty="0" smtClean="0">
-                <a:latin typeface="Consolas" pitchFamily="49" charset="0"/>
-                <a:cs typeface="Consolas" pitchFamily="49" charset="0"/>
-              </a:rPr>
-              <a:t>nerds!! </a:t>
-            </a:r>
-            <a:r>
-              <a:rPr lang="en-US" dirty="0" smtClean="0">
-                <a:latin typeface="Consolas" pitchFamily="49" charset="0"/>
-                <a:cs typeface="Consolas" pitchFamily="49" charset="0"/>
-              </a:rPr>
-              <a:t>You will never, </a:t>
-            </a:r>
-            <a:r>
-              <a:rPr lang="en-US" sz="2000" u="sng" dirty="0" smtClean="0">
-                <a:latin typeface="Consolas" pitchFamily="49" charset="0"/>
-                <a:cs typeface="Consolas" pitchFamily="49" charset="0"/>
-              </a:rPr>
-              <a:t>EVER</a:t>
-            </a:r>
-            <a:r>
-              <a:rPr lang="en-US" dirty="0" smtClean="0">
-                <a:latin typeface="Consolas" pitchFamily="49" charset="0"/>
-                <a:cs typeface="Consolas" pitchFamily="49" charset="0"/>
-              </a:rPr>
-              <a:t> be </a:t>
-            </a:r>
-            <a:r>
-              <a:rPr lang="en-US" sz="2800" dirty="0" smtClean="0">
-                <a:solidFill>
-                  <a:srgbClr val="FF0000"/>
-                </a:solidFill>
-                <a:latin typeface="Consolas" pitchFamily="49" charset="0"/>
-                <a:cs typeface="Consolas" pitchFamily="49" charset="0"/>
-              </a:rPr>
-              <a:t>BORED</a:t>
-            </a:r>
-            <a:r>
-              <a:rPr lang="en-US" dirty="0" smtClean="0">
-                <a:latin typeface="Consolas" pitchFamily="49" charset="0"/>
-                <a:cs typeface="Consolas" pitchFamily="49" charset="0"/>
-              </a:rPr>
-              <a:t> here!     </a:t>
-            </a:r>
-          </a:p>
-          <a:p>
             <a:r>
               <a:rPr lang="en-US" dirty="0">
                 <a:latin typeface="Consolas" pitchFamily="49" charset="0"/>
                 <a:cs typeface="Consolas" pitchFamily="49" charset="0"/>
               </a:rPr>
-              <a:t> </a:t>
-            </a:r>
-            <a:r>
-              <a:rPr lang="en-US" dirty="0" smtClean="0">
+              <a:t>. News for </a:t>
+            </a:r>
+            <a:r>
+              <a:rPr lang="en-US" b="1" dirty="0">
                 <a:latin typeface="Consolas" pitchFamily="49" charset="0"/>
                 <a:cs typeface="Consolas" pitchFamily="49" charset="0"/>
               </a:rPr>
-              <a:t>		                                          </a:t>
-            </a:r>
-            <a:r>
-              <a:rPr lang="en-US" i="1" dirty="0" smtClean="0">
+              <a:t>nerds!! </a:t>
+            </a:r>
+            <a:r>
+              <a:rPr lang="en-US" dirty="0">
+                <a:latin typeface="Consolas" pitchFamily="49" charset="0"/>
+                <a:cs typeface="Consolas" pitchFamily="49" charset="0"/>
+              </a:rPr>
+              <a:t>You will never, </a:t>
+            </a:r>
+            <a:r>
+              <a:rPr lang="en-US" sz="2000" u="sng" dirty="0">
+                <a:latin typeface="Consolas" pitchFamily="49" charset="0"/>
+                <a:cs typeface="Consolas" pitchFamily="49" charset="0"/>
+              </a:rPr>
+              <a:t>EVER</a:t>
+            </a:r>
+            <a:r>
+              <a:rPr lang="en-US" dirty="0">
+                <a:latin typeface="Consolas" pitchFamily="49" charset="0"/>
+                <a:cs typeface="Consolas" pitchFamily="49" charset="0"/>
+              </a:rPr>
+              <a:t> be </a:t>
+            </a:r>
+            <a:r>
+              <a:rPr lang="en-US" sz="2800" dirty="0">
+                <a:solidFill>
+                  <a:srgbClr val="FF0000"/>
+                </a:solidFill>
+                <a:latin typeface="Consolas" pitchFamily="49" charset="0"/>
+                <a:cs typeface="Consolas" pitchFamily="49" charset="0"/>
+              </a:rPr>
+              <a:t>BORED</a:t>
+            </a:r>
+            <a:r>
+              <a:rPr lang="en-US" dirty="0">
+                <a:latin typeface="Consolas" pitchFamily="49" charset="0"/>
+                <a:cs typeface="Consolas" pitchFamily="49" charset="0"/>
+              </a:rPr>
+              <a:t> here!     </a:t>
+            </a:r>
+          </a:p>
+          <a:p>
+            <a:r>
+              <a:rPr lang="en-US" dirty="0">
+                <a:latin typeface="Consolas" pitchFamily="49" charset="0"/>
+                <a:cs typeface="Consolas" pitchFamily="49" charset="0"/>
+              </a:rPr>
+              <a:t> 		                                          </a:t>
+            </a:r>
+            <a:r>
+              <a:rPr lang="en-US" i="1" dirty="0">
                 <a:solidFill>
                   <a:schemeClr val="tx1">
                     <a:lumMod val="50000"/>
@@ -9314,20 +8998,13 @@
     </p:spTree>
     <p:extLst>
       <p:ext uri="{BB962C8B-B14F-4D97-AF65-F5344CB8AC3E}">
-        <p14:creationId xmlns="" xmlns:p14="http://schemas.microsoft.com/office/powerpoint/2010/main" val="1770429739"/>
+        <p14:creationId xmlns:p14="http://schemas.microsoft.com/office/powerpoint/2010/main" val="1770429739"/>
       </p:ext>
     </p:extLst>
   </p:cSld>
   <p:clrMapOvr>
     <a:masterClrMapping/>
   </p:clrMapOvr>
-  <p:timing>
-    <p:tnLst>
-      <p:par>
-        <p:cTn id="1" dur="indefinite" restart="never" nodeType="tmRoot"/>
-      </p:par>
-    </p:tnLst>
-  </p:timing>
 </p:sld>
 </file>
 
@@ -9478,31 +9155,10 @@
                 <a:latin typeface="Courier New" pitchFamily="49" charset="0"/>
                 <a:cs typeface="Courier New" pitchFamily="49" charset="0"/>
               </a:rPr>
-              <a:t>}	</a:t>
-            </a:r>
-            <a:r>
-              <a:rPr lang="en-US" dirty="0" smtClean="0">
-                <a:latin typeface="Courier New" pitchFamily="49" charset="0"/>
-                <a:cs typeface="Courier New" pitchFamily="49" charset="0"/>
-              </a:rPr>
-              <a:t>						</a:t>
-            </a:r>
-            <a:r>
-              <a:rPr lang="en-US" dirty="0">
-                <a:latin typeface="Courier New" pitchFamily="49" charset="0"/>
-                <a:cs typeface="Courier New" pitchFamily="49" charset="0"/>
-              </a:rPr>
-              <a:t> </a:t>
-            </a:r>
-            <a:r>
-              <a:rPr lang="en-US" dirty="0" smtClean="0">
-                <a:latin typeface="Courier New" pitchFamily="49" charset="0"/>
-                <a:cs typeface="Courier New" pitchFamily="49" charset="0"/>
-              </a:rPr>
-              <a:t>       </a:t>
-            </a:r>
-            <a:r>
-              <a:rPr lang="en-US" i="1" dirty="0" smtClean="0">
+              <a:t>}							        </a:t>
+            </a:r>
+            <a:r>
+              <a:rPr lang="en-US" i="1" dirty="0">
                 <a:solidFill>
                   <a:schemeClr val="tx1">
                     <a:lumMod val="50000"/>
@@ -9550,13 +9206,7 @@
               <a:rPr lang="en-US" sz="2000" dirty="0">
                 <a:latin typeface="Georgia" pitchFamily="18" charset="0"/>
               </a:rPr>
-              <a:t>This paragraph uses the first style above</a:t>
-            </a:r>
-            <a:r>
-              <a:rPr lang="en-US" sz="2000" dirty="0" smtClean="0">
-                <a:latin typeface="Georgia" pitchFamily="18" charset="0"/>
-              </a:rPr>
-              <a:t>.</a:t>
+              <a:t>This paragraph uses the first style above.</a:t>
             </a:r>
           </a:p>
           <a:p>
@@ -9572,7 +9222,7 @@
               </a:rPr>
               <a:t>This h2 uses the second style above.</a:t>
             </a:r>
-            <a:endParaRPr lang="en-US" sz="2000" b="1" i="1" dirty="0" smtClean="0">
+            <a:endParaRPr lang="en-US" sz="2000" b="1" i="1" dirty="0">
               <a:solidFill>
                 <a:schemeClr val="tx1">
                   <a:lumMod val="50000"/>
@@ -9585,7 +9235,7 @@
           </a:p>
           <a:p>
             <a:r>
-              <a:rPr lang="en-US" i="1" dirty="0" smtClean="0">
+              <a:rPr lang="en-US" i="1" dirty="0">
                 <a:solidFill>
                   <a:schemeClr val="tx1">
                     <a:lumMod val="50000"/>
@@ -9622,15 +9272,7 @@
           <a:p>
             <a:r>
               <a:rPr lang="en-US" sz="2400" dirty="0"/>
-              <a:t>E</a:t>
-            </a:r>
-            <a:r>
-              <a:rPr lang="en-US" sz="2400" dirty="0" smtClean="0"/>
-              <a:t>nclose </a:t>
-            </a:r>
-            <a:r>
-              <a:rPr lang="en-US" sz="2400" dirty="0"/>
-              <a:t>multi-word font names in quotes</a:t>
+              <a:t>Enclose multi-word font names in quotes</a:t>
             </a:r>
           </a:p>
         </p:txBody>
@@ -9638,20 +9280,13 @@
     </p:spTree>
     <p:extLst>
       <p:ext uri="{BB962C8B-B14F-4D97-AF65-F5344CB8AC3E}">
-        <p14:creationId xmlns="" xmlns:p14="http://schemas.microsoft.com/office/powerpoint/2010/main" val="570721799"/>
+        <p14:creationId xmlns:p14="http://schemas.microsoft.com/office/powerpoint/2010/main" val="570721799"/>
       </p:ext>
     </p:extLst>
   </p:cSld>
   <p:clrMapOvr>
     <a:masterClrMapping/>
   </p:clrMapOvr>
-  <p:timing>
-    <p:tnLst>
-      <p:par>
-        <p:cTn id="1" dur="indefinite" restart="never" nodeType="tmRoot"/>
-      </p:par>
-    </p:tnLst>
-  </p:timing>
 </p:sld>
 </file>
 
@@ -9688,10 +9323,9 @@
           <a:lstStyle/>
           <a:p>
             <a:r>
-              <a:rPr lang="en-US" dirty="0" smtClean="0"/>
+              <a:rPr lang="en-US" dirty="0"/>
               <a:t>More about font-family</a:t>
             </a:r>
-            <a:endParaRPr lang="en-US" dirty="0"/>
           </a:p>
         </p:txBody>
       </p:sp>
@@ -9776,31 +9410,10 @@
                 <a:latin typeface="Courier New" pitchFamily="49" charset="0"/>
                 <a:cs typeface="Courier New" pitchFamily="49" charset="0"/>
               </a:rPr>
-              <a:t>}	</a:t>
-            </a:r>
-            <a:r>
-              <a:rPr lang="en-US" dirty="0" smtClean="0">
-                <a:latin typeface="Courier New" pitchFamily="49" charset="0"/>
-                <a:cs typeface="Courier New" pitchFamily="49" charset="0"/>
-              </a:rPr>
-              <a:t>						</a:t>
-            </a:r>
-            <a:r>
-              <a:rPr lang="en-US" dirty="0">
-                <a:latin typeface="Courier New" pitchFamily="49" charset="0"/>
-                <a:cs typeface="Courier New" pitchFamily="49" charset="0"/>
-              </a:rPr>
-              <a:t> </a:t>
-            </a:r>
-            <a:r>
-              <a:rPr lang="en-US" dirty="0" smtClean="0">
-                <a:latin typeface="Courier New" pitchFamily="49" charset="0"/>
-                <a:cs typeface="Courier New" pitchFamily="49" charset="0"/>
-              </a:rPr>
-              <a:t>       </a:t>
-            </a:r>
-            <a:r>
-              <a:rPr lang="en-US" i="1" dirty="0" smtClean="0">
+              <a:t>}							        </a:t>
+            </a:r>
+            <a:r>
+              <a:rPr lang="en-US" i="1" dirty="0">
                 <a:solidFill>
                   <a:schemeClr val="tx1">
                     <a:lumMod val="50000"/>
@@ -9851,7 +9464,7 @@
               <a:t>This paragraph uses the above style.</a:t>
             </a:r>
             <a:r>
-              <a:rPr lang="en-US" i="1" dirty="0" smtClean="0">
+              <a:rPr lang="en-US" i="1" dirty="0">
                 <a:solidFill>
                   <a:schemeClr val="tx1">
                     <a:lumMod val="50000"/>
@@ -9887,26 +9500,14 @@
           <a:lstStyle/>
           <a:p>
             <a:r>
-              <a:rPr lang="en-US" sz="2400" dirty="0" smtClean="0"/>
-              <a:t>We can </a:t>
-            </a:r>
-            <a:r>
               <a:rPr lang="en-US" sz="2400" dirty="0"/>
-              <a:t>specify multiple fonts from highest to lowest priority</a:t>
+              <a:t>We can specify multiple fonts from highest to lowest priority</a:t>
             </a:r>
           </a:p>
           <a:p>
             <a:r>
               <a:rPr lang="en-US" sz="2400" dirty="0"/>
-              <a:t>G</a:t>
-            </a:r>
-            <a:r>
-              <a:rPr lang="en-US" sz="2400" dirty="0" smtClean="0"/>
-              <a:t>eneric </a:t>
-            </a:r>
-            <a:r>
-              <a:rPr lang="en-US" sz="2400" dirty="0"/>
-              <a:t>font names:</a:t>
+              <a:t>Generic font names:</a:t>
             </a:r>
           </a:p>
           <a:p>
@@ -9952,45 +9553,25 @@
               <a:t>, </a:t>
             </a:r>
             <a:r>
-              <a:rPr lang="en-US" sz="2400" dirty="0" err="1" smtClean="0">
+              <a:rPr lang="en-US" sz="2400" dirty="0" err="1">
                 <a:latin typeface="Courier New"/>
               </a:rPr>
               <a:t>monospace</a:t>
             </a:r>
-            <a:endParaRPr lang="en-US" sz="2400" dirty="0" smtClean="0">
+            <a:endParaRPr lang="en-US" sz="2400" dirty="0">
               <a:latin typeface="Courier New"/>
             </a:endParaRPr>
           </a:p>
           <a:p>
             <a:r>
-              <a:rPr lang="en-US" sz="2700" dirty="0" smtClean="0"/>
+              <a:rPr lang="en-US" sz="2700" dirty="0"/>
               <a:t>If the first font is not found on the user's computer, the next is tried</a:t>
             </a:r>
           </a:p>
           <a:p>
             <a:r>
-              <a:rPr lang="en-US" sz="2400" dirty="0" smtClean="0"/>
-              <a:t>Placing </a:t>
-            </a:r>
-            <a:r>
               <a:rPr lang="en-US" sz="2400" dirty="0"/>
-              <a:t>a generic font name at the end of your font-family </a:t>
-            </a:r>
-            <a:r>
-              <a:rPr lang="en-US" sz="2400" dirty="0" smtClean="0"/>
-              <a:t>value, </a:t>
-            </a:r>
-            <a:r>
-              <a:rPr lang="en-US" sz="2400" dirty="0"/>
-              <a:t>ensures that </a:t>
-            </a:r>
-            <a:r>
-              <a:rPr lang="en-US" sz="2400" dirty="0" smtClean="0"/>
-              <a:t>every computer </a:t>
-            </a:r>
-            <a:r>
-              <a:rPr lang="en-US" sz="2400" dirty="0"/>
-              <a:t>will use a valid font</a:t>
+              <a:t>Placing a generic font name at the end of your font-family value, ensures that every computer will use a valid font</a:t>
             </a:r>
           </a:p>
         </p:txBody>
@@ -9998,20 +9579,13 @@
     </p:spTree>
     <p:extLst>
       <p:ext uri="{BB962C8B-B14F-4D97-AF65-F5344CB8AC3E}">
-        <p14:creationId xmlns="" xmlns:p14="http://schemas.microsoft.com/office/powerpoint/2010/main" val="931619822"/>
+        <p14:creationId xmlns:p14="http://schemas.microsoft.com/office/powerpoint/2010/main" val="931619822"/>
       </p:ext>
     </p:extLst>
   </p:cSld>
   <p:clrMapOvr>
     <a:masterClrMapping/>
   </p:clrMapOvr>
-  <p:timing>
-    <p:tnLst>
-      <p:par>
-        <p:cTn id="1" dur="indefinite" restart="never" nodeType="tmRoot"/>
-      </p:par>
-    </p:tnLst>
-  </p:timing>
 </p:sld>
 </file>
 
@@ -10048,10 +9622,9 @@
           <a:lstStyle/>
           <a:p>
             <a:r>
-              <a:rPr lang="en-US" dirty="0" smtClean="0"/>
+              <a:rPr lang="en-US" dirty="0"/>
               <a:t>font-size</a:t>
             </a:r>
-            <a:endParaRPr lang="en-US" dirty="0"/>
           </a:p>
         </p:txBody>
       </p:sp>
@@ -10114,7 +9687,7 @@
           <a:lstStyle/>
           <a:p>
             <a:r>
-              <a:rPr lang="en-US" dirty="0" smtClean="0">
+              <a:rPr lang="en-US" dirty="0">
                 <a:latin typeface="Courier New" pitchFamily="49" charset="0"/>
                 <a:cs typeface="Courier New" pitchFamily="49" charset="0"/>
               </a:rPr>
@@ -10123,7 +9696,7 @@
           </a:p>
           <a:p>
             <a:r>
-              <a:rPr lang="en-US" dirty="0" smtClean="0">
+              <a:rPr lang="en-US" dirty="0">
                 <a:latin typeface="Courier New" pitchFamily="49" charset="0"/>
                 <a:cs typeface="Courier New" pitchFamily="49" charset="0"/>
               </a:rPr>
@@ -10132,14 +9705,14 @@
           </a:p>
           <a:p>
             <a:r>
-              <a:rPr lang="en-US" dirty="0" smtClean="0">
+              <a:rPr lang="en-US" dirty="0">
                 <a:latin typeface="Courier New" pitchFamily="49" charset="0"/>
                 <a:cs typeface="Courier New" pitchFamily="49" charset="0"/>
               </a:rPr>
               <a:t>}							        </a:t>
             </a:r>
             <a:r>
-              <a:rPr lang="en-US" i="1" dirty="0" smtClean="0">
+              <a:rPr lang="en-US" i="1" dirty="0">
                 <a:solidFill>
                   <a:schemeClr val="tx1">
                     <a:lumMod val="50000"/>
@@ -10184,14 +9757,14 @@
           <a:lstStyle/>
           <a:p>
             <a:r>
-              <a:rPr lang="en-US" sz="2400" dirty="0" smtClean="0">
+              <a:rPr lang="en-US" sz="2400" dirty="0">
                 <a:latin typeface="Times New Roman" pitchFamily="18" charset="0"/>
                 <a:cs typeface="Times New Roman" pitchFamily="18" charset="0"/>
               </a:rPr>
               <a:t>This paragraph uses the style above.</a:t>
             </a:r>
             <a:r>
-              <a:rPr lang="en-US" i="1" dirty="0" smtClean="0">
+              <a:rPr lang="en-US" i="1" dirty="0">
                 <a:solidFill>
                   <a:schemeClr val="tx1">
                     <a:lumMod val="50000"/>
@@ -10477,7 +10050,7 @@
               <a:t>, </a:t>
             </a:r>
             <a:r>
-              <a:rPr lang="en-US" sz="1800" dirty="0" smtClean="0">
+              <a:rPr lang="en-US" sz="1800" dirty="0">
                 <a:solidFill>
                   <a:srgbClr val="000000"/>
                 </a:solidFill>
@@ -10486,7 +10059,7 @@
               <a:t>smaller</a:t>
             </a:r>
             <a:r>
-              <a:rPr lang="en-US" sz="2400" dirty="0" smtClean="0">
+              <a:rPr lang="en-US" sz="2400" dirty="0">
                 <a:solidFill>
                   <a:srgbClr val="000000"/>
                 </a:solidFill>
@@ -10495,7 +10068,7 @@
               <a:t>, </a:t>
             </a:r>
             <a:r>
-              <a:rPr lang="en-US" sz="3600" dirty="0" smtClean="0">
+              <a:rPr lang="en-US" sz="3600" dirty="0">
                 <a:solidFill>
                   <a:srgbClr val="000000"/>
                 </a:solidFill>
@@ -10503,12 +10076,6 @@
               </a:rPr>
               <a:t>larger</a:t>
             </a:r>
-            <a:endParaRPr lang="en-US" sz="3600" dirty="0">
-              <a:solidFill>
-                <a:srgbClr val="000000"/>
-              </a:solidFill>
-              <a:latin typeface="CourierNew"/>
-            </a:endParaRPr>
           </a:p>
           <a:p>
             <a:r>
@@ -10572,43 +10139,21 @@
                 </a:solidFill>
                 <a:latin typeface="CourierNew"/>
               </a:rPr>
-              <a:t>120</a:t>
-            </a:r>
-            <a:r>
-              <a:rPr lang="fr-FR" sz="3200" dirty="0" smtClean="0">
-                <a:solidFill>
-                  <a:srgbClr val="000000"/>
-                </a:solidFill>
-                <a:latin typeface="CourierNew"/>
-              </a:rPr>
-              <a:t>%</a:t>
-            </a:r>
-            <a:endParaRPr lang="fr-FR" sz="3200" dirty="0">
-              <a:solidFill>
-                <a:srgbClr val="000000"/>
-              </a:solidFill>
-              <a:latin typeface="CourierNew"/>
-            </a:endParaRPr>
+              <a:t>120%</a:t>
+            </a:r>
           </a:p>
         </p:txBody>
       </p:sp>
     </p:spTree>
     <p:extLst>
       <p:ext uri="{BB962C8B-B14F-4D97-AF65-F5344CB8AC3E}">
-        <p14:creationId xmlns="" xmlns:p14="http://schemas.microsoft.com/office/powerpoint/2010/main" val="3106668337"/>
+        <p14:creationId xmlns:p14="http://schemas.microsoft.com/office/powerpoint/2010/main" val="3106668337"/>
       </p:ext>
     </p:extLst>
   </p:cSld>
   <p:clrMapOvr>
     <a:masterClrMapping/>
   </p:clrMapOvr>
-  <p:timing>
-    <p:tnLst>
-      <p:par>
-        <p:cTn id="1" dur="indefinite" restart="never" nodeType="tmRoot"/>
-      </p:par>
-    </p:tnLst>
-  </p:timing>
 </p:sld>
 </file>
 
@@ -10645,10 +10190,9 @@
           <a:lstStyle/>
           <a:p>
             <a:r>
-              <a:rPr lang="en-US" dirty="0" smtClean="0"/>
+              <a:rPr lang="en-US" dirty="0"/>
               <a:t>font-size</a:t>
             </a:r>
-            <a:endParaRPr lang="en-US" dirty="0"/>
           </a:p>
         </p:txBody>
       </p:sp>
@@ -10711,7 +10255,7 @@
           <a:lstStyle/>
           <a:p>
             <a:r>
-              <a:rPr lang="en-US" dirty="0" smtClean="0">
+              <a:rPr lang="en-US" dirty="0">
                 <a:latin typeface="Courier New" pitchFamily="49" charset="0"/>
                 <a:cs typeface="Courier New" pitchFamily="49" charset="0"/>
               </a:rPr>
@@ -10720,7 +10264,7 @@
           </a:p>
           <a:p>
             <a:r>
-              <a:rPr lang="en-US" dirty="0" smtClean="0">
+              <a:rPr lang="en-US" dirty="0">
                 <a:latin typeface="Courier New" pitchFamily="49" charset="0"/>
                 <a:cs typeface="Courier New" pitchFamily="49" charset="0"/>
               </a:rPr>
@@ -10729,14 +10273,14 @@
           </a:p>
           <a:p>
             <a:r>
-              <a:rPr lang="en-US" dirty="0" smtClean="0">
+              <a:rPr lang="en-US" dirty="0">
                 <a:latin typeface="Courier New" pitchFamily="49" charset="0"/>
                 <a:cs typeface="Courier New" pitchFamily="49" charset="0"/>
               </a:rPr>
               <a:t>}							        </a:t>
             </a:r>
             <a:r>
-              <a:rPr lang="en-US" i="1" dirty="0" smtClean="0">
+              <a:rPr lang="en-US" i="1" dirty="0">
                 <a:solidFill>
                   <a:schemeClr val="tx1">
                     <a:lumMod val="50000"/>
@@ -10781,14 +10325,14 @@
           <a:lstStyle/>
           <a:p>
             <a:r>
-              <a:rPr lang="en-US" sz="2400" dirty="0" smtClean="0">
+              <a:rPr lang="en-US" sz="2400" dirty="0">
                 <a:latin typeface="Times New Roman" pitchFamily="18" charset="0"/>
                 <a:cs typeface="Times New Roman" pitchFamily="18" charset="0"/>
               </a:rPr>
               <a:t>This paragraph uses the style above.</a:t>
             </a:r>
             <a:r>
-              <a:rPr lang="en-US" i="1" dirty="0" smtClean="0">
+              <a:rPr lang="en-US" i="1" dirty="0">
                 <a:solidFill>
                   <a:schemeClr val="tx1">
                     <a:lumMod val="50000"/>
@@ -10924,20 +10468,13 @@
     </p:spTree>
     <p:extLst>
       <p:ext uri="{BB962C8B-B14F-4D97-AF65-F5344CB8AC3E}">
-        <p14:creationId xmlns="" xmlns:p14="http://schemas.microsoft.com/office/powerpoint/2010/main" val="1551896765"/>
+        <p14:creationId xmlns:p14="http://schemas.microsoft.com/office/powerpoint/2010/main" val="1551896765"/>
       </p:ext>
     </p:extLst>
   </p:cSld>
   <p:clrMapOvr>
     <a:masterClrMapping/>
   </p:clrMapOvr>
-  <p:timing>
-    <p:tnLst>
-      <p:par>
-        <p:cTn id="1" dur="indefinite" restart="never" nodeType="tmRoot"/>
-      </p:par>
-    </p:tnLst>
-  </p:timing>
 </p:sld>
 </file>
 
@@ -10974,10 +10511,9 @@
           <a:lstStyle/>
           <a:p>
             <a:r>
-              <a:rPr lang="en-US" dirty="0" smtClean="0"/>
+              <a:rPr lang="en-US" dirty="0"/>
               <a:t>font-weight, font-style</a:t>
             </a:r>
-            <a:endParaRPr lang="en-US" dirty="0"/>
           </a:p>
         </p:txBody>
       </p:sp>
@@ -11040,7 +10576,7 @@
           <a:lstStyle/>
           <a:p>
             <a:r>
-              <a:rPr lang="en-US" dirty="0" smtClean="0">
+              <a:rPr lang="en-US" dirty="0">
                 <a:latin typeface="Courier New" pitchFamily="49" charset="0"/>
                 <a:cs typeface="Courier New" pitchFamily="49" charset="0"/>
               </a:rPr>
@@ -11049,7 +10585,7 @@
           </a:p>
           <a:p>
             <a:r>
-              <a:rPr lang="en-US" dirty="0" smtClean="0">
+              <a:rPr lang="en-US" dirty="0">
                 <a:latin typeface="Courier New" pitchFamily="49" charset="0"/>
                 <a:cs typeface="Courier New" pitchFamily="49" charset="0"/>
               </a:rPr>
@@ -11058,7 +10594,7 @@
           </a:p>
           <a:p>
             <a:r>
-              <a:rPr lang="en-US" dirty="0" smtClean="0">
+              <a:rPr lang="en-US" dirty="0">
                 <a:latin typeface="Courier New" pitchFamily="49" charset="0"/>
                 <a:cs typeface="Courier New" pitchFamily="49" charset="0"/>
               </a:rPr>
@@ -11067,14 +10603,14 @@
           </a:p>
           <a:p>
             <a:r>
-              <a:rPr lang="en-US" dirty="0" smtClean="0">
+              <a:rPr lang="en-US" dirty="0">
                 <a:latin typeface="Courier New" pitchFamily="49" charset="0"/>
                 <a:cs typeface="Courier New" pitchFamily="49" charset="0"/>
               </a:rPr>
               <a:t>}  						               </a:t>
             </a:r>
             <a:r>
-              <a:rPr lang="en-US" i="1" dirty="0" smtClean="0">
+              <a:rPr lang="en-US" i="1" dirty="0">
                 <a:solidFill>
                   <a:schemeClr val="tx1">
                     <a:lumMod val="50000"/>
@@ -11119,14 +10655,14 @@
           <a:lstStyle/>
           <a:p>
             <a:r>
-              <a:rPr lang="en-US" sz="2000" b="1" i="1" dirty="0" smtClean="0">
+              <a:rPr lang="en-US" sz="2000" b="1" i="1" dirty="0">
                 <a:latin typeface="Times New Roman" pitchFamily="18" charset="0"/>
                 <a:cs typeface="Times New Roman" pitchFamily="18" charset="0"/>
               </a:rPr>
               <a:t>This paragraph uses the style above.</a:t>
             </a:r>
             <a:r>
-              <a:rPr lang="en-US" sz="2000" b="1" i="1" dirty="0" smtClean="0">
+              <a:rPr lang="en-US" sz="2000" b="1" i="1" dirty="0">
                 <a:solidFill>
                   <a:schemeClr val="tx1">
                     <a:lumMod val="50000"/>
@@ -11139,7 +10675,7 @@
               <a:t>	</a:t>
             </a:r>
             <a:r>
-              <a:rPr lang="en-US" i="1" dirty="0" smtClean="0">
+              <a:rPr lang="en-US" i="1" dirty="0">
                 <a:solidFill>
                   <a:schemeClr val="tx1">
                     <a:lumMod val="50000"/>
@@ -11176,15 +10712,7 @@
           <a:p>
             <a:r>
               <a:rPr lang="en-US" sz="2400" dirty="0"/>
-              <a:t>E</a:t>
-            </a:r>
-            <a:r>
-              <a:rPr lang="en-US" sz="2400" dirty="0" smtClean="0"/>
-              <a:t>ither </a:t>
-            </a:r>
-            <a:r>
-              <a:rPr lang="en-US" sz="2400" dirty="0"/>
-              <a:t>of the above can be set to normal to turn them off (e.g. headings)</a:t>
+              <a:t>Either of the above can be set to normal to turn them off (e.g. headings)</a:t>
             </a:r>
           </a:p>
         </p:txBody>
@@ -11192,20 +10720,13 @@
     </p:spTree>
     <p:extLst>
       <p:ext uri="{BB962C8B-B14F-4D97-AF65-F5344CB8AC3E}">
-        <p14:creationId xmlns="" xmlns:p14="http://schemas.microsoft.com/office/powerpoint/2010/main" val="1845372369"/>
+        <p14:creationId xmlns:p14="http://schemas.microsoft.com/office/powerpoint/2010/main" val="1845372369"/>
       </p:ext>
     </p:extLst>
   </p:cSld>
   <p:clrMapOvr>
     <a:masterClrMapping/>
   </p:clrMapOvr>
-  <p:timing>
-    <p:tnLst>
-      <p:par>
-        <p:cTn id="1" dur="indefinite" restart="never" nodeType="tmRoot"/>
-      </p:par>
-    </p:tnLst>
-  </p:timing>
 </p:sld>
 </file>
 
@@ -11242,10 +10763,9 @@
           <a:lstStyle/>
           <a:p>
             <a:r>
-              <a:rPr lang="en-US" dirty="0" smtClean="0"/>
+              <a:rPr lang="en-US" dirty="0"/>
               <a:t>CSS properties for text</a:t>
             </a:r>
-            <a:endParaRPr lang="en-US" dirty="0"/>
           </a:p>
         </p:txBody>
       </p:sp>
@@ -11259,7 +10779,7 @@
             <p:ph sz="quarter" idx="1"/>
             <p:extLst>
               <p:ext uri="{D42A27DB-BD31-4B8C-83A1-F6EECF244321}">
-                <p14:modId xmlns="" xmlns:p14="http://schemas.microsoft.com/office/powerpoint/2010/main" val="730913648"/>
+                <p14:modId xmlns:p14="http://schemas.microsoft.com/office/powerpoint/2010/main" val="730913648"/>
               </p:ext>
             </p:extLst>
           </p:nvPr>
@@ -11275,8 +10795,20 @@
                 <a:tableStyleId>{284E427A-3D55-4303-BF80-6455036E1DE7}</a:tableStyleId>
               </a:tblPr>
               <a:tblGrid>
-                <a:gridCol w="4076700"/>
-                <a:gridCol w="4076700"/>
+                <a:gridCol w="4076700">
+                  <a:extLst>
+                    <a:ext uri="{9D8B030D-6E8A-4147-A177-3AD203B41FA5}">
+                      <a16:colId xmlns:a16="http://schemas.microsoft.com/office/drawing/2014/main" val="20000"/>
+                    </a:ext>
+                  </a:extLst>
+                </a:gridCol>
+                <a:gridCol w="4076700">
+                  <a:extLst>
+                    <a:ext uri="{9D8B030D-6E8A-4147-A177-3AD203B41FA5}">
+                      <a16:colId xmlns:a16="http://schemas.microsoft.com/office/drawing/2014/main" val="20001"/>
+                    </a:ext>
+                  </a:extLst>
+                </a:gridCol>
               </a:tblGrid>
               <a:tr h="0">
                 <a:tc>
@@ -11305,6 +10837,11 @@
                   </a:txBody>
                   <a:tcPr anchor="ctr"/>
                 </a:tc>
+                <a:extLst>
+                  <a:ext uri="{0D108BD9-81ED-4DB2-BD59-A6C34878D82A}">
+                    <a16:rowId xmlns:a16="http://schemas.microsoft.com/office/drawing/2014/main" val="10000"/>
+                  </a:ext>
+                </a:extLst>
               </a:tr>
               <a:tr h="0">
                 <a:tc>
@@ -11333,6 +10870,11 @@
                   </a:txBody>
                   <a:tcPr anchor="ctr"/>
                 </a:tc>
+                <a:extLst>
+                  <a:ext uri="{0D108BD9-81ED-4DB2-BD59-A6C34878D82A}">
+                    <a16:rowId xmlns:a16="http://schemas.microsoft.com/office/drawing/2014/main" val="10001"/>
+                  </a:ext>
+                </a:extLst>
               </a:tr>
               <a:tr h="0">
                 <a:tc>
@@ -11361,6 +10903,11 @@
                   </a:txBody>
                   <a:tcPr anchor="ctr"/>
                 </a:tc>
+                <a:extLst>
+                  <a:ext uri="{0D108BD9-81ED-4DB2-BD59-A6C34878D82A}">
+                    <a16:rowId xmlns:a16="http://schemas.microsoft.com/office/drawing/2014/main" val="10002"/>
+                  </a:ext>
+                </a:extLst>
               </a:tr>
               <a:tr h="0">
                 <a:tc>
@@ -11403,6 +10950,11 @@
                   </a:txBody>
                   <a:tcPr anchor="ctr"/>
                 </a:tc>
+                <a:extLst>
+                  <a:ext uri="{0D108BD9-81ED-4DB2-BD59-A6C34878D82A}">
+                    <a16:rowId xmlns:a16="http://schemas.microsoft.com/office/drawing/2014/main" val="10003"/>
+                  </a:ext>
+                </a:extLst>
               </a:tr>
               <a:tr h="0">
                 <a:tc>
@@ -11431,6 +10983,11 @@
                   </a:txBody>
                   <a:tcPr anchor="ctr"/>
                 </a:tc>
+                <a:extLst>
+                  <a:ext uri="{0D108BD9-81ED-4DB2-BD59-A6C34878D82A}">
+                    <a16:rowId xmlns:a16="http://schemas.microsoft.com/office/drawing/2014/main" val="10004"/>
+                  </a:ext>
+                </a:extLst>
               </a:tr>
             </a:tbl>
           </a:graphicData>
@@ -11484,36 +11041,28 @@
           <a:lstStyle/>
           <a:p>
             <a:r>
-              <a:rPr lang="en-US" dirty="0" smtClean="0">
+              <a:rPr lang="en-US" dirty="0">
                 <a:hlinkClick r:id="rId2"/>
               </a:rPr>
               <a:t>Complete list of text properties</a:t>
             </a:r>
             <a:r>
-              <a:rPr lang="en-US" dirty="0" smtClean="0"/>
+              <a:rPr lang="en-US" dirty="0"/>
               <a:t> (http://www.w3schools.com/css/css_reference.asp#text)</a:t>
             </a:r>
-            <a:endParaRPr lang="en-US" dirty="0"/>
           </a:p>
         </p:txBody>
       </p:sp>
     </p:spTree>
     <p:extLst>
       <p:ext uri="{BB962C8B-B14F-4D97-AF65-F5344CB8AC3E}">
-        <p14:creationId xmlns="" xmlns:p14="http://schemas.microsoft.com/office/powerpoint/2010/main" val="3076492332"/>
+        <p14:creationId xmlns:p14="http://schemas.microsoft.com/office/powerpoint/2010/main" val="3076492332"/>
       </p:ext>
     </p:extLst>
   </p:cSld>
   <p:clrMapOvr>
     <a:masterClrMapping/>
   </p:clrMapOvr>
-  <p:timing>
-    <p:tnLst>
-      <p:par>
-        <p:cTn id="1" dur="indefinite" restart="never" nodeType="tmRoot"/>
-      </p:par>
-    </p:tnLst>
-  </p:timing>
 </p:sld>
 </file>
 
@@ -11551,13 +11100,8 @@
           <a:p>
             <a:r>
               <a:rPr lang="en-US" dirty="0"/>
-              <a:t>t</a:t>
-            </a:r>
-            <a:r>
-              <a:rPr lang="en-US" dirty="0" smtClean="0"/>
-              <a:t>ext-align</a:t>
-            </a:r>
-            <a:endParaRPr lang="en-US" dirty="0"/>
+              <a:t>text-align</a:t>
+            </a:r>
           </a:p>
         </p:txBody>
       </p:sp>
@@ -11620,21 +11164,21 @@
           <a:lstStyle/>
           <a:p>
             <a:r>
-              <a:rPr lang="en-US" dirty="0" smtClean="0">
+              <a:rPr lang="en-US" dirty="0">
                 <a:latin typeface="Courier New" pitchFamily="49" charset="0"/>
                 <a:cs typeface="Courier New" pitchFamily="49" charset="0"/>
               </a:rPr>
               <a:t>p{ </a:t>
             </a:r>
             <a:r>
-              <a:rPr lang="en-US" b="1" dirty="0" smtClean="0">
+              <a:rPr lang="en-US" b="1" dirty="0">
                 <a:latin typeface="Courier New" pitchFamily="49" charset="0"/>
                 <a:cs typeface="Courier New" pitchFamily="49" charset="0"/>
               </a:rPr>
               <a:t>text-align: justify; </a:t>
             </a:r>
             <a:r>
-              <a:rPr lang="en-US" dirty="0" smtClean="0">
+              <a:rPr lang="en-US" dirty="0">
                 <a:latin typeface="Courier New" pitchFamily="49" charset="0"/>
                 <a:cs typeface="Courier New" pitchFamily="49" charset="0"/>
               </a:rPr>
@@ -11643,28 +11187,28 @@
           </a:p>
           <a:p>
             <a:r>
-              <a:rPr lang="en-US" dirty="0" smtClean="0">
+              <a:rPr lang="en-US" dirty="0">
                 <a:latin typeface="Courier New" pitchFamily="49" charset="0"/>
                 <a:cs typeface="Courier New" pitchFamily="49" charset="0"/>
               </a:rPr>
               <a:t>h2 { </a:t>
             </a:r>
             <a:r>
-              <a:rPr lang="en-US" b="1" dirty="0" smtClean="0">
+              <a:rPr lang="en-US" b="1" dirty="0">
                 <a:latin typeface="Courier New" pitchFamily="49" charset="0"/>
                 <a:cs typeface="Courier New" pitchFamily="49" charset="0"/>
               </a:rPr>
               <a:t>text-align: center; </a:t>
             </a:r>
             <a:r>
-              <a:rPr lang="en-US" dirty="0" smtClean="0">
+              <a:rPr lang="en-US" dirty="0">
                 <a:latin typeface="Courier New" pitchFamily="49" charset="0"/>
                 <a:cs typeface="Courier New" pitchFamily="49" charset="0"/>
               </a:rPr>
               <a:t>}						                                                </a:t>
             </a:r>
             <a:r>
-              <a:rPr lang="en-US" i="1" dirty="0" smtClean="0">
+              <a:rPr lang="en-US" i="1" dirty="0">
                 <a:solidFill>
                   <a:schemeClr val="tx1">
                     <a:lumMod val="50000"/>
@@ -11710,7 +11254,7 @@
           <a:p>
             <a:pPr algn="ctr"/>
             <a:r>
-              <a:rPr lang="en-US" sz="2400" b="1" dirty="0" smtClean="0">
+              <a:rPr lang="en-US" sz="2400" b="1" dirty="0">
                 <a:latin typeface="Times New Roman" pitchFamily="18" charset="0"/>
                 <a:cs typeface="Times New Roman" pitchFamily="18" charset="0"/>
               </a:rPr>
@@ -11719,7 +11263,7 @@
           </a:p>
           <a:p>
             <a:pPr algn="just"/>
-            <a:endParaRPr lang="en-US" sz="2000" dirty="0" smtClean="0">
+            <a:endParaRPr lang="en-US" sz="2000" dirty="0">
               <a:latin typeface="Times New Roman" pitchFamily="18" charset="0"/>
               <a:cs typeface="Times New Roman" pitchFamily="18" charset="0"/>
             </a:endParaRPr>
@@ -11727,42 +11271,42 @@
           <a:p>
             <a:pPr algn="just"/>
             <a:r>
-              <a:rPr lang="en-US" sz="2000" dirty="0" smtClean="0">
+              <a:rPr lang="en-US" sz="2000" dirty="0">
                 <a:latin typeface="Times New Roman" pitchFamily="18" charset="0"/>
                 <a:cs typeface="Times New Roman" pitchFamily="18" charset="0"/>
               </a:rPr>
               <a:t>We wants it, we needs it. Must have the precious. They stole it from us. Sneaky little </a:t>
             </a:r>
             <a:r>
-              <a:rPr lang="en-US" sz="2000" dirty="0" err="1" smtClean="0">
+              <a:rPr lang="en-US" sz="2000" dirty="0" err="1">
                 <a:latin typeface="Times New Roman" pitchFamily="18" charset="0"/>
                 <a:cs typeface="Times New Roman" pitchFamily="18" charset="0"/>
               </a:rPr>
               <a:t>hobbitses</a:t>
             </a:r>
             <a:r>
-              <a:rPr lang="en-US" sz="2000" dirty="0" smtClean="0">
+              <a:rPr lang="en-US" sz="2000" dirty="0">
                 <a:latin typeface="Times New Roman" pitchFamily="18" charset="0"/>
                 <a:cs typeface="Times New Roman" pitchFamily="18" charset="0"/>
               </a:rPr>
               <a:t>. Wicked, </a:t>
             </a:r>
             <a:r>
-              <a:rPr lang="en-US" sz="2000" dirty="0" err="1" smtClean="0">
+              <a:rPr lang="en-US" sz="2000" dirty="0" err="1">
                 <a:latin typeface="Times New Roman" pitchFamily="18" charset="0"/>
                 <a:cs typeface="Times New Roman" pitchFamily="18" charset="0"/>
               </a:rPr>
               <a:t>tricksy</a:t>
             </a:r>
             <a:r>
-              <a:rPr lang="en-US" sz="2000" dirty="0" smtClean="0">
+              <a:rPr lang="en-US" sz="2000" dirty="0">
                 <a:latin typeface="Times New Roman" pitchFamily="18" charset="0"/>
                 <a:cs typeface="Times New Roman" pitchFamily="18" charset="0"/>
               </a:rPr>
               <a:t>, false!</a:t>
             </a:r>
             <a:r>
-              <a:rPr lang="en-US" sz="2000" b="1" i="1" dirty="0" smtClean="0">
+              <a:rPr lang="en-US" sz="2000" b="1" i="1" dirty="0">
                 <a:solidFill>
                   <a:schemeClr val="tx1">
                     <a:lumMod val="50000"/>
@@ -11775,7 +11319,7 @@
               <a:t>	</a:t>
             </a:r>
             <a:r>
-              <a:rPr lang="en-US" i="1" dirty="0" smtClean="0">
+              <a:rPr lang="en-US" i="1" dirty="0">
                 <a:solidFill>
                   <a:schemeClr val="tx1">
                     <a:lumMod val="50000"/>
@@ -11815,33 +11359,26 @@
               <a:t>text-align can be </a:t>
             </a:r>
             <a:r>
-              <a:rPr lang="en-US" sz="2400" dirty="0" smtClean="0">
+              <a:rPr lang="en-US" sz="2400" dirty="0">
                 <a:latin typeface="Courier New" pitchFamily="49" charset="0"/>
                 <a:cs typeface="Courier New" pitchFamily="49" charset="0"/>
               </a:rPr>
               <a:t>left, right, center, or justify</a:t>
             </a:r>
-            <a:endParaRPr lang="en-US" sz="2400" dirty="0" smtClean="0"/>
+            <a:endParaRPr lang="en-US" sz="2400" dirty="0"/>
           </a:p>
         </p:txBody>
       </p:sp>
     </p:spTree>
     <p:extLst>
       <p:ext uri="{BB962C8B-B14F-4D97-AF65-F5344CB8AC3E}">
-        <p14:creationId xmlns="" xmlns:p14="http://schemas.microsoft.com/office/powerpoint/2010/main" val="1932649652"/>
+        <p14:creationId xmlns:p14="http://schemas.microsoft.com/office/powerpoint/2010/main" val="1932649652"/>
       </p:ext>
     </p:extLst>
   </p:cSld>
   <p:clrMapOvr>
     <a:masterClrMapping/>
   </p:clrMapOvr>
-  <p:timing>
-    <p:tnLst>
-      <p:par>
-        <p:cTn id="1" dur="indefinite" restart="never" nodeType="tmRoot"/>
-      </p:par>
-    </p:tnLst>
-  </p:timing>
 </p:sld>
 </file>
 
@@ -11878,10 +11415,9 @@
           <a:lstStyle/>
           <a:p>
             <a:r>
-              <a:rPr lang="en-US" dirty="0" smtClean="0"/>
+              <a:rPr lang="en-US" dirty="0"/>
               <a:t>text-decoration</a:t>
             </a:r>
-            <a:endParaRPr lang="en-US" dirty="0"/>
           </a:p>
         </p:txBody>
       </p:sp>
@@ -11944,7 +11480,7 @@
           <a:lstStyle/>
           <a:p>
             <a:r>
-              <a:rPr lang="en-US" dirty="0" smtClean="0">
+              <a:rPr lang="en-US" dirty="0">
                 <a:latin typeface="Courier New" pitchFamily="49" charset="0"/>
                 <a:cs typeface="Courier New" pitchFamily="49" charset="0"/>
               </a:rPr>
@@ -11953,7 +11489,7 @@
           </a:p>
           <a:p>
             <a:r>
-              <a:rPr lang="en-US" b="1" dirty="0" smtClean="0">
+              <a:rPr lang="en-US" b="1" dirty="0">
                 <a:latin typeface="Courier New" pitchFamily="49" charset="0"/>
                 <a:cs typeface="Courier New" pitchFamily="49" charset="0"/>
               </a:rPr>
@@ -11962,14 +11498,14 @@
           </a:p>
           <a:p>
             <a:r>
-              <a:rPr lang="en-US" dirty="0" smtClean="0">
+              <a:rPr lang="en-US" dirty="0">
                 <a:latin typeface="Courier New" pitchFamily="49" charset="0"/>
                 <a:cs typeface="Courier New" pitchFamily="49" charset="0"/>
               </a:rPr>
               <a:t>}		                                          </a:t>
             </a:r>
             <a:r>
-              <a:rPr lang="en-US" i="1" dirty="0" smtClean="0">
+              <a:rPr lang="en-US" i="1" dirty="0">
                 <a:solidFill>
                   <a:schemeClr val="tx1">
                     <a:lumMod val="50000"/>
@@ -12023,25 +11559,18 @@
               <a:t>, </a:t>
             </a:r>
             <a:r>
-              <a:rPr lang="en-US" sz="2400" strike="sngStrike" dirty="0" smtClean="0">
+              <a:rPr lang="en-US" sz="2400" strike="sngStrike" dirty="0">
                 <a:latin typeface="Courier New" pitchFamily="49" charset="0"/>
                 <a:cs typeface="Courier New" pitchFamily="49" charset="0"/>
               </a:rPr>
               <a:t>line-through</a:t>
             </a:r>
             <a:r>
-              <a:rPr lang="en-US" sz="2400" dirty="0" smtClean="0">
-                <a:latin typeface="Courier New" pitchFamily="49" charset="0"/>
-                <a:cs typeface="Courier New" pitchFamily="49" charset="0"/>
-              </a:rPr>
-              <a:t>  or </a:t>
-            </a:r>
-            <a:r>
               <a:rPr lang="en-US" sz="2400" dirty="0">
                 <a:latin typeface="Courier New" pitchFamily="49" charset="0"/>
                 <a:cs typeface="Courier New" pitchFamily="49" charset="0"/>
               </a:rPr>
-              <a:t>none</a:t>
+              <a:t>  or none</a:t>
             </a:r>
           </a:p>
           <a:p>
@@ -12073,14 +11602,7 @@
                 <a:latin typeface="Courier New" pitchFamily="49" charset="0"/>
                 <a:cs typeface="Courier New" pitchFamily="49" charset="0"/>
               </a:rPr>
-              <a:t> underline</a:t>
-            </a:r>
-            <a:r>
-              <a:rPr lang="en-US" sz="2400" dirty="0" smtClean="0">
-                <a:latin typeface="Courier New" pitchFamily="49" charset="0"/>
-                <a:cs typeface="Courier New" pitchFamily="49" charset="0"/>
-              </a:rPr>
-              <a:t>;</a:t>
+              <a:t> underline;</a:t>
             </a:r>
           </a:p>
           <a:p>
@@ -12088,7 +11610,7 @@
               <a:buNone/>
             </a:pPr>
             <a:r>
-              <a:rPr lang="en-US" sz="2400" dirty="0" smtClean="0">
+              <a:rPr lang="en-US" sz="2400" dirty="0">
                 <a:latin typeface="Courier New" pitchFamily="49" charset="0"/>
                 <a:cs typeface="Courier New" pitchFamily="49" charset="0"/>
               </a:rPr>
@@ -12100,16 +11622,12 @@
               <a:buNone/>
             </a:pPr>
             <a:r>
-              <a:rPr lang="en-US" sz="2400" dirty="0" smtClean="0">
+              <a:rPr lang="en-US" sz="2400" dirty="0">
                 <a:latin typeface="Courier New" pitchFamily="49" charset="0"/>
                 <a:cs typeface="Courier New" pitchFamily="49" charset="0"/>
               </a:rPr>
               <a:t>text-decoration-color:  ;</a:t>
             </a:r>
-            <a:endParaRPr lang="en-US" sz="2400" dirty="0">
-              <a:latin typeface="Courier New" pitchFamily="49" charset="0"/>
-              <a:cs typeface="Courier New" pitchFamily="49" charset="0"/>
-            </a:endParaRPr>
           </a:p>
         </p:txBody>
       </p:sp>
@@ -12135,20 +11653,13 @@
     </p:spTree>
     <p:extLst>
       <p:ext uri="{BB962C8B-B14F-4D97-AF65-F5344CB8AC3E}">
-        <p14:creationId xmlns="" xmlns:p14="http://schemas.microsoft.com/office/powerpoint/2010/main" val="3630134579"/>
+        <p14:creationId xmlns:p14="http://schemas.microsoft.com/office/powerpoint/2010/main" val="3630134579"/>
       </p:ext>
     </p:extLst>
   </p:cSld>
   <p:clrMapOvr>
     <a:masterClrMapping/>
   </p:clrMapOvr>
-  <p:timing>
-    <p:tnLst>
-      <p:par>
-        <p:cTn id="1" dur="indefinite" restart="never" nodeType="tmRoot"/>
-      </p:par>
-    </p:tnLst>
-  </p:timing>
 </p:sld>
 </file>
 
@@ -12192,18 +11703,17 @@
                 <a:spcPts val="0"/>
               </a:spcAft>
             </a:pPr>
-            <a:r>
-              <a:rPr lang="en-US" sz="2000" dirty="0" smtClean="0">
+            <a:br>
+              <a:rPr lang="en-US" sz="2000" dirty="0">
                 <a:solidFill>
                   <a:prstClr val="black"/>
                 </a:solidFill>
                 <a:ea typeface="+mn-ea"/>
                 <a:cs typeface="+mn-cs"/>
               </a:rPr>
-              <a:t/>
-            </a:r>
+            </a:br>
             <a:br>
-              <a:rPr lang="en-US" sz="2000" dirty="0" smtClean="0">
+              <a:rPr lang="en-US" sz="2000" dirty="0">
                 <a:solidFill>
                   <a:prstClr val="black"/>
                 </a:solidFill>
@@ -12212,46 +11722,17 @@
               </a:rPr>
             </a:br>
             <a:r>
-              <a:rPr lang="en-US" sz="2000" dirty="0" smtClean="0">
+              <a:rPr lang="en-US" sz="2800" dirty="0">
                 <a:solidFill>
                   <a:prstClr val="black"/>
                 </a:solidFill>
                 <a:ea typeface="+mn-ea"/>
                 <a:cs typeface="+mn-cs"/>
               </a:rPr>
-              <a:t/>
+              <a:t>line-height,  word-spacing,  letter-spacing </a:t>
             </a:r>
             <a:br>
-              <a:rPr lang="en-US" sz="2000" dirty="0" smtClean="0">
-                <a:solidFill>
-                  <a:prstClr val="black"/>
-                </a:solidFill>
-                <a:ea typeface="+mn-ea"/>
-                <a:cs typeface="+mn-cs"/>
-              </a:rPr>
-            </a:br>
-            <a:r>
-              <a:rPr lang="en-US" sz="2800" dirty="0" smtClean="0">
-                <a:solidFill>
-                  <a:prstClr val="black"/>
-                </a:solidFill>
-                <a:ea typeface="+mn-ea"/>
-                <a:cs typeface="+mn-cs"/>
-              </a:rPr>
-              <a:t>line-height,  word-spacing,  letter-spacing </a:t>
-            </a:r>
-            <a:r>
-              <a:rPr lang="en-US" sz="2000" dirty="0" smtClean="0">
-                <a:solidFill>
-                  <a:prstClr val="black"/>
-                </a:solidFill>
-                <a:ea typeface="+mn-ea"/>
-                <a:cs typeface="+mn-cs"/>
-              </a:rPr>
-              <a:t/>
-            </a:r>
-            <a:br>
-              <a:rPr lang="en-US" sz="2000" dirty="0" smtClean="0">
+              <a:rPr lang="en-US" sz="2000" dirty="0">
                 <a:solidFill>
                   <a:prstClr val="black"/>
                 </a:solidFill>
@@ -12284,50 +11765,50 @@
           <a:lstStyle/>
           <a:p>
             <a:r>
-              <a:rPr lang="en-IN" dirty="0" smtClean="0"/>
+              <a:rPr lang="en-IN" dirty="0"/>
               <a:t>The </a:t>
             </a:r>
             <a:r>
-              <a:rPr lang="en-IN" b="1" dirty="0" smtClean="0"/>
+              <a:rPr lang="en-IN" b="1" dirty="0"/>
               <a:t>line-height</a:t>
             </a:r>
             <a:r>
-              <a:rPr lang="en-IN" dirty="0" smtClean="0"/>
+              <a:rPr lang="en-IN" dirty="0"/>
               <a:t> CSS property sets the height of a line box. It's commonly used to set the distance between lines of text</a:t>
             </a:r>
           </a:p>
           <a:p>
             <a:r>
-              <a:rPr lang="en-IN" dirty="0" smtClean="0"/>
+              <a:rPr lang="en-IN" dirty="0"/>
               <a:t>specified as any one of the following:</a:t>
             </a:r>
           </a:p>
           <a:p>
             <a:r>
-              <a:rPr lang="en-IN" dirty="0" smtClean="0"/>
+              <a:rPr lang="en-IN" dirty="0"/>
               <a:t>a &lt;number&gt;</a:t>
             </a:r>
           </a:p>
           <a:p>
             <a:r>
-              <a:rPr lang="en-IN" dirty="0" smtClean="0"/>
+              <a:rPr lang="en-IN" dirty="0"/>
               <a:t>a &lt;length&gt;</a:t>
             </a:r>
           </a:p>
           <a:p>
             <a:r>
-              <a:rPr lang="en-IN" dirty="0" smtClean="0"/>
+              <a:rPr lang="en-IN" dirty="0"/>
               <a:t>a &lt;percentage&gt;</a:t>
             </a:r>
           </a:p>
           <a:p>
             <a:r>
-              <a:rPr lang="en-IN" dirty="0" smtClean="0"/>
+              <a:rPr lang="en-IN" dirty="0"/>
               <a:t>the keyword normal.</a:t>
             </a:r>
           </a:p>
           <a:p>
-            <a:endParaRPr lang="en-IN" dirty="0" smtClean="0"/>
+            <a:endParaRPr lang="en-IN" dirty="0"/>
           </a:p>
           <a:p>
             <a:endParaRPr lang="en-IN" dirty="0"/>
@@ -12365,13 +11846,6 @@
   <p:clrMapOvr>
     <a:masterClrMapping/>
   </p:clrMapOvr>
-  <p:timing>
-    <p:tnLst>
-      <p:par>
-        <p:cTn id="1" dur="indefinite" restart="never" nodeType="tmRoot"/>
-      </p:par>
-    </p:tnLst>
-  </p:timing>
 </p:sld>
 </file>
 
@@ -12498,7 +11972,7 @@
           <a:lstStyle/>
           <a:p>
             <a:r>
-              <a:rPr lang="en-IN" sz="3200" dirty="0" smtClean="0">
+              <a:rPr lang="en-IN" sz="3200" dirty="0">
                 <a:solidFill>
                   <a:srgbClr val="990055"/>
                 </a:solidFill>
@@ -12506,7 +11980,7 @@
               <a:t>line-height</a:t>
             </a:r>
             <a:r>
-              <a:rPr lang="en-IN" sz="3200" dirty="0" smtClean="0">
+              <a:rPr lang="en-IN" sz="3200" dirty="0">
                 <a:solidFill>
                   <a:srgbClr val="999999"/>
                 </a:solidFill>
@@ -12514,11 +11988,11 @@
               <a:t>:</a:t>
             </a:r>
             <a:r>
-              <a:rPr lang="en-IN" sz="3200" dirty="0" smtClean="0"/>
+              <a:rPr lang="en-IN" sz="3200" dirty="0"/>
               <a:t> normal</a:t>
             </a:r>
             <a:r>
-              <a:rPr lang="en-IN" sz="3200" dirty="0" smtClean="0">
+              <a:rPr lang="en-IN" sz="3200" dirty="0">
                 <a:solidFill>
                   <a:srgbClr val="999999"/>
                 </a:solidFill>
@@ -12526,13 +12000,13 @@
               <a:t>;</a:t>
             </a:r>
             <a:r>
-              <a:rPr lang="en-IN" sz="3200" dirty="0" smtClean="0"/>
+              <a:rPr lang="en-IN" sz="3200" dirty="0"/>
               <a:t> </a:t>
             </a:r>
           </a:p>
           <a:p>
             <a:r>
-              <a:rPr lang="en-IN" sz="3200" dirty="0" smtClean="0">
+              <a:rPr lang="en-IN" sz="3200" dirty="0">
                 <a:solidFill>
                   <a:srgbClr val="708090"/>
                 </a:solidFill>
@@ -12540,7 +12014,7 @@
               <a:t>/* </a:t>
             </a:r>
             <a:r>
-              <a:rPr lang="en-IN" sz="3200" dirty="0" err="1" smtClean="0">
+              <a:rPr lang="en-IN" sz="3200" dirty="0" err="1">
                 <a:solidFill>
                   <a:srgbClr val="708090"/>
                 </a:solidFill>
@@ -12548,7 +12022,7 @@
               <a:t>Unitless</a:t>
             </a:r>
             <a:r>
-              <a:rPr lang="en-IN" sz="3200" dirty="0" smtClean="0">
+              <a:rPr lang="en-IN" sz="3200" dirty="0">
                 <a:solidFill>
                   <a:srgbClr val="708090"/>
                 </a:solidFill>
@@ -12556,13 +12030,13 @@
               <a:t> values: use this number multiplied by the element's font size */</a:t>
             </a:r>
             <a:r>
-              <a:rPr lang="en-IN" sz="3200" dirty="0" smtClean="0"/>
+              <a:rPr lang="en-IN" sz="3200" dirty="0"/>
               <a:t> </a:t>
             </a:r>
           </a:p>
           <a:p>
             <a:r>
-              <a:rPr lang="en-IN" sz="3200" dirty="0" smtClean="0">
+              <a:rPr lang="en-IN" sz="3200" dirty="0">
                 <a:solidFill>
                   <a:srgbClr val="990055"/>
                 </a:solidFill>
@@ -12570,7 +12044,7 @@
               <a:t>line-height</a:t>
             </a:r>
             <a:r>
-              <a:rPr lang="en-IN" sz="3200" dirty="0" smtClean="0">
+              <a:rPr lang="en-IN" sz="3200" dirty="0">
                 <a:solidFill>
                   <a:srgbClr val="999999"/>
                 </a:solidFill>
@@ -12578,11 +12052,11 @@
               <a:t>:</a:t>
             </a:r>
             <a:r>
-              <a:rPr lang="en-IN" sz="3200" dirty="0" smtClean="0"/>
+              <a:rPr lang="en-IN" sz="3200" dirty="0"/>
               <a:t> </a:t>
             </a:r>
             <a:r>
-              <a:rPr lang="en-IN" sz="3200" dirty="0" smtClean="0">
+              <a:rPr lang="en-IN" sz="3200" dirty="0">
                 <a:solidFill>
                   <a:srgbClr val="990055"/>
                 </a:solidFill>
@@ -12590,7 +12064,7 @@
               <a:t>3.5</a:t>
             </a:r>
             <a:r>
-              <a:rPr lang="en-IN" sz="3200" dirty="0" smtClean="0">
+              <a:rPr lang="en-IN" sz="3200" dirty="0">
                 <a:solidFill>
                   <a:srgbClr val="999999"/>
                 </a:solidFill>
@@ -12598,21 +12072,21 @@
               <a:t>;</a:t>
             </a:r>
             <a:r>
-              <a:rPr lang="en-IN" sz="3200" dirty="0" smtClean="0"/>
+              <a:rPr lang="en-IN" sz="3200" dirty="0"/>
               <a:t> /* </a:t>
             </a:r>
             <a:r>
-              <a:rPr lang="en-IN" sz="3200" dirty="0" err="1" smtClean="0"/>
+              <a:rPr lang="en-IN" sz="3200" dirty="0" err="1"/>
               <a:t>unitless</a:t>
             </a:r>
             <a:r>
-              <a:rPr lang="en-IN" sz="3200" dirty="0" smtClean="0"/>
+              <a:rPr lang="en-IN" sz="3200" dirty="0"/>
               <a:t> value */</a:t>
             </a:r>
           </a:p>
           <a:p>
             <a:r>
-              <a:rPr lang="en-IN" sz="3200" dirty="0" smtClean="0">
+              <a:rPr lang="en-IN" sz="3200" dirty="0">
                 <a:solidFill>
                   <a:srgbClr val="708090"/>
                 </a:solidFill>
@@ -12622,11 +12096,11 @@
           </a:p>
           <a:p>
             <a:r>
-              <a:rPr lang="en-IN" sz="3200" dirty="0" smtClean="0"/>
+              <a:rPr lang="en-IN" sz="3200" dirty="0"/>
               <a:t> </a:t>
             </a:r>
             <a:r>
-              <a:rPr lang="en-IN" sz="3200" dirty="0" smtClean="0">
+              <a:rPr lang="en-IN" sz="3200" dirty="0">
                 <a:solidFill>
                   <a:srgbClr val="990055"/>
                 </a:solidFill>
@@ -12634,7 +12108,7 @@
               <a:t>line-height</a:t>
             </a:r>
             <a:r>
-              <a:rPr lang="en-IN" sz="3200" dirty="0" smtClean="0">
+              <a:rPr lang="en-IN" sz="3200" dirty="0">
                 <a:solidFill>
                   <a:srgbClr val="999999"/>
                 </a:solidFill>
@@ -12642,11 +12116,11 @@
               <a:t>:</a:t>
             </a:r>
             <a:r>
-              <a:rPr lang="en-IN" sz="3200" dirty="0" smtClean="0"/>
+              <a:rPr lang="en-IN" sz="3200" dirty="0"/>
               <a:t> </a:t>
             </a:r>
             <a:r>
-              <a:rPr lang="en-IN" sz="3200" dirty="0" smtClean="0">
+              <a:rPr lang="en-IN" sz="3200" dirty="0">
                 <a:solidFill>
                   <a:srgbClr val="990055"/>
                 </a:solidFill>
@@ -12654,11 +12128,11 @@
               <a:t>3</a:t>
             </a:r>
             <a:r>
-              <a:rPr lang="en-IN" sz="3200" dirty="0" smtClean="0"/>
+              <a:rPr lang="en-IN" sz="3200" dirty="0"/>
               <a:t>m</a:t>
             </a:r>
             <a:r>
-              <a:rPr lang="en-IN" sz="3200" dirty="0" smtClean="0">
+              <a:rPr lang="en-IN" sz="3200" dirty="0">
                 <a:solidFill>
                   <a:srgbClr val="999999"/>
                 </a:solidFill>
@@ -12666,13 +12140,13 @@
               <a:t>;</a:t>
             </a:r>
             <a:r>
-              <a:rPr lang="en-IN" sz="3200" dirty="0" smtClean="0"/>
+              <a:rPr lang="en-IN" sz="3200" dirty="0"/>
               <a:t> </a:t>
             </a:r>
           </a:p>
           <a:p>
             <a:r>
-              <a:rPr lang="en-IN" sz="3200" dirty="0" smtClean="0">
+              <a:rPr lang="en-IN" sz="3200" dirty="0">
                 <a:solidFill>
                   <a:srgbClr val="708090"/>
                 </a:solidFill>
@@ -12682,11 +12156,11 @@
           </a:p>
           <a:p>
             <a:r>
-              <a:rPr lang="en-IN" sz="3200" dirty="0" smtClean="0"/>
+              <a:rPr lang="en-IN" sz="3200" dirty="0"/>
               <a:t> </a:t>
             </a:r>
             <a:r>
-              <a:rPr lang="en-IN" sz="3200" dirty="0" smtClean="0">
+              <a:rPr lang="en-IN" sz="3200" dirty="0">
                 <a:solidFill>
                   <a:srgbClr val="990055"/>
                 </a:solidFill>
@@ -12694,7 +12168,7 @@
               <a:t>line-height</a:t>
             </a:r>
             <a:r>
-              <a:rPr lang="en-IN" sz="3200" dirty="0" smtClean="0">
+              <a:rPr lang="en-IN" sz="3200" dirty="0">
                 <a:solidFill>
                   <a:srgbClr val="999999"/>
                 </a:solidFill>
@@ -12702,11 +12176,11 @@
               <a:t>:</a:t>
             </a:r>
             <a:r>
-              <a:rPr lang="en-IN" sz="3200" dirty="0" smtClean="0"/>
+              <a:rPr lang="en-IN" sz="3200" dirty="0"/>
               <a:t> </a:t>
             </a:r>
             <a:r>
-              <a:rPr lang="en-IN" sz="3200" dirty="0" smtClean="0">
+              <a:rPr lang="en-IN" sz="3200" dirty="0">
                 <a:solidFill>
                   <a:srgbClr val="990055"/>
                 </a:solidFill>
@@ -12714,11 +12188,11 @@
               <a:t>34</a:t>
             </a:r>
             <a:r>
-              <a:rPr lang="en-IN" sz="3200" dirty="0" smtClean="0"/>
+              <a:rPr lang="en-IN" sz="3200" dirty="0"/>
               <a:t>%</a:t>
             </a:r>
             <a:r>
-              <a:rPr lang="en-IN" sz="3200" dirty="0" smtClean="0">
+              <a:rPr lang="en-IN" sz="3200" dirty="0">
                 <a:solidFill>
                   <a:srgbClr val="999999"/>
                 </a:solidFill>
@@ -12726,13 +12200,13 @@
               <a:t>;</a:t>
             </a:r>
             <a:r>
-              <a:rPr lang="en-IN" sz="3200" dirty="0" smtClean="0"/>
+              <a:rPr lang="en-IN" sz="3200" dirty="0"/>
               <a:t> </a:t>
             </a:r>
           </a:p>
           <a:p>
             <a:r>
-              <a:rPr lang="en-IN" sz="3200" dirty="0" smtClean="0">
+              <a:rPr lang="en-IN" sz="3200" dirty="0">
                 <a:solidFill>
                   <a:srgbClr val="708090"/>
                 </a:solidFill>
@@ -12742,11 +12216,11 @@
           </a:p>
           <a:p>
             <a:r>
-              <a:rPr lang="en-IN" sz="3200" dirty="0" smtClean="0"/>
+              <a:rPr lang="en-IN" sz="3200" dirty="0"/>
               <a:t> </a:t>
             </a:r>
             <a:r>
-              <a:rPr lang="en-IN" sz="3200" dirty="0" smtClean="0">
+              <a:rPr lang="en-IN" sz="3200" dirty="0">
                 <a:solidFill>
                   <a:srgbClr val="990055"/>
                 </a:solidFill>
@@ -12754,7 +12228,7 @@
               <a:t>line-height</a:t>
             </a:r>
             <a:r>
-              <a:rPr lang="en-IN" sz="3200" dirty="0" smtClean="0">
+              <a:rPr lang="en-IN" sz="3200" dirty="0">
                 <a:solidFill>
                   <a:srgbClr val="999999"/>
                 </a:solidFill>
@@ -12762,11 +12236,11 @@
               <a:t>:</a:t>
             </a:r>
             <a:r>
-              <a:rPr lang="en-IN" sz="3200" dirty="0" smtClean="0"/>
+              <a:rPr lang="en-IN" sz="3200" dirty="0"/>
               <a:t> inherit</a:t>
             </a:r>
             <a:r>
-              <a:rPr lang="en-IN" sz="3200" dirty="0" smtClean="0">
+              <a:rPr lang="en-IN" sz="3200" dirty="0">
                 <a:solidFill>
                   <a:srgbClr val="999999"/>
                 </a:solidFill>
@@ -12774,11 +12248,11 @@
               <a:t>;</a:t>
             </a:r>
             <a:r>
-              <a:rPr lang="en-IN" sz="3200" dirty="0" smtClean="0"/>
+              <a:rPr lang="en-IN" sz="3200" dirty="0"/>
               <a:t> </a:t>
             </a:r>
             <a:r>
-              <a:rPr lang="en-IN" sz="3200" dirty="0" smtClean="0">
+              <a:rPr lang="en-IN" sz="3200" dirty="0">
                 <a:solidFill>
                   <a:srgbClr val="990055"/>
                 </a:solidFill>
@@ -12786,7 +12260,7 @@
               <a:t>line-height</a:t>
             </a:r>
             <a:r>
-              <a:rPr lang="en-IN" sz="3200" dirty="0" smtClean="0">
+              <a:rPr lang="en-IN" sz="3200" dirty="0">
                 <a:solidFill>
                   <a:srgbClr val="999999"/>
                 </a:solidFill>
@@ -12794,18 +12268,18 @@
               <a:t>:</a:t>
             </a:r>
             <a:r>
-              <a:rPr lang="en-IN" sz="3200" dirty="0" smtClean="0"/>
+              <a:rPr lang="en-IN" sz="3200" dirty="0"/>
               <a:t> initial</a:t>
             </a:r>
             <a:r>
-              <a:rPr lang="en-IN" sz="3200" dirty="0" smtClean="0">
+              <a:rPr lang="en-IN" sz="3200" dirty="0">
                 <a:solidFill>
                   <a:srgbClr val="999999"/>
                 </a:solidFill>
               </a:rPr>
               <a:t>;</a:t>
             </a:r>
-            <a:endParaRPr lang="en-IN" sz="3200" dirty="0" smtClean="0"/>
+            <a:endParaRPr lang="en-IN" sz="3200" dirty="0"/>
           </a:p>
           <a:p>
             <a:pPr marL="0" marR="0" lvl="0" indent="0" algn="l" defTabSz="914400" rtl="0" eaLnBrk="1" fontAlgn="base" latinLnBrk="0" hangingPunct="1">
@@ -12824,7 +12298,7 @@
               <a:buNone/>
               <a:tabLst/>
             </a:pPr>
-            <a:endParaRPr kumimoji="0" lang="en-US" sz="1800" b="0" i="0" u="none" strike="noStrike" cap="none" normalizeH="0" baseline="0" dirty="0" smtClean="0">
+            <a:endParaRPr kumimoji="0" lang="en-US" sz="1800" b="0" i="0" u="none" strike="noStrike" cap="none" normalizeH="0" baseline="0" dirty="0">
               <a:ln>
                 <a:noFill/>
               </a:ln>
@@ -12843,13 +12317,6 @@
   <p:clrMapOvr>
     <a:masterClrMapping/>
   </p:clrMapOvr>
-  <p:timing>
-    <p:tnLst>
-      <p:par>
-        <p:cTn id="1" dur="indefinite" restart="never" nodeType="tmRoot"/>
-      </p:par>
-    </p:tnLst>
-  </p:timing>
 </p:sld>
 </file>
 
@@ -12886,10 +12353,9 @@
           <a:lstStyle/>
           <a:p>
             <a:r>
-              <a:rPr lang="en-US" dirty="0" smtClean="0"/>
+              <a:rPr lang="en-US" dirty="0"/>
               <a:t>Cascading Style Sheets (CSS)</a:t>
             </a:r>
-            <a:endParaRPr lang="en-US" dirty="0"/>
           </a:p>
         </p:txBody>
       </p:sp>
@@ -12910,21 +12376,13 @@
           <a:p>
             <a:r>
               <a:rPr lang="en-US" dirty="0"/>
-              <a:t>D</a:t>
-            </a:r>
-            <a:r>
-              <a:rPr lang="en-US" dirty="0" smtClean="0"/>
-              <a:t>escribes the appearance</a:t>
-            </a:r>
+              <a:t>Describes the appearance, layout, and presentation of information on a web page</a:t>
+            </a:r>
+          </a:p>
+          <a:p>
+            <a:pPr lvl="1"/>
             <a:r>
               <a:rPr lang="en-US" dirty="0"/>
-              <a:t>, layout, and presentation of information on a web page</a:t>
-            </a:r>
-          </a:p>
-          <a:p>
-            <a:pPr lvl="1"/>
-            <a:r>
-              <a:rPr lang="en-US" dirty="0" smtClean="0"/>
               <a:t>HTML describes </a:t>
             </a:r>
             <a:r>
@@ -12933,17 +12391,12 @@
             </a:r>
             <a:r>
               <a:rPr lang="en-US" dirty="0"/>
-              <a:t>of the </a:t>
-            </a:r>
-            <a:r>
-              <a:rPr lang="en-US" dirty="0" smtClean="0"/>
-              <a:t>page</a:t>
-            </a:r>
-            <a:endParaRPr lang="en-US" dirty="0"/>
-          </a:p>
-          <a:p>
-            <a:r>
-              <a:rPr lang="en-US" dirty="0" smtClean="0"/>
+              <a:t>of the page</a:t>
+            </a:r>
+          </a:p>
+          <a:p>
+            <a:r>
+              <a:rPr lang="en-US" dirty="0"/>
               <a:t>Describes </a:t>
             </a:r>
             <a:r>
@@ -12966,15 +12419,7 @@
           <a:p>
             <a:r>
               <a:rPr lang="en-US" dirty="0"/>
-              <a:t>C</a:t>
-            </a:r>
-            <a:r>
-              <a:rPr lang="en-US" dirty="0" smtClean="0"/>
-              <a:t>an </a:t>
-            </a:r>
-            <a:r>
-              <a:rPr lang="en-US" dirty="0"/>
-              <a:t>be embedded in HTML document or placed into separate .</a:t>
+              <a:t>Can be embedded in HTML document or placed into separate .</a:t>
             </a:r>
             <a:r>
               <a:rPr lang="en-US" dirty="0" err="1"/>
@@ -13019,20 +12464,13 @@
     </p:spTree>
     <p:extLst>
       <p:ext uri="{BB962C8B-B14F-4D97-AF65-F5344CB8AC3E}">
-        <p14:creationId xmlns="" xmlns:p14="http://schemas.microsoft.com/office/powerpoint/2010/main" val="2319631576"/>
+        <p14:creationId xmlns:p14="http://schemas.microsoft.com/office/powerpoint/2010/main" val="2319631576"/>
       </p:ext>
     </p:extLst>
   </p:cSld>
   <p:clrMapOvr>
     <a:masterClrMapping/>
   </p:clrMapOvr>
-  <p:timing>
-    <p:tnLst>
-      <p:par>
-        <p:cTn id="1" dur="indefinite" restart="never" nodeType="tmRoot"/>
-      </p:par>
-    </p:tnLst>
-  </p:timing>
 </p:sld>
 </file>
 
@@ -13134,35 +12572,35 @@
           <a:lstStyle/>
           <a:p>
             <a:r>
-              <a:rPr lang="en-US" dirty="0" err="1" smtClean="0">
+              <a:rPr lang="en-US" dirty="0" err="1">
                 <a:latin typeface="Courier New" pitchFamily="49" charset="0"/>
                 <a:cs typeface="Courier New" pitchFamily="49" charset="0"/>
               </a:rPr>
               <a:t>ol</a:t>
             </a:r>
             <a:r>
-              <a:rPr lang="en-US" dirty="0" smtClean="0">
+              <a:rPr lang="en-US" dirty="0">
                 <a:latin typeface="Courier New" pitchFamily="49" charset="0"/>
                 <a:cs typeface="Courier New" pitchFamily="49" charset="0"/>
               </a:rPr>
               <a:t> { </a:t>
             </a:r>
             <a:r>
-              <a:rPr lang="en-US" b="1" dirty="0" smtClean="0">
+              <a:rPr lang="en-US" b="1" dirty="0">
                 <a:latin typeface="Courier New" pitchFamily="49" charset="0"/>
                 <a:cs typeface="Courier New" pitchFamily="49" charset="0"/>
               </a:rPr>
               <a:t>list-style-type: lower-roman; </a:t>
             </a:r>
             <a:r>
-              <a:rPr lang="en-US" dirty="0" smtClean="0">
+              <a:rPr lang="en-US" dirty="0">
                 <a:latin typeface="Courier New" pitchFamily="49" charset="0"/>
                 <a:cs typeface="Courier New" pitchFamily="49" charset="0"/>
               </a:rPr>
               <a:t>}		                                          								  </a:t>
             </a:r>
             <a:r>
-              <a:rPr lang="en-US" i="1" dirty="0" smtClean="0">
+              <a:rPr lang="en-US" i="1" dirty="0">
                 <a:solidFill>
                   <a:schemeClr val="tx1">
                     <a:lumMod val="50000"/>
@@ -13207,16 +12645,12 @@
               <a:buNone/>
             </a:pPr>
             <a:r>
-              <a:rPr lang="en-US" sz="2400" dirty="0" smtClean="0"/>
+              <a:rPr lang="en-US" sz="2400" dirty="0"/>
               <a:t>	</a:t>
             </a:r>
             <a:r>
-              <a:rPr lang="en-US" sz="2000" dirty="0" smtClean="0"/>
-              <a:t>i</a:t>
-            </a:r>
-            <a:r>
               <a:rPr lang="en-US" sz="2000" dirty="0"/>
-              <a:t>. </a:t>
+              <a:t>i. </a:t>
             </a:r>
             <a:r>
               <a:rPr lang="en-US" sz="2000" dirty="0">
@@ -13235,12 +12669,8 @@
               <a:buNone/>
             </a:pPr>
             <a:r>
-              <a:rPr lang="it-IT" sz="2000" dirty="0" smtClean="0"/>
-              <a:t>	ii</a:t>
-            </a:r>
-            <a:r>
               <a:rPr lang="it-IT" sz="2000" dirty="0"/>
-              <a:t>. </a:t>
+              <a:t>	ii. </a:t>
             </a:r>
             <a:r>
               <a:rPr lang="it-IT" sz="2000" dirty="0">
@@ -13266,15 +12696,11 @@
               <a:buNone/>
             </a:pPr>
             <a:r>
-              <a:rPr lang="en-US" sz="2000" dirty="0" smtClean="0"/>
-              <a:t>	iii</a:t>
-            </a:r>
-            <a:r>
               <a:rPr lang="en-US" sz="2000" dirty="0"/>
-              <a:t>. </a:t>
-            </a:r>
-            <a:r>
-              <a:rPr lang="en-US" sz="1800" dirty="0" smtClean="0">
+              <a:t>	iii. </a:t>
+            </a:r>
+            <a:r>
+              <a:rPr lang="en-US" sz="1800" dirty="0">
                 <a:latin typeface="Courier New" pitchFamily="49" charset="0"/>
                 <a:cs typeface="Courier New" pitchFamily="49" charset="0"/>
               </a:rPr>
@@ -13282,15 +12708,7 @@
             </a:r>
             <a:r>
               <a:rPr lang="en-US" sz="2000" dirty="0"/>
-              <a:t>:</a:t>
-            </a:r>
-            <a:r>
-              <a:rPr lang="en-US" sz="2000" dirty="0" smtClean="0"/>
-              <a:t> </a:t>
-            </a:r>
-            <a:r>
-              <a:rPr lang="en-US" sz="2000" dirty="0"/>
-              <a:t>1, 2, 3, etc.</a:t>
+              <a:t>: 1, 2, 3, etc.</a:t>
             </a:r>
           </a:p>
           <a:p>
@@ -13298,27 +12716,19 @@
               <a:buNone/>
             </a:pPr>
             <a:r>
-              <a:rPr lang="en-US" sz="2000" dirty="0" smtClean="0"/>
-              <a:t>	iv</a:t>
-            </a:r>
-            <a:r>
               <a:rPr lang="en-US" sz="2000" dirty="0"/>
-              <a:t>. </a:t>
-            </a:r>
-            <a:r>
-              <a:rPr lang="en-US" sz="1800" dirty="0" smtClean="0">
+              <a:t>	iv. </a:t>
+            </a:r>
+            <a:r>
+              <a:rPr lang="en-US" sz="1800" dirty="0">
                 <a:latin typeface="Courier New" pitchFamily="49" charset="0"/>
                 <a:cs typeface="Courier New" pitchFamily="49" charset="0"/>
               </a:rPr>
               <a:t>decimal-leading-zero</a:t>
             </a:r>
             <a:r>
-              <a:rPr lang="en-US" sz="2000" dirty="0" smtClean="0"/>
-              <a:t>: </a:t>
-            </a:r>
-            <a:r>
               <a:rPr lang="en-US" sz="2000" dirty="0"/>
-              <a:t>01, 02, 03, etc.</a:t>
+              <a:t>: 01, 02, 03, etc.</a:t>
             </a:r>
           </a:p>
           <a:p>
@@ -13326,27 +12736,19 @@
               <a:buNone/>
             </a:pPr>
             <a:r>
-              <a:rPr lang="en-US" sz="2000" dirty="0" smtClean="0"/>
-              <a:t>	v</a:t>
-            </a:r>
-            <a:r>
               <a:rPr lang="en-US" sz="2000" dirty="0"/>
-              <a:t>. </a:t>
-            </a:r>
-            <a:r>
-              <a:rPr lang="en-US" sz="1800" dirty="0" smtClean="0">
+              <a:t>	v. </a:t>
+            </a:r>
+            <a:r>
+              <a:rPr lang="en-US" sz="1800" dirty="0">
                 <a:latin typeface="Courier New" pitchFamily="49" charset="0"/>
                 <a:cs typeface="Courier New" pitchFamily="49" charset="0"/>
               </a:rPr>
               <a:t>lower-roman</a:t>
             </a:r>
             <a:r>
-              <a:rPr lang="en-US" sz="2000" dirty="0" smtClean="0"/>
-              <a:t>: </a:t>
-            </a:r>
-            <a:r>
               <a:rPr lang="en-US" sz="2000" dirty="0"/>
-              <a:t>i, ii, iii, iv, v, etc.</a:t>
+              <a:t>: i, ii, iii, iv, v, etc.</a:t>
             </a:r>
           </a:p>
           <a:p>
@@ -13354,27 +12756,19 @@
               <a:buNone/>
             </a:pPr>
             <a:r>
-              <a:rPr lang="en-US" sz="2000" dirty="0" smtClean="0"/>
-              <a:t>	vi</a:t>
-            </a:r>
-            <a:r>
               <a:rPr lang="en-US" sz="2000" dirty="0"/>
-              <a:t>. </a:t>
-            </a:r>
-            <a:r>
-              <a:rPr lang="en-US" sz="1800" dirty="0" smtClean="0">
+              <a:t>	vi. </a:t>
+            </a:r>
+            <a:r>
+              <a:rPr lang="en-US" sz="1800" dirty="0">
                 <a:latin typeface="Courier New" pitchFamily="49" charset="0"/>
                 <a:cs typeface="Courier New" pitchFamily="49" charset="0"/>
               </a:rPr>
               <a:t>upper-roman</a:t>
             </a:r>
             <a:r>
-              <a:rPr lang="en-US" sz="2000" dirty="0" smtClean="0"/>
-              <a:t>: </a:t>
-            </a:r>
-            <a:r>
               <a:rPr lang="en-US" sz="2000" dirty="0"/>
-              <a:t>I, II, III, IV, V, etc.</a:t>
+              <a:t>: I, II, III, IV, V, etc.</a:t>
             </a:r>
           </a:p>
           <a:p>
@@ -13382,27 +12776,19 @@
               <a:buNone/>
             </a:pPr>
             <a:r>
-              <a:rPr lang="pt-BR" sz="2000" dirty="0" smtClean="0"/>
-              <a:t>	vii</a:t>
-            </a:r>
-            <a:r>
               <a:rPr lang="pt-BR" sz="2000" dirty="0"/>
-              <a:t>. </a:t>
-            </a:r>
-            <a:r>
-              <a:rPr lang="pt-BR" sz="1800" dirty="0" smtClean="0">
+              <a:t>	vii. </a:t>
+            </a:r>
+            <a:r>
+              <a:rPr lang="pt-BR" sz="1800" dirty="0">
                 <a:latin typeface="Courier New" pitchFamily="49" charset="0"/>
                 <a:cs typeface="Courier New" pitchFamily="49" charset="0"/>
               </a:rPr>
               <a:t>lower-alpha</a:t>
             </a:r>
             <a:r>
-              <a:rPr lang="pt-BR" sz="2000" dirty="0" smtClean="0"/>
-              <a:t>: </a:t>
-            </a:r>
-            <a:r>
               <a:rPr lang="pt-BR" sz="2000" dirty="0"/>
-              <a:t>a, b, c, d, e, etc.</a:t>
+              <a:t>: a, b, c, d, e, etc.</a:t>
             </a:r>
           </a:p>
           <a:p>
@@ -13410,27 +12796,19 @@
               <a:buNone/>
             </a:pPr>
             <a:r>
-              <a:rPr lang="pt-BR" sz="2000" dirty="0" smtClean="0"/>
-              <a:t>	viii</a:t>
-            </a:r>
-            <a:r>
               <a:rPr lang="pt-BR" sz="2000" dirty="0"/>
-              <a:t>. </a:t>
-            </a:r>
-            <a:r>
-              <a:rPr lang="pt-BR" sz="1800" dirty="0" smtClean="0">
+              <a:t>	viii. </a:t>
+            </a:r>
+            <a:r>
+              <a:rPr lang="pt-BR" sz="1800" dirty="0">
                 <a:latin typeface="Courier New" pitchFamily="49" charset="0"/>
                 <a:cs typeface="Courier New" pitchFamily="49" charset="0"/>
               </a:rPr>
               <a:t>upper-alpha</a:t>
             </a:r>
             <a:r>
-              <a:rPr lang="pt-BR" sz="2000" dirty="0" smtClean="0"/>
-              <a:t>: </a:t>
-            </a:r>
-            <a:r>
               <a:rPr lang="pt-BR" sz="2000" dirty="0"/>
-              <a:t>A, B, C, D, E, etc.</a:t>
+              <a:t>: A, B, C, D, E, etc.</a:t>
             </a:r>
           </a:p>
           <a:p>
@@ -13439,30 +12817,18 @@
             </a:pPr>
             <a:r>
               <a:rPr lang="sv-SE" sz="2000" dirty="0"/>
-              <a:t>	</a:t>
-            </a:r>
-            <a:r>
-              <a:rPr lang="sv-SE" sz="2000" dirty="0" smtClean="0"/>
-              <a:t>x</a:t>
+              <a:t>	x. </a:t>
+            </a:r>
+            <a:r>
+              <a:rPr lang="sv-SE" sz="1800" dirty="0">
+                <a:latin typeface="Courier New" pitchFamily="49" charset="0"/>
+                <a:cs typeface="Courier New" pitchFamily="49" charset="0"/>
+              </a:rPr>
+              <a:t>lower-greek</a:t>
             </a:r>
             <a:r>
               <a:rPr lang="sv-SE" sz="2000" dirty="0"/>
-              <a:t>. </a:t>
-            </a:r>
-            <a:r>
-              <a:rPr lang="sv-SE" sz="1800" dirty="0" smtClean="0">
-                <a:latin typeface="Courier New" pitchFamily="49" charset="0"/>
-                <a:cs typeface="Courier New" pitchFamily="49" charset="0"/>
-              </a:rPr>
-              <a:t>lower-greek</a:t>
-            </a:r>
-            <a:r>
-              <a:rPr lang="sv-SE" sz="2000" dirty="0" smtClean="0"/>
-              <a:t>: </a:t>
-            </a:r>
-            <a:r>
-              <a:rPr lang="sv-SE" sz="2000" dirty="0"/>
-              <a:t>alpha, beta, gamma, etc.</a:t>
+              <a:t>: alpha, beta, gamma, etc.</a:t>
             </a:r>
           </a:p>
           <a:p>
@@ -13470,12 +12836,8 @@
               <a:buNone/>
             </a:pPr>
             <a:r>
-              <a:rPr lang="en-US" sz="2000" dirty="0" smtClean="0"/>
-              <a:t>	others</a:t>
-            </a:r>
-            <a:r>
               <a:rPr lang="en-US" sz="2000" dirty="0"/>
-              <a:t>: </a:t>
+              <a:t>	others: </a:t>
             </a:r>
             <a:r>
               <a:rPr lang="en-US" sz="2000" dirty="0" err="1"/>
@@ -13507,13 +12869,8 @@
             </a:r>
             <a:r>
               <a:rPr lang="en-US" sz="2000" dirty="0"/>
-              <a:t>-ideographic, </a:t>
-            </a:r>
-            <a:r>
-              <a:rPr lang="en-US" sz="2000" dirty="0" smtClean="0"/>
-              <a:t>hiragana…</a:t>
-            </a:r>
-            <a:endParaRPr lang="en-US" sz="2000" dirty="0"/>
+              <a:t>-ideographic, hiragana…</a:t>
+            </a:r>
           </a:p>
         </p:txBody>
       </p:sp>
@@ -13533,30 +12890,22 @@
           <a:lstStyle/>
           <a:p>
             <a:r>
-              <a:rPr lang="en-US" dirty="0" smtClean="0"/>
+              <a:rPr lang="en-US" dirty="0"/>
               <a:t>""</a:t>
             </a:r>
-            <a:endParaRPr lang="en-US" dirty="0"/>
           </a:p>
         </p:txBody>
       </p:sp>
     </p:spTree>
     <p:extLst>
       <p:ext uri="{BB962C8B-B14F-4D97-AF65-F5344CB8AC3E}">
-        <p14:creationId xmlns="" xmlns:p14="http://schemas.microsoft.com/office/powerpoint/2010/main" val="1939378750"/>
+        <p14:creationId xmlns:p14="http://schemas.microsoft.com/office/powerpoint/2010/main" val="1939378750"/>
       </p:ext>
     </p:extLst>
   </p:cSld>
   <p:clrMapOvr>
     <a:masterClrMapping/>
   </p:clrMapOvr>
-  <p:timing>
-    <p:tnLst>
-      <p:par>
-        <p:cTn id="1" dur="indefinite" restart="never" nodeType="tmRoot"/>
-      </p:par>
-    </p:tnLst>
-  </p:timing>
 </p:sld>
 </file>
 
@@ -13593,10 +12942,9 @@
           <a:lstStyle/>
           <a:p>
             <a:r>
-              <a:rPr lang="en-US" dirty="0" smtClean="0"/>
+              <a:rPr lang="en-US" dirty="0"/>
               <a:t>Body styles</a:t>
             </a:r>
-            <a:endParaRPr lang="en-US" dirty="0"/>
           </a:p>
         </p:txBody>
       </p:sp>
@@ -13681,17 +13029,10 @@
                 <a:latin typeface="Courier New" pitchFamily="49" charset="0"/>
                 <a:cs typeface="Courier New" pitchFamily="49" charset="0"/>
               </a:rPr>
-              <a:t>}</a:t>
-            </a:r>
-            <a:r>
-              <a:rPr lang="en-US" dirty="0" smtClean="0">
-                <a:latin typeface="Courier New" pitchFamily="49" charset="0"/>
-                <a:cs typeface="Courier New" pitchFamily="49" charset="0"/>
-              </a:rPr>
-              <a:t>		                                          								  </a:t>
-            </a:r>
-            <a:r>
-              <a:rPr lang="en-US" i="1" dirty="0" smtClean="0">
+              <a:t>}		                                          								  </a:t>
+            </a:r>
+            <a:r>
+              <a:rPr lang="en-US" i="1" dirty="0">
                 <a:solidFill>
                   <a:schemeClr val="tx1">
                     <a:lumMod val="50000"/>
@@ -13727,31 +13068,14 @@
           <a:lstStyle/>
           <a:p>
             <a:r>
-              <a:rPr lang="en-US" sz="2400" dirty="0" smtClean="0"/>
-              <a:t>Applies </a:t>
-            </a:r>
-            <a:r>
               <a:rPr lang="en-US" sz="2400" dirty="0"/>
-              <a:t>a style to the entire body of your </a:t>
-            </a:r>
-            <a:r>
-              <a:rPr lang="en-US" sz="2400" dirty="0" smtClean="0"/>
-              <a:t>page</a:t>
-            </a:r>
-            <a:endParaRPr lang="en-US" sz="2400" dirty="0"/>
+              <a:t>Applies a style to the entire body of your page</a:t>
+            </a:r>
           </a:p>
           <a:p>
             <a:r>
               <a:rPr lang="en-US" sz="2400" dirty="0"/>
-              <a:t>S</a:t>
-            </a:r>
-            <a:r>
-              <a:rPr lang="en-US" sz="2400" dirty="0" smtClean="0"/>
-              <a:t>aves </a:t>
-            </a:r>
-            <a:r>
-              <a:rPr lang="en-US" sz="2400" dirty="0"/>
-              <a:t>you from manually applying a style to each element</a:t>
+              <a:t>Saves you from manually applying a style to each element</a:t>
             </a:r>
             <a:endParaRPr lang="en-US" sz="2000" dirty="0"/>
           </a:p>
@@ -13773,30 +13097,22 @@
           <a:lstStyle/>
           <a:p>
             <a:r>
-              <a:rPr lang="en-US" dirty="0" smtClean="0"/>
+              <a:rPr lang="en-US" dirty="0"/>
               <a:t>""</a:t>
             </a:r>
-            <a:endParaRPr lang="en-US" dirty="0"/>
           </a:p>
         </p:txBody>
       </p:sp>
     </p:spTree>
     <p:extLst>
       <p:ext uri="{BB962C8B-B14F-4D97-AF65-F5344CB8AC3E}">
-        <p14:creationId xmlns="" xmlns:p14="http://schemas.microsoft.com/office/powerpoint/2010/main" val="216009166"/>
+        <p14:creationId xmlns:p14="http://schemas.microsoft.com/office/powerpoint/2010/main" val="216009166"/>
       </p:ext>
     </p:extLst>
   </p:cSld>
   <p:clrMapOvr>
     <a:masterClrMapping/>
   </p:clrMapOvr>
-  <p:timing>
-    <p:tnLst>
-      <p:par>
-        <p:cTn id="1" dur="indefinite" restart="never" nodeType="tmRoot"/>
-      </p:par>
-    </p:tnLst>
-  </p:timing>
 </p:sld>
 </file>
 
@@ -13833,14 +13149,13 @@
           <a:lstStyle/>
           <a:p>
             <a:r>
-              <a:rPr lang="en-US" i="1" dirty="0" smtClean="0"/>
+              <a:rPr lang="en-US" i="1" dirty="0"/>
               <a:t>Cascading</a:t>
             </a:r>
             <a:r>
-              <a:rPr lang="en-US" dirty="0" smtClean="0"/>
+              <a:rPr lang="en-US" dirty="0"/>
               <a:t> Style Sheets</a:t>
             </a:r>
-            <a:endParaRPr lang="en-US" dirty="0"/>
           </a:p>
         </p:txBody>
       </p:sp>
@@ -13861,15 +13176,7 @@
           <a:p>
             <a:r>
               <a:rPr lang="en-US" dirty="0"/>
-              <a:t>P</a:t>
-            </a:r>
-            <a:r>
-              <a:rPr lang="en-US" dirty="0" smtClean="0"/>
-              <a:t>roperties </a:t>
-            </a:r>
-            <a:r>
-              <a:rPr lang="en-US" dirty="0"/>
-              <a:t>of an element </a:t>
+              <a:t>Properties of an element </a:t>
             </a:r>
             <a:r>
               <a:rPr lang="en-US" i="1" dirty="0"/>
@@ -13877,22 +13184,14 @@
             </a:r>
             <a:r>
               <a:rPr lang="en-US" dirty="0"/>
-              <a:t> together in </a:t>
-            </a:r>
-            <a:r>
-              <a:rPr lang="en-US" dirty="0" smtClean="0"/>
-              <a:t>this order:</a:t>
+              <a:t> together in this order:</a:t>
             </a:r>
           </a:p>
           <a:p>
             <a:pPr lvl="1"/>
             <a:r>
-              <a:rPr lang="en-US" dirty="0" smtClean="0"/>
-              <a:t>browser's </a:t>
-            </a:r>
-            <a:r>
               <a:rPr lang="en-US" dirty="0"/>
-              <a:t>default styles</a:t>
+              <a:t>browser's default styles</a:t>
             </a:r>
           </a:p>
           <a:p>
@@ -13913,13 +13212,8 @@
             <a:pPr lvl="1"/>
             <a:r>
               <a:rPr lang="en-US" dirty="0"/>
-              <a:t>inline style (the style attribute of the HTML </a:t>
-            </a:r>
-            <a:r>
-              <a:rPr lang="en-US" dirty="0" smtClean="0"/>
-              <a:t>element)</a:t>
-            </a:r>
-            <a:endParaRPr lang="en-US" dirty="0"/>
+              <a:t>inline style (the style attribute of the HTML element)</a:t>
+            </a:r>
           </a:p>
         </p:txBody>
       </p:sp>
@@ -13939,10 +13233,9 @@
           <a:lstStyle/>
           <a:p>
             <a:r>
-              <a:rPr lang="en-US" dirty="0" smtClean="0"/>
+              <a:rPr lang="en-US" dirty="0"/>
               <a:t>""</a:t>
             </a:r>
-            <a:endParaRPr lang="en-US" dirty="0"/>
           </a:p>
         </p:txBody>
       </p:sp>
@@ -13975,20 +13268,13 @@
     </p:spTree>
     <p:extLst>
       <p:ext uri="{BB962C8B-B14F-4D97-AF65-F5344CB8AC3E}">
-        <p14:creationId xmlns="" xmlns:p14="http://schemas.microsoft.com/office/powerpoint/2010/main" val="4230538807"/>
+        <p14:creationId xmlns:p14="http://schemas.microsoft.com/office/powerpoint/2010/main" val="4230538807"/>
       </p:ext>
     </p:extLst>
   </p:cSld>
   <p:clrMapOvr>
     <a:masterClrMapping/>
   </p:clrMapOvr>
-  <p:timing>
-    <p:tnLst>
-      <p:par>
-        <p:cTn id="1" dur="indefinite" restart="never" nodeType="tmRoot"/>
-      </p:par>
-    </p:tnLst>
-  </p:timing>
 </p:sld>
 </file>
 
@@ -14025,10 +13311,9 @@
           <a:lstStyle/>
           <a:p>
             <a:r>
-              <a:rPr lang="en-US" dirty="0" smtClean="0"/>
+              <a:rPr lang="en-US" dirty="0"/>
               <a:t>Inheriting styles</a:t>
             </a:r>
-            <a:endParaRPr lang="en-US" dirty="0"/>
           </a:p>
         </p:txBody>
       </p:sp>
@@ -14091,7 +13376,7 @@
           <a:lstStyle/>
           <a:p>
             <a:r>
-              <a:rPr lang="en-US" dirty="0" smtClean="0">
+              <a:rPr lang="en-US" dirty="0">
                 <a:latin typeface="Courier New" pitchFamily="49" charset="0"/>
                 <a:cs typeface="Courier New" pitchFamily="49" charset="0"/>
               </a:rPr>
@@ -14100,7 +13385,7 @@
           </a:p>
           <a:p>
             <a:r>
-              <a:rPr lang="en-US" dirty="0" smtClean="0">
+              <a:rPr lang="en-US" dirty="0">
                 <a:latin typeface="Courier New" pitchFamily="49" charset="0"/>
                 <a:cs typeface="Courier New" pitchFamily="49" charset="0"/>
               </a:rPr>
@@ -14109,7 +13394,7 @@
           </a:p>
           <a:p>
             <a:r>
-              <a:rPr lang="en-US" dirty="0" smtClean="0">
+              <a:rPr lang="en-US" dirty="0">
                 <a:latin typeface="Courier New" pitchFamily="49" charset="0"/>
                 <a:cs typeface="Courier New" pitchFamily="49" charset="0"/>
               </a:rPr>
@@ -14118,14 +13403,14 @@
           </a:p>
           <a:p>
             <a:r>
-              <a:rPr lang="en-US" dirty="0" smtClean="0">
+              <a:rPr lang="en-US" dirty="0">
                 <a:latin typeface="Courier New" pitchFamily="49" charset="0"/>
                 <a:cs typeface="Courier New" pitchFamily="49" charset="0"/>
               </a:rPr>
               <a:t>h2 { font-weight: bold; text-align: center; }	                                          								  </a:t>
             </a:r>
             <a:r>
-              <a:rPr lang="en-US" i="1" dirty="0" smtClean="0">
+              <a:rPr lang="en-US" i="1" dirty="0">
                 <a:solidFill>
                   <a:schemeClr val="tx1">
                     <a:lumMod val="50000"/>
@@ -14171,7 +13456,7 @@
           <a:p>
             <a:pPr algn="ctr"/>
             <a:r>
-              <a:rPr lang="en-US" sz="2400" b="1" dirty="0" smtClean="0">
+              <a:rPr lang="en-US" sz="2400" b="1" dirty="0">
                 <a:latin typeface="Times New Roman" pitchFamily="18" charset="0"/>
                 <a:cs typeface="Times New Roman" pitchFamily="18" charset="0"/>
               </a:rPr>
@@ -14179,7 +13464,7 @@
             </a:r>
           </a:p>
           <a:p>
-            <a:endParaRPr lang="en-US" sz="2000" dirty="0" smtClean="0">
+            <a:endParaRPr lang="en-US" sz="2000" dirty="0">
               <a:latin typeface="Times New Roman" pitchFamily="18" charset="0"/>
               <a:cs typeface="Times New Roman" pitchFamily="18" charset="0"/>
             </a:endParaRPr>
@@ -14189,7 +13474,7 @@
               <a:buFont typeface="Arial" pitchFamily="34" charset="0"/>
               <a:buChar char="•"/>
             </a:pPr>
-            <a:endParaRPr lang="en-US" sz="2000" dirty="0" smtClean="0">
+            <a:endParaRPr lang="en-US" sz="2000" dirty="0">
               <a:latin typeface="Times New Roman" pitchFamily="18" charset="0"/>
               <a:cs typeface="Times New Roman" pitchFamily="18" charset="0"/>
             </a:endParaRPr>
@@ -14200,14 +13485,14 @@
               <a:buChar char="•"/>
             </a:pPr>
             <a:r>
-              <a:rPr lang="en-US" sz="2000" dirty="0" smtClean="0">
+              <a:rPr lang="en-US" sz="2000" dirty="0">
                 <a:latin typeface="Times New Roman" pitchFamily="18" charset="0"/>
                 <a:cs typeface="Times New Roman" pitchFamily="18" charset="0"/>
               </a:rPr>
               <a:t>A bulleted list						            </a:t>
             </a:r>
             <a:r>
-              <a:rPr lang="en-US" dirty="0" smtClean="0">
+              <a:rPr lang="en-US" dirty="0">
                 <a:solidFill>
                   <a:schemeClr val="tx1">
                     <a:lumMod val="50000"/>
@@ -14250,13 +13535,8 @@
           <a:p>
             <a:r>
               <a:rPr lang="en-US" sz="2400" dirty="0"/>
-              <a:t>a more tightly matching rule can override a more general inherited </a:t>
-            </a:r>
-            <a:r>
-              <a:rPr lang="en-US" sz="2400" dirty="0" smtClean="0"/>
-              <a:t>rule</a:t>
-            </a:r>
-            <a:endParaRPr lang="en-US" sz="2400" dirty="0"/>
+              <a:t>a more tightly matching rule can override a more general inherited rule</a:t>
+            </a:r>
           </a:p>
         </p:txBody>
       </p:sp>
@@ -14305,7 +13585,7 @@
           <a:lstStyle/>
           <a:p>
             <a:pPr algn="ctr"/>
-            <a:endParaRPr lang="en-US" dirty="0" smtClean="0">
+            <a:endParaRPr lang="en-US" dirty="0">
               <a:solidFill>
                 <a:srgbClr val="FF0000"/>
               </a:solidFill>
@@ -14315,7 +13595,7 @@
           </a:p>
           <a:p>
             <a:r>
-              <a:rPr lang="en-US" dirty="0" smtClean="0">
+              <a:rPr lang="en-US" dirty="0">
                 <a:solidFill>
                   <a:srgbClr val="FF0000"/>
                 </a:solidFill>
@@ -14325,7 +13605,7 @@
               <a:t>A styled paragraph. </a:t>
             </a:r>
             <a:r>
-              <a:rPr lang="en-US" u="sng" dirty="0" smtClean="0">
+              <a:rPr lang="en-US" u="sng" dirty="0">
                 <a:solidFill>
                   <a:schemeClr val="accent1"/>
                 </a:solidFill>
@@ -14335,7 +13615,7 @@
               <a:t>Previous slides</a:t>
             </a:r>
             <a:r>
-              <a:rPr lang="en-US" dirty="0" smtClean="0">
+              <a:rPr lang="en-US" dirty="0">
                 <a:solidFill>
                   <a:srgbClr val="FF0000"/>
                 </a:solidFill>
@@ -14347,7 +13627,7 @@
           </a:p>
           <a:p>
             <a:pPr algn="ctr"/>
-            <a:endParaRPr lang="en-US" dirty="0" smtClean="0"/>
+            <a:endParaRPr lang="en-US" dirty="0"/>
           </a:p>
         </p:txBody>
       </p:sp>
@@ -14367,30 +13647,22 @@
           <a:lstStyle/>
           <a:p>
             <a:r>
-              <a:rPr lang="en-US" dirty="0" smtClean="0"/>
+              <a:rPr lang="en-US" dirty="0"/>
               <a:t>""</a:t>
             </a:r>
-            <a:endParaRPr lang="en-US" dirty="0"/>
           </a:p>
         </p:txBody>
       </p:sp>
     </p:spTree>
     <p:extLst>
       <p:ext uri="{BB962C8B-B14F-4D97-AF65-F5344CB8AC3E}">
-        <p14:creationId xmlns="" xmlns:p14="http://schemas.microsoft.com/office/powerpoint/2010/main" val="1429471829"/>
+        <p14:creationId xmlns:p14="http://schemas.microsoft.com/office/powerpoint/2010/main" val="1429471829"/>
       </p:ext>
     </p:extLst>
   </p:cSld>
   <p:clrMapOvr>
     <a:masterClrMapping/>
   </p:clrMapOvr>
-  <p:timing>
-    <p:tnLst>
-      <p:par>
-        <p:cTn id="1" dur="indefinite" restart="never" nodeType="tmRoot"/>
-      </p:par>
-    </p:tnLst>
-  </p:timing>
 </p:sld>
 </file>
 
@@ -14427,10 +13699,9 @@
           <a:lstStyle/>
           <a:p>
             <a:r>
-              <a:rPr lang="en-US" dirty="0" smtClean="0"/>
+              <a:rPr lang="en-US" dirty="0"/>
               <a:t>Styles that conflict</a:t>
             </a:r>
-            <a:endParaRPr lang="en-US" dirty="0"/>
           </a:p>
         </p:txBody>
       </p:sp>
@@ -14493,7 +13764,7 @@
           <a:lstStyle/>
           <a:p>
             <a:r>
-              <a:rPr lang="en-US" dirty="0" smtClean="0">
+              <a:rPr lang="en-US" dirty="0">
                 <a:latin typeface="Courier New" pitchFamily="49" charset="0"/>
                 <a:cs typeface="Courier New" pitchFamily="49" charset="0"/>
               </a:rPr>
@@ -14502,14 +13773,14 @@
           </a:p>
           <a:p>
             <a:r>
-              <a:rPr lang="en-US" dirty="0" smtClean="0">
+              <a:rPr lang="en-US" dirty="0">
                 <a:latin typeface="Courier New" pitchFamily="49" charset="0"/>
                 <a:cs typeface="Courier New" pitchFamily="49" charset="0"/>
               </a:rPr>
               <a:t>h2 { color: red; background-color: yellow; }                                          								  </a:t>
             </a:r>
             <a:r>
-              <a:rPr lang="en-US" i="1" dirty="0" smtClean="0">
+              <a:rPr lang="en-US" i="1" dirty="0">
                 <a:solidFill>
                   <a:schemeClr val="tx1">
                     <a:lumMod val="50000"/>
@@ -14561,17 +13832,7 @@
                 <a:latin typeface="Times New Roman" pitchFamily="18" charset="0"/>
                 <a:cs typeface="Times New Roman" pitchFamily="18" charset="0"/>
               </a:rPr>
-              <a:t>This paragraph uses the first style above</a:t>
-            </a:r>
-            <a:r>
-              <a:rPr lang="en-US" sz="2000" i="1" dirty="0" smtClean="0">
-                <a:solidFill>
-                  <a:schemeClr val="accent1"/>
-                </a:solidFill>
-                <a:latin typeface="Times New Roman" pitchFamily="18" charset="0"/>
-                <a:cs typeface="Times New Roman" pitchFamily="18" charset="0"/>
-              </a:rPr>
-              <a:t>.</a:t>
+              <a:t>This paragraph uses the first style above.</a:t>
             </a:r>
           </a:p>
           <a:p>
@@ -14584,7 +13845,7 @@
             </a:endParaRPr>
           </a:p>
           <a:p>
-            <a:endParaRPr lang="en-US" sz="2000" i="1" dirty="0" smtClean="0">
+            <a:endParaRPr lang="en-US" sz="2000" i="1" dirty="0">
               <a:solidFill>
                 <a:schemeClr val="accent1"/>
               </a:solidFill>
@@ -14595,7 +13856,7 @@
           <a:p>
             <a:pPr algn="r"/>
             <a:r>
-              <a:rPr lang="en-US" sz="2000" i="1" dirty="0" smtClean="0">
+              <a:rPr lang="en-US" sz="2000" i="1" dirty="0">
                 <a:solidFill>
                   <a:schemeClr val="bg1">
                     <a:lumMod val="75000"/>
@@ -14638,13 +13899,8 @@
           <a:p>
             <a:r>
               <a:rPr lang="en-US" sz="2400" dirty="0"/>
-              <a:t>when two styles set conflicting values for the same property, the latter style </a:t>
-            </a:r>
-            <a:r>
-              <a:rPr lang="en-US" sz="2400" dirty="0" smtClean="0"/>
-              <a:t>takes precedence</a:t>
-            </a:r>
-            <a:endParaRPr lang="en-US" sz="2400" dirty="0"/>
+              <a:t>when two styles set conflicting values for the same property, the latter style takes precedence</a:t>
+            </a:r>
           </a:p>
         </p:txBody>
       </p:sp>
@@ -14690,7 +13946,7 @@
           <a:lstStyle/>
           <a:p>
             <a:pPr algn="ctr"/>
-            <a:endParaRPr lang="en-US" sz="2400" b="1" i="1" dirty="0" smtClean="0">
+            <a:endParaRPr lang="en-US" sz="2400" b="1" i="1" dirty="0">
               <a:solidFill>
                 <a:srgbClr val="FF0000"/>
               </a:solidFill>
@@ -14700,7 +13956,7 @@
           </a:p>
           <a:p>
             <a:r>
-              <a:rPr lang="en-US" sz="2400" b="1" i="1" dirty="0" smtClean="0">
+              <a:rPr lang="en-US" sz="2400" b="1" i="1" dirty="0">
                 <a:solidFill>
                   <a:srgbClr val="FF0000"/>
                 </a:solidFill>
@@ -14732,30 +13988,22 @@
           <a:lstStyle/>
           <a:p>
             <a:r>
-              <a:rPr lang="en-US" dirty="0" smtClean="0"/>
+              <a:rPr lang="en-US" dirty="0"/>
               <a:t>""</a:t>
             </a:r>
-            <a:endParaRPr lang="en-US" dirty="0"/>
           </a:p>
         </p:txBody>
       </p:sp>
     </p:spTree>
     <p:extLst>
       <p:ext uri="{BB962C8B-B14F-4D97-AF65-F5344CB8AC3E}">
-        <p14:creationId xmlns="" xmlns:p14="http://schemas.microsoft.com/office/powerpoint/2010/main" val="2875787810"/>
+        <p14:creationId xmlns:p14="http://schemas.microsoft.com/office/powerpoint/2010/main" val="2875787810"/>
       </p:ext>
     </p:extLst>
   </p:cSld>
   <p:clrMapOvr>
     <a:masterClrMapping/>
   </p:clrMapOvr>
-  <p:timing>
-    <p:tnLst>
-      <p:par>
-        <p:cTn id="1" dur="indefinite" restart="never" nodeType="tmRoot"/>
-      </p:par>
-    </p:tnLst>
-  </p:timing>
 </p:sld>
 </file>
 
@@ -14792,10 +14040,9 @@
           <a:lstStyle/>
           <a:p>
             <a:r>
-              <a:rPr lang="en-US" dirty="0" smtClean="0"/>
+              <a:rPr lang="en-US" dirty="0"/>
               <a:t>CSS properties for backgrounds</a:t>
             </a:r>
-            <a:endParaRPr lang="en-US" dirty="0"/>
           </a:p>
         </p:txBody>
       </p:sp>
@@ -14809,7 +14056,7 @@
             <p:ph sz="quarter" idx="1"/>
             <p:extLst>
               <p:ext uri="{D42A27DB-BD31-4B8C-83A1-F6EECF244321}">
-                <p14:modId xmlns="" xmlns:p14="http://schemas.microsoft.com/office/powerpoint/2010/main" val="4165643865"/>
+                <p14:modId xmlns:p14="http://schemas.microsoft.com/office/powerpoint/2010/main" val="4165643865"/>
               </p:ext>
             </p:extLst>
           </p:nvPr>
@@ -14825,8 +14072,20 @@
                 <a:tableStyleId>{284E427A-3D55-4303-BF80-6455036E1DE7}</a:tableStyleId>
               </a:tblPr>
               <a:tblGrid>
-                <a:gridCol w="4076700"/>
-                <a:gridCol w="4076700"/>
+                <a:gridCol w="4076700">
+                  <a:extLst>
+                    <a:ext uri="{9D8B030D-6E8A-4147-A177-3AD203B41FA5}">
+                      <a16:colId xmlns:a16="http://schemas.microsoft.com/office/drawing/2014/main" val="20000"/>
+                    </a:ext>
+                  </a:extLst>
+                </a:gridCol>
+                <a:gridCol w="4076700">
+                  <a:extLst>
+                    <a:ext uri="{9D8B030D-6E8A-4147-A177-3AD203B41FA5}">
+                      <a16:colId xmlns:a16="http://schemas.microsoft.com/office/drawing/2014/main" val="20001"/>
+                    </a:ext>
+                  </a:extLst>
+                </a:gridCol>
               </a:tblGrid>
               <a:tr h="0">
                 <a:tc>
@@ -14855,6 +14114,11 @@
                   </a:txBody>
                   <a:tcPr anchor="ctr"/>
                 </a:tc>
+                <a:extLst>
+                  <a:ext uri="{0D108BD9-81ED-4DB2-BD59-A6C34878D82A}">
+                    <a16:rowId xmlns:a16="http://schemas.microsoft.com/office/drawing/2014/main" val="10000"/>
+                  </a:ext>
+                </a:extLst>
               </a:tr>
               <a:tr h="0">
                 <a:tc>
@@ -14883,6 +14147,11 @@
                   </a:txBody>
                   <a:tcPr anchor="ctr"/>
                 </a:tc>
+                <a:extLst>
+                  <a:ext uri="{0D108BD9-81ED-4DB2-BD59-A6C34878D82A}">
+                    <a16:rowId xmlns:a16="http://schemas.microsoft.com/office/drawing/2014/main" val="10001"/>
+                  </a:ext>
+                </a:extLst>
               </a:tr>
               <a:tr h="0">
                 <a:tc>
@@ -14911,6 +14180,11 @@
                   </a:txBody>
                   <a:tcPr anchor="ctr"/>
                 </a:tc>
+                <a:extLst>
+                  <a:ext uri="{0D108BD9-81ED-4DB2-BD59-A6C34878D82A}">
+                    <a16:rowId xmlns:a16="http://schemas.microsoft.com/office/drawing/2014/main" val="10002"/>
+                  </a:ext>
+                </a:extLst>
               </a:tr>
               <a:tr h="0">
                 <a:tc>
@@ -14939,6 +14213,11 @@
                   </a:txBody>
                   <a:tcPr anchor="ctr"/>
                 </a:tc>
+                <a:extLst>
+                  <a:ext uri="{0D108BD9-81ED-4DB2-BD59-A6C34878D82A}">
+                    <a16:rowId xmlns:a16="http://schemas.microsoft.com/office/drawing/2014/main" val="10003"/>
+                  </a:ext>
+                </a:extLst>
               </a:tr>
               <a:tr h="0">
                 <a:tc>
@@ -14975,6 +14254,11 @@
                   </a:txBody>
                   <a:tcPr anchor="ctr"/>
                 </a:tc>
+                <a:extLst>
+                  <a:ext uri="{0D108BD9-81ED-4DB2-BD59-A6C34878D82A}">
+                    <a16:rowId xmlns:a16="http://schemas.microsoft.com/office/drawing/2014/main" val="10004"/>
+                  </a:ext>
+                </a:extLst>
               </a:tr>
               <a:tr h="0">
                 <a:tc>
@@ -15005,14 +14289,10 @@
                       </a:r>
                       <a:r>
                         <a:rPr lang="en-US" sz="2000" dirty="0"/>
-                        <a:t> image scrolls with </a:t>
+                        <a:t> image scrolls with page.</a:t>
                       </a:r>
                       <a:r>
-                        <a:rPr lang="en-US" sz="2000" dirty="0" smtClean="0"/>
-                        <a:t>page.</a:t>
-                      </a:r>
-                      <a:r>
-                        <a:rPr lang="en-US" sz="2000" baseline="0" dirty="0" smtClean="0"/>
+                        <a:rPr lang="en-US" sz="2000" baseline="0" dirty="0"/>
                         <a:t> Values are scroll, fixed. </a:t>
                       </a:r>
                       <a:endParaRPr lang="en-US" sz="2000" dirty="0"/>
@@ -15020,6 +14300,11 @@
                   </a:txBody>
                   <a:tcPr anchor="ctr"/>
                 </a:tc>
+                <a:extLst>
+                  <a:ext uri="{0D108BD9-81ED-4DB2-BD59-A6C34878D82A}">
+                    <a16:rowId xmlns:a16="http://schemas.microsoft.com/office/drawing/2014/main" val="10005"/>
+                  </a:ext>
+                </a:extLst>
               </a:tr>
               <a:tr h="0">
                 <a:tc>
@@ -15028,10 +14313,9 @@
                     <a:lstStyle/>
                     <a:p>
                       <a:r>
-                        <a:rPr lang="en-US" sz="2000" dirty="0" smtClean="0"/>
+                        <a:rPr lang="en-US" sz="2000" dirty="0"/>
                         <a:t>Background-size</a:t>
                       </a:r>
-                      <a:endParaRPr lang="en-US" sz="2000" dirty="0"/>
                     </a:p>
                   </a:txBody>
                   <a:tcPr anchor="ctr"/>
@@ -15042,19 +14326,19 @@
                     <a:lstStyle/>
                     <a:p>
                       <a:r>
-                        <a:rPr lang="en-US" sz="2000" dirty="0" smtClean="0"/>
+                        <a:rPr lang="en-US" sz="2000" dirty="0"/>
                         <a:t>Specifies</a:t>
                       </a:r>
                       <a:r>
-                        <a:rPr lang="en-US" sz="2000" baseline="0" dirty="0" smtClean="0"/>
+                        <a:rPr lang="en-US" sz="2000" baseline="0" dirty="0"/>
                         <a:t> </a:t>
                       </a:r>
                       <a:r>
-                        <a:rPr lang="en-US" sz="2000" baseline="0" dirty="0" err="1" smtClean="0"/>
+                        <a:rPr lang="en-US" sz="2000" baseline="0" dirty="0" err="1"/>
                         <a:t>bg</a:t>
                       </a:r>
                       <a:r>
-                        <a:rPr lang="en-US" sz="2000" baseline="0" dirty="0" smtClean="0"/>
+                        <a:rPr lang="en-US" sz="2000" baseline="0" dirty="0"/>
                         <a:t> size </a:t>
                       </a:r>
                       <a:endParaRPr lang="en-US" sz="2000" dirty="0"/>
@@ -15062,6 +14346,11 @@
                   </a:txBody>
                   <a:tcPr anchor="ctr"/>
                 </a:tc>
+                <a:extLst>
+                  <a:ext uri="{0D108BD9-81ED-4DB2-BD59-A6C34878D82A}">
+                    <a16:rowId xmlns:a16="http://schemas.microsoft.com/office/drawing/2014/main" val="10006"/>
+                  </a:ext>
+                </a:extLst>
               </a:tr>
               <a:tr h="0">
                 <a:tc>
@@ -15090,6 +14379,11 @@
                   </a:txBody>
                   <a:tcPr anchor="ctr"/>
                 </a:tc>
+                <a:extLst>
+                  <a:ext uri="{0D108BD9-81ED-4DB2-BD59-A6C34878D82A}">
+                    <a16:rowId xmlns:a16="http://schemas.microsoft.com/office/drawing/2014/main" val="10007"/>
+                  </a:ext>
+                </a:extLst>
               </a:tr>
             </a:tbl>
           </a:graphicData>
@@ -15111,10 +14405,9 @@
           <a:lstStyle/>
           <a:p>
             <a:r>
-              <a:rPr lang="en-US" dirty="0" smtClean="0"/>
+              <a:rPr lang="en-US" dirty="0"/>
               <a:t>""</a:t>
             </a:r>
-            <a:endParaRPr lang="en-US" dirty="0"/>
           </a:p>
         </p:txBody>
       </p:sp>
@@ -15147,20 +14440,13 @@
     </p:spTree>
     <p:extLst>
       <p:ext uri="{BB962C8B-B14F-4D97-AF65-F5344CB8AC3E}">
-        <p14:creationId xmlns="" xmlns:p14="http://schemas.microsoft.com/office/powerpoint/2010/main" val="4128514116"/>
+        <p14:creationId xmlns:p14="http://schemas.microsoft.com/office/powerpoint/2010/main" val="4128514116"/>
       </p:ext>
     </p:extLst>
   </p:cSld>
   <p:clrMapOvr>
     <a:masterClrMapping/>
   </p:clrMapOvr>
-  <p:timing>
-    <p:tnLst>
-      <p:par>
-        <p:cTn id="1" dur="indefinite" restart="never" nodeType="tmRoot"/>
-      </p:par>
-    </p:tnLst>
-  </p:timing>
 </p:sld>
 </file>
 
@@ -15198,13 +14484,8 @@
           <a:p>
             <a:r>
               <a:rPr lang="en-US" dirty="0"/>
-              <a:t>b</a:t>
-            </a:r>
-            <a:r>
-              <a:rPr lang="en-US" dirty="0" smtClean="0"/>
-              <a:t>ackground-image </a:t>
-            </a:r>
-            <a:endParaRPr lang="en-US" dirty="0"/>
+              <a:t>background-image </a:t>
+            </a:r>
           </a:p>
         </p:txBody>
       </p:sp>
@@ -15267,7 +14548,7 @@
           <a:lstStyle/>
           <a:p>
             <a:r>
-              <a:rPr lang="en-US" dirty="0" smtClean="0">
+              <a:rPr lang="en-US" dirty="0">
                 <a:latin typeface="Courier New" pitchFamily="49" charset="0"/>
                 <a:cs typeface="Courier New" pitchFamily="49" charset="0"/>
               </a:rPr>
@@ -15276,21 +14557,21 @@
           </a:p>
           <a:p>
             <a:r>
-              <a:rPr lang="en-US" b="1" dirty="0" smtClean="0">
+              <a:rPr lang="en-US" b="1" dirty="0">
                 <a:latin typeface="Courier New" pitchFamily="49" charset="0"/>
                 <a:cs typeface="Courier New" pitchFamily="49" charset="0"/>
               </a:rPr>
               <a:t>background-image: </a:t>
             </a:r>
             <a:r>
-              <a:rPr lang="en-US" b="1" dirty="0" err="1" smtClean="0">
+              <a:rPr lang="en-US" b="1" dirty="0" err="1">
                 <a:latin typeface="Courier New" pitchFamily="49" charset="0"/>
                 <a:cs typeface="Courier New" pitchFamily="49" charset="0"/>
               </a:rPr>
               <a:t>url</a:t>
             </a:r>
             <a:r>
-              <a:rPr lang="en-US" b="1" dirty="0" smtClean="0">
+              <a:rPr lang="en-US" b="1" dirty="0">
                 <a:latin typeface="Courier New" pitchFamily="49" charset="0"/>
                 <a:cs typeface="Courier New" pitchFamily="49" charset="0"/>
               </a:rPr>
@@ -15299,25 +14580,11 @@
           </a:p>
           <a:p>
             <a:r>
-              <a:rPr lang="en-US" dirty="0" smtClean="0">
-                <a:latin typeface="Courier New" pitchFamily="49" charset="0"/>
-                <a:cs typeface="Courier New" pitchFamily="49" charset="0"/>
-              </a:rPr>
-              <a:t>}            	</a:t>
-            </a:r>
-            <a:r>
               <a:rPr lang="en-US" dirty="0">
                 <a:latin typeface="Courier New" pitchFamily="49" charset="0"/>
                 <a:cs typeface="Courier New" pitchFamily="49" charset="0"/>
               </a:rPr>
-              <a:t> </a:t>
-            </a:r>
-            <a:r>
-              <a:rPr lang="en-US" dirty="0" smtClean="0">
-                <a:latin typeface="Courier New" pitchFamily="49" charset="0"/>
-                <a:cs typeface="Courier New" pitchFamily="49" charset="0"/>
-              </a:rPr>
-              <a:t>                             </a:t>
+              <a:t>}            	                              </a:t>
             </a:r>
           </a:p>
           <a:p>
@@ -15332,23 +14599,10 @@
                 <a:latin typeface="Courier New" pitchFamily="49" charset="0"/>
                 <a:cs typeface="Courier New" pitchFamily="49" charset="0"/>
               </a:rPr>
-              <a:t> </a:t>
-            </a:r>
-            <a:r>
-              <a:rPr lang="en-US" i="1" dirty="0" smtClean="0">
-                <a:solidFill>
-                  <a:schemeClr val="tx1">
-                    <a:lumMod val="50000"/>
-                    <a:lumOff val="50000"/>
-                  </a:schemeClr>
-                </a:solidFill>
-                <a:latin typeface="Courier New" pitchFamily="49" charset="0"/>
-                <a:cs typeface="Courier New" pitchFamily="49" charset="0"/>
-              </a:rPr>
-              <a:t>                                                      </a:t>
-            </a:r>
-            <a:r>
-              <a:rPr lang="en-US" i="1" dirty="0" smtClean="0">
+              <a:t>                                                       </a:t>
+            </a:r>
+            <a:r>
+              <a:rPr lang="en-US" i="1" dirty="0">
                 <a:solidFill>
                   <a:schemeClr val="tx1">
                     <a:lumMod val="50000"/>
@@ -15406,10 +14660,9 @@
           <a:lstStyle/>
           <a:p>
             <a:r>
-              <a:rPr lang="en-US" dirty="0" smtClean="0"/>
+              <a:rPr lang="en-US" dirty="0"/>
               <a:t>""</a:t>
             </a:r>
-            <a:endParaRPr lang="en-US" dirty="0"/>
           </a:p>
         </p:txBody>
       </p:sp>
@@ -15425,7 +14678,7 @@
           <a:blip r:embed="rId3" cstate="print">
             <a:extLst>
               <a:ext uri="{28A0092B-C50C-407E-A947-70E740481C1C}">
-                <a14:useLocalDpi xmlns="" xmlns:a14="http://schemas.microsoft.com/office/drawing/2010/main" val="0"/>
+                <a14:useLocalDpi xmlns:a14="http://schemas.microsoft.com/office/drawing/2010/main" val="0"/>
               </a:ext>
             </a:extLst>
           </a:blip>
@@ -15449,14 +14702,14 @@
           <a:effectLst/>
           <a:extLst>
             <a:ext uri="{909E8E84-426E-40DD-AFC4-6F175D3DCCD1}">
-              <a14:hiddenFill xmlns="" xmlns:a14="http://schemas.microsoft.com/office/drawing/2010/main">
+              <a14:hiddenFill xmlns:a14="http://schemas.microsoft.com/office/drawing/2010/main">
                 <a:solidFill>
                   <a:schemeClr val="accent1"/>
                 </a:solidFill>
               </a14:hiddenFill>
             </a:ext>
             <a:ext uri="{91240B29-F687-4F45-9708-019B960494DF}">
-              <a14:hiddenLine xmlns="" xmlns:a14="http://schemas.microsoft.com/office/drawing/2010/main" w="9525">
+              <a14:hiddenLine xmlns:a14="http://schemas.microsoft.com/office/drawing/2010/main" w="9525">
                 <a:solidFill>
                   <a:schemeClr val="tx1"/>
                 </a:solidFill>
@@ -15466,7 +14719,7 @@
               </a14:hiddenLine>
             </a:ext>
             <a:ext uri="{AF507438-7753-43E0-B8FC-AC1667EBCBE1}">
-              <a14:hiddenEffects xmlns="" xmlns:a14="http://schemas.microsoft.com/office/drawing/2010/main">
+              <a14:hiddenEffects xmlns:a14="http://schemas.microsoft.com/office/drawing/2010/main">
                 <a:effectLst>
                   <a:outerShdw dist="35921" dir="2700000" algn="ctr" rotWithShape="0">
                     <a:schemeClr val="bg2"/>
@@ -15480,20 +14733,13 @@
     </p:spTree>
     <p:extLst>
       <p:ext uri="{BB962C8B-B14F-4D97-AF65-F5344CB8AC3E}">
-        <p14:creationId xmlns="" xmlns:p14="http://schemas.microsoft.com/office/powerpoint/2010/main" val="2006680593"/>
+        <p14:creationId xmlns:p14="http://schemas.microsoft.com/office/powerpoint/2010/main" val="2006680593"/>
       </p:ext>
     </p:extLst>
   </p:cSld>
   <p:clrMapOvr>
     <a:masterClrMapping/>
   </p:clrMapOvr>
-  <p:timing>
-    <p:tnLst>
-      <p:par>
-        <p:cTn id="1" dur="indefinite" restart="never" nodeType="tmRoot"/>
-      </p:par>
-    </p:tnLst>
-  </p:timing>
 </p:sld>
 </file>
 
@@ -15530,10 +14776,9 @@
           <a:lstStyle/>
           <a:p>
             <a:r>
-              <a:rPr lang="en-US" dirty="0" smtClean="0"/>
+              <a:rPr lang="en-US" dirty="0"/>
               <a:t>background-repeat </a:t>
             </a:r>
-            <a:endParaRPr lang="en-US" dirty="0"/>
           </a:p>
         </p:txBody>
       </p:sp>
@@ -15641,28 +14886,7 @@
                 <a:latin typeface="Courier New" pitchFamily="49" charset="0"/>
                 <a:cs typeface="Courier New" pitchFamily="49" charset="0"/>
               </a:rPr>
-              <a:t>}</a:t>
-            </a:r>
-            <a:r>
-              <a:rPr lang="en-US" dirty="0" smtClean="0">
-                <a:latin typeface="Courier New" pitchFamily="49" charset="0"/>
-                <a:cs typeface="Courier New" pitchFamily="49" charset="0"/>
-              </a:rPr>
-              <a:t>	</a:t>
-            </a:r>
-            <a:r>
-              <a:rPr lang="en-US" dirty="0">
-                <a:latin typeface="Courier New" pitchFamily="49" charset="0"/>
-                <a:cs typeface="Courier New" pitchFamily="49" charset="0"/>
-              </a:rPr>
-              <a:t> </a:t>
-            </a:r>
-            <a:r>
-              <a:rPr lang="en-US" dirty="0" smtClean="0">
-                <a:latin typeface="Courier New" pitchFamily="49" charset="0"/>
-                <a:cs typeface="Courier New" pitchFamily="49" charset="0"/>
-              </a:rPr>
-              <a:t>                             </a:t>
+              <a:t>}	                              </a:t>
             </a:r>
           </a:p>
           <a:p>
@@ -15677,23 +14901,10 @@
                 <a:latin typeface="Courier New" pitchFamily="49" charset="0"/>
                 <a:cs typeface="Courier New" pitchFamily="49" charset="0"/>
               </a:rPr>
-              <a:t> </a:t>
-            </a:r>
-            <a:r>
-              <a:rPr lang="en-US" i="1" dirty="0" smtClean="0">
-                <a:solidFill>
-                  <a:schemeClr val="tx1">
-                    <a:lumMod val="50000"/>
-                    <a:lumOff val="50000"/>
-                  </a:schemeClr>
-                </a:solidFill>
-                <a:latin typeface="Courier New" pitchFamily="49" charset="0"/>
-                <a:cs typeface="Courier New" pitchFamily="49" charset="0"/>
-              </a:rPr>
-              <a:t>                                                      </a:t>
-            </a:r>
-            <a:r>
-              <a:rPr lang="en-US" i="1" dirty="0" smtClean="0">
+              <a:t>                                                       </a:t>
+            </a:r>
+            <a:r>
+              <a:rPr lang="en-US" i="1" dirty="0">
                 <a:solidFill>
                   <a:schemeClr val="tx1">
                     <a:lumMod val="50000"/>
@@ -15751,10 +14962,9 @@
           <a:lstStyle/>
           <a:p>
             <a:r>
-              <a:rPr lang="en-US" dirty="0" smtClean="0"/>
+              <a:rPr lang="en-US" dirty="0"/>
               <a:t>""</a:t>
             </a:r>
-            <a:endParaRPr lang="en-US" dirty="0"/>
           </a:p>
         </p:txBody>
       </p:sp>
@@ -15770,7 +14980,7 @@
           <a:blip r:embed="rId3" cstate="print">
             <a:extLst>
               <a:ext uri="{28A0092B-C50C-407E-A947-70E740481C1C}">
-                <a14:useLocalDpi xmlns="" xmlns:a14="http://schemas.microsoft.com/office/drawing/2010/main" val="0"/>
+                <a14:useLocalDpi xmlns:a14="http://schemas.microsoft.com/office/drawing/2010/main" val="0"/>
               </a:ext>
             </a:extLst>
           </a:blip>
@@ -15794,14 +15004,14 @@
           <a:effectLst/>
           <a:extLst>
             <a:ext uri="{909E8E84-426E-40DD-AFC4-6F175D3DCCD1}">
-              <a14:hiddenFill xmlns="" xmlns:a14="http://schemas.microsoft.com/office/drawing/2010/main">
+              <a14:hiddenFill xmlns:a14="http://schemas.microsoft.com/office/drawing/2010/main">
                 <a:solidFill>
                   <a:schemeClr val="accent1"/>
                 </a:solidFill>
               </a14:hiddenFill>
             </a:ext>
             <a:ext uri="{91240B29-F687-4F45-9708-019B960494DF}">
-              <a14:hiddenLine xmlns="" xmlns:a14="http://schemas.microsoft.com/office/drawing/2010/main" w="9525">
+              <a14:hiddenLine xmlns:a14="http://schemas.microsoft.com/office/drawing/2010/main" w="9525">
                 <a:solidFill>
                   <a:schemeClr val="tx1"/>
                 </a:solidFill>
@@ -15811,7 +15021,7 @@
               </a14:hiddenLine>
             </a:ext>
             <a:ext uri="{AF507438-7753-43E0-B8FC-AC1667EBCBE1}">
-              <a14:hiddenEffects xmlns="" xmlns:a14="http://schemas.microsoft.com/office/drawing/2010/main">
+              <a14:hiddenEffects xmlns:a14="http://schemas.microsoft.com/office/drawing/2010/main">
                 <a:effectLst>
                   <a:outerShdw dist="35921" dir="2700000" algn="ctr" rotWithShape="0">
                     <a:schemeClr val="bg2"/>
@@ -15825,20 +15035,13 @@
     </p:spTree>
     <p:extLst>
       <p:ext uri="{BB962C8B-B14F-4D97-AF65-F5344CB8AC3E}">
-        <p14:creationId xmlns="" xmlns:p14="http://schemas.microsoft.com/office/powerpoint/2010/main" val="33033545"/>
+        <p14:creationId xmlns:p14="http://schemas.microsoft.com/office/powerpoint/2010/main" val="33033545"/>
       </p:ext>
     </p:extLst>
   </p:cSld>
   <p:clrMapOvr>
     <a:masterClrMapping/>
   </p:clrMapOvr>
-  <p:timing>
-    <p:tnLst>
-      <p:par>
-        <p:cTn id="1" dur="indefinite" restart="never" nodeType="tmRoot"/>
-      </p:par>
-    </p:tnLst>
-  </p:timing>
 </p:sld>
 </file>
 
@@ -15875,10 +15078,9 @@
           <a:lstStyle/>
           <a:p>
             <a:r>
-              <a:rPr lang="en-US" dirty="0" smtClean="0"/>
+              <a:rPr lang="en-US" dirty="0"/>
               <a:t>background-position </a:t>
             </a:r>
-            <a:endParaRPr lang="en-US" dirty="0"/>
           </a:p>
         </p:txBody>
       </p:sp>
@@ -15941,7 +15143,7 @@
           <a:lstStyle/>
           <a:p>
             <a:r>
-              <a:rPr lang="en-US" dirty="0" smtClean="0">
+              <a:rPr lang="en-US" dirty="0">
                 <a:latin typeface="Courier New" pitchFamily="49" charset="0"/>
                 <a:cs typeface="Courier New" pitchFamily="49" charset="0"/>
               </a:rPr>
@@ -15950,21 +15152,21 @@
           </a:p>
           <a:p>
             <a:r>
-              <a:rPr lang="en-US" dirty="0" smtClean="0">
+              <a:rPr lang="en-US" dirty="0">
                 <a:latin typeface="Courier New" pitchFamily="49" charset="0"/>
                 <a:cs typeface="Courier New" pitchFamily="49" charset="0"/>
               </a:rPr>
               <a:t>background-image: </a:t>
             </a:r>
             <a:r>
-              <a:rPr lang="en-US" dirty="0" err="1" smtClean="0">
+              <a:rPr lang="en-US" dirty="0" err="1">
                 <a:latin typeface="Courier New" pitchFamily="49" charset="0"/>
                 <a:cs typeface="Courier New" pitchFamily="49" charset="0"/>
               </a:rPr>
               <a:t>url</a:t>
             </a:r>
             <a:r>
-              <a:rPr lang="en-US" dirty="0" smtClean="0">
+              <a:rPr lang="en-US" dirty="0">
                 <a:latin typeface="Courier New" pitchFamily="49" charset="0"/>
                 <a:cs typeface="Courier New" pitchFamily="49" charset="0"/>
               </a:rPr>
@@ -15973,7 +15175,7 @@
           </a:p>
           <a:p>
             <a:r>
-              <a:rPr lang="en-US" dirty="0" smtClean="0">
+              <a:rPr lang="en-US" dirty="0">
                 <a:latin typeface="Courier New" pitchFamily="49" charset="0"/>
                 <a:cs typeface="Courier New" pitchFamily="49" charset="0"/>
               </a:rPr>
@@ -15982,7 +15184,7 @@
           </a:p>
           <a:p>
             <a:r>
-              <a:rPr lang="en-US" dirty="0" smtClean="0">
+              <a:rPr lang="en-US" dirty="0">
                 <a:latin typeface="Courier New" pitchFamily="49" charset="0"/>
                 <a:cs typeface="Courier New" pitchFamily="49" charset="0"/>
               </a:rPr>
@@ -15991,14 +15193,14 @@
           </a:p>
           <a:p>
             <a:r>
-              <a:rPr lang="en-US" dirty="0" smtClean="0">
+              <a:rPr lang="en-US" dirty="0">
                 <a:latin typeface="Courier New" pitchFamily="49" charset="0"/>
                 <a:cs typeface="Courier New" pitchFamily="49" charset="0"/>
               </a:rPr>
               <a:t>}</a:t>
             </a:r>
             <a:r>
-              <a:rPr lang="en-US" i="1" dirty="0" smtClean="0">
+              <a:rPr lang="en-US" i="1" dirty="0">
                 <a:solidFill>
                   <a:schemeClr val="tx1">
                     <a:lumMod val="50000"/>
@@ -16011,7 +15213,7 @@
               <a:t>                                                      </a:t>
             </a:r>
             <a:r>
-              <a:rPr lang="en-US" i="1" dirty="0" smtClean="0">
+              <a:rPr lang="en-US" i="1" dirty="0">
                 <a:solidFill>
                   <a:schemeClr val="tx1">
                     <a:lumMod val="50000"/>
@@ -16048,15 +15250,7 @@
           <a:p>
             <a:r>
               <a:rPr lang="en-US" sz="2400" dirty="0"/>
-              <a:t>value consists of two tokens, each of which can be top, left, right, </a:t>
-            </a:r>
-            <a:r>
-              <a:rPr lang="en-US" sz="2400" dirty="0" smtClean="0"/>
-              <a:t>bottom, center</a:t>
-            </a:r>
-            <a:r>
-              <a:rPr lang="en-US" sz="2400" dirty="0"/>
-              <a:t>, a percentage, or a length value in </a:t>
+              <a:t>value consists of two tokens, each of which can be top, left, right, bottom, center, a percentage, or a length value in </a:t>
             </a:r>
             <a:r>
               <a:rPr lang="en-US" sz="2400" dirty="0" err="1"/>
@@ -16099,10 +15293,9 @@
           <a:lstStyle/>
           <a:p>
             <a:r>
-              <a:rPr lang="en-US" dirty="0" smtClean="0"/>
+              <a:rPr lang="en-US" dirty="0"/>
               <a:t>""</a:t>
             </a:r>
-            <a:endParaRPr lang="en-US" dirty="0"/>
           </a:p>
         </p:txBody>
       </p:sp>
@@ -16118,7 +15311,7 @@
           <a:blip r:embed="rId3" cstate="print">
             <a:extLst>
               <a:ext uri="{28A0092B-C50C-407E-A947-70E740481C1C}">
-                <a14:useLocalDpi xmlns="" xmlns:a14="http://schemas.microsoft.com/office/drawing/2010/main" val="0"/>
+                <a14:useLocalDpi xmlns:a14="http://schemas.microsoft.com/office/drawing/2010/main" val="0"/>
               </a:ext>
             </a:extLst>
           </a:blip>
@@ -16142,14 +15335,14 @@
           <a:effectLst/>
           <a:extLst>
             <a:ext uri="{909E8E84-426E-40DD-AFC4-6F175D3DCCD1}">
-              <a14:hiddenFill xmlns="" xmlns:a14="http://schemas.microsoft.com/office/drawing/2010/main">
+              <a14:hiddenFill xmlns:a14="http://schemas.microsoft.com/office/drawing/2010/main">
                 <a:solidFill>
                   <a:schemeClr val="accent1"/>
                 </a:solidFill>
               </a14:hiddenFill>
             </a:ext>
             <a:ext uri="{91240B29-F687-4F45-9708-019B960494DF}">
-              <a14:hiddenLine xmlns="" xmlns:a14="http://schemas.microsoft.com/office/drawing/2010/main" w="9525">
+              <a14:hiddenLine xmlns:a14="http://schemas.microsoft.com/office/drawing/2010/main" w="9525">
                 <a:solidFill>
                   <a:schemeClr val="tx1"/>
                 </a:solidFill>
@@ -16159,7 +15352,7 @@
               </a14:hiddenLine>
             </a:ext>
             <a:ext uri="{AF507438-7753-43E0-B8FC-AC1667EBCBE1}">
-              <a14:hiddenEffects xmlns="" xmlns:a14="http://schemas.microsoft.com/office/drawing/2010/main">
+              <a14:hiddenEffects xmlns:a14="http://schemas.microsoft.com/office/drawing/2010/main">
                 <a:effectLst>
                   <a:outerShdw dist="35921" dir="2700000" algn="ctr" rotWithShape="0">
                     <a:schemeClr val="bg2"/>
@@ -16173,20 +15366,13 @@
     </p:spTree>
     <p:extLst>
       <p:ext uri="{BB962C8B-B14F-4D97-AF65-F5344CB8AC3E}">
-        <p14:creationId xmlns="" xmlns:p14="http://schemas.microsoft.com/office/powerpoint/2010/main" val="1029995942"/>
+        <p14:creationId xmlns:p14="http://schemas.microsoft.com/office/powerpoint/2010/main" val="1029995942"/>
       </p:ext>
     </p:extLst>
   </p:cSld>
   <p:clrMapOvr>
     <a:masterClrMapping/>
   </p:clrMapOvr>
-  <p:timing>
-    <p:tnLst>
-      <p:par>
-        <p:cTn id="1" dur="indefinite" restart="never" nodeType="tmRoot"/>
-      </p:par>
-    </p:tnLst>
-  </p:timing>
 </p:sld>
 </file>
 
@@ -16223,10 +15409,9 @@
           <a:lstStyle/>
           <a:p>
             <a:r>
-              <a:rPr lang="en-IN" dirty="0" smtClean="0"/>
+              <a:rPr lang="en-IN" dirty="0"/>
               <a:t>Guess the output</a:t>
             </a:r>
-            <a:endParaRPr lang="en-IN" dirty="0"/>
           </a:p>
         </p:txBody>
       </p:sp>
@@ -16246,50 +15431,37 @@
           <a:lstStyle/>
           <a:p>
             <a:r>
-              <a:rPr lang="en-IN" dirty="0" smtClean="0"/>
+              <a:rPr lang="en-IN" dirty="0"/>
               <a:t>background-position: right; </a:t>
             </a:r>
-            <a:endParaRPr lang="en-IN" dirty="0" smtClean="0"/>
-          </a:p>
-          <a:p>
-            <a:r>
-              <a:rPr lang="en-IN" dirty="0" smtClean="0"/>
-              <a:t>background-position</a:t>
-            </a:r>
-            <a:r>
-              <a:rPr lang="en-IN" dirty="0" smtClean="0"/>
-              <a:t>: </a:t>
-            </a:r>
-            <a:r>
-              <a:rPr lang="en-IN" dirty="0" err="1" smtClean="0"/>
+          </a:p>
+          <a:p>
+            <a:r>
+              <a:rPr lang="en-IN" dirty="0"/>
+              <a:t>background-position: </a:t>
+            </a:r>
+            <a:r>
+              <a:rPr lang="en-IN" dirty="0" err="1"/>
               <a:t>center</a:t>
             </a:r>
             <a:r>
-              <a:rPr lang="en-IN" dirty="0" smtClean="0"/>
+              <a:rPr lang="en-IN" dirty="0"/>
               <a:t>;</a:t>
             </a:r>
           </a:p>
           <a:p>
             <a:r>
-              <a:rPr lang="en-IN" dirty="0" smtClean="0"/>
-              <a:t>background-position: bottom right</a:t>
-            </a:r>
-            <a:r>
-              <a:rPr lang="en-IN" dirty="0" smtClean="0"/>
-              <a:t>;</a:t>
-            </a:r>
-          </a:p>
-          <a:p>
-            <a:r>
-              <a:rPr lang="en-IN" dirty="0" smtClean="0"/>
-              <a:t>background-position: 25% 75% right</a:t>
-            </a:r>
-            <a:r>
-              <a:rPr lang="en-IN" dirty="0" smtClean="0"/>
-              <a:t>;    </a:t>
-            </a:r>
-            <a:r>
-              <a:rPr lang="en-IN" dirty="0" smtClean="0">
+              <a:rPr lang="en-IN" dirty="0"/>
+              <a:t>background-position: bottom right;</a:t>
+            </a:r>
+          </a:p>
+          <a:p>
+            <a:r>
+              <a:rPr lang="en-IN" dirty="0"/>
+              <a:t>background-position: 25% 75% right;    </a:t>
+            </a:r>
+            <a:r>
+              <a:rPr lang="en-IN" dirty="0">
                 <a:solidFill>
                   <a:srgbClr val="FF0000"/>
                 </a:solidFill>
@@ -16299,52 +15471,35 @@
           </a:p>
           <a:p>
             <a:r>
-              <a:rPr lang="en-IN" dirty="0" smtClean="0"/>
-              <a:t>background-position: 25% 75</a:t>
-            </a:r>
-            <a:r>
-              <a:rPr lang="en-IN" dirty="0" smtClean="0"/>
-              <a:t>%;</a:t>
-            </a:r>
-          </a:p>
-          <a:p>
-            <a:r>
-              <a:rPr lang="en-IN" dirty="0" smtClean="0"/>
-              <a:t>background-position: top right 75</a:t>
-            </a:r>
-            <a:r>
-              <a:rPr lang="en-IN" dirty="0" smtClean="0"/>
-              <a:t>%;</a:t>
-            </a:r>
-          </a:p>
-          <a:p>
-            <a:r>
-              <a:rPr lang="en-IN" dirty="0" smtClean="0"/>
+              <a:rPr lang="en-IN" dirty="0"/>
+              <a:t>background-position: 25% 75%;</a:t>
+            </a:r>
+          </a:p>
+          <a:p>
+            <a:r>
+              <a:rPr lang="en-IN" dirty="0"/>
+              <a:t>background-position: top right 75%;</a:t>
+            </a:r>
+          </a:p>
+          <a:p>
+            <a:r>
+              <a:rPr lang="en-IN" dirty="0"/>
               <a:t>background-position: </a:t>
             </a:r>
             <a:r>
-              <a:rPr lang="en-IN" dirty="0" smtClean="0">
+              <a:rPr lang="en-IN" dirty="0">
                 <a:solidFill>
                   <a:srgbClr val="FF0000"/>
                 </a:solidFill>
               </a:rPr>
-              <a:t>bottom right 50px 100px</a:t>
-            </a:r>
-            <a:r>
-              <a:rPr lang="en-IN" dirty="0" smtClean="0">
-                <a:solidFill>
-                  <a:srgbClr val="FF0000"/>
-                </a:solidFill>
-              </a:rPr>
-              <a:t>; </a:t>
-            </a:r>
-          </a:p>
-          <a:p>
-            <a:r>
-              <a:rPr lang="en-IN" dirty="0" smtClean="0"/>
+              <a:t>bottom right 50px 100px; </a:t>
+            </a:r>
+          </a:p>
+          <a:p>
+            <a:r>
+              <a:rPr lang="en-IN" dirty="0"/>
               <a:t>background-position: bottom 40px right 10px;</a:t>
             </a:r>
-            <a:endParaRPr lang="en-IN" dirty="0"/>
           </a:p>
         </p:txBody>
       </p:sp>
@@ -16415,10 +15570,9 @@
           <a:lstStyle/>
           <a:p>
             <a:r>
-              <a:rPr lang="en-US" dirty="0" smtClean="0"/>
+              <a:rPr lang="en-US" dirty="0"/>
               <a:t>Basic CSS rule syntax</a:t>
             </a:r>
-            <a:endParaRPr lang="en-US" dirty="0"/>
           </a:p>
         </p:txBody>
       </p:sp>
@@ -16444,15 +15598,7 @@
           <a:p>
             <a:r>
               <a:rPr lang="en-US" sz="2400" dirty="0"/>
-              <a:t>A</a:t>
-            </a:r>
-            <a:r>
-              <a:rPr lang="en-US" sz="2400" dirty="0" smtClean="0"/>
-              <a:t> </a:t>
-            </a:r>
-            <a:r>
-              <a:rPr lang="en-US" sz="2400" dirty="0"/>
-              <a:t>CSS file consists of one or more </a:t>
+              <a:t>A CSS file consists of one or more </a:t>
             </a:r>
             <a:r>
               <a:rPr lang="en-US" sz="2400" b="1" dirty="0"/>
@@ -16462,37 +15608,20 @@
           <a:p>
             <a:r>
               <a:rPr lang="en-US" sz="2400" dirty="0"/>
-              <a:t>E</a:t>
-            </a:r>
-            <a:r>
-              <a:rPr lang="en-US" sz="2400" dirty="0" smtClean="0"/>
-              <a:t>ach </a:t>
-            </a:r>
-            <a:r>
-              <a:rPr lang="en-US" sz="2400" dirty="0"/>
-              <a:t>rule starts with a </a:t>
+              <a:t>Each rule starts with a </a:t>
             </a:r>
             <a:r>
               <a:rPr lang="en-US" sz="2400" b="1" dirty="0"/>
               <a:t>selector </a:t>
             </a:r>
-            <a:endParaRPr lang="en-US" sz="2400" b="1" dirty="0" smtClean="0"/>
-          </a:p>
-          <a:p>
-            <a:r>
-              <a:rPr lang="en-US" sz="2400" dirty="0" smtClean="0"/>
-              <a:t>A selector specifies </a:t>
-            </a:r>
+          </a:p>
+          <a:p>
             <a:r>
               <a:rPr lang="en-US" sz="2400" dirty="0"/>
-              <a:t>an HTML element(s) and then applies </a:t>
-            </a:r>
-            <a:r>
-              <a:rPr lang="en-US" sz="2400" dirty="0" smtClean="0"/>
-              <a:t>style </a:t>
-            </a:r>
-            <a:r>
-              <a:rPr lang="en-US" sz="2400" b="1" dirty="0" smtClean="0"/>
+              <a:t>A selector specifies an HTML element(s) and then applies style </a:t>
+            </a:r>
+            <a:r>
+              <a:rPr lang="en-US" sz="2400" b="1" dirty="0"/>
               <a:t>properties </a:t>
             </a:r>
             <a:r>
@@ -16656,14 +15785,7 @@
                 <a:latin typeface="Courier New" pitchFamily="49" charset="0"/>
                 <a:cs typeface="Courier New" pitchFamily="49" charset="0"/>
               </a:rPr>
-              <a:t>p</a:t>
-            </a:r>
-            <a:r>
-              <a:rPr lang="en-US" i="1" dirty="0" smtClean="0">
-                <a:latin typeface="Courier New" pitchFamily="49" charset="0"/>
-                <a:cs typeface="Courier New" pitchFamily="49" charset="0"/>
-              </a:rPr>
-              <a:t>roperty: value;</a:t>
+              <a:t>property: value;</a:t>
             </a:r>
           </a:p>
           <a:p>
@@ -16675,14 +15797,14 @@
               <a:t>}</a:t>
             </a:r>
             <a:r>
-              <a:rPr lang="en-US" dirty="0" smtClean="0">
+              <a:rPr lang="en-US" dirty="0">
                 <a:latin typeface="Courier New" pitchFamily="49" charset="0"/>
                 <a:cs typeface="Courier New" pitchFamily="49" charset="0"/>
               </a:rPr>
               <a:t>								  </a:t>
             </a:r>
             <a:r>
-              <a:rPr lang="en-US" i="1" dirty="0" smtClean="0">
+              <a:rPr lang="en-US" i="1" dirty="0">
                 <a:solidFill>
                   <a:schemeClr val="tx1">
                     <a:lumMod val="50000"/>
@@ -16756,7 +15878,7 @@
           </a:p>
           <a:p>
             <a:r>
-              <a:rPr lang="en-US" dirty="0" smtClean="0">
+              <a:rPr lang="en-US" dirty="0">
                 <a:latin typeface="Courier New" pitchFamily="49" charset="0"/>
                 <a:cs typeface="Courier New" pitchFamily="49" charset="0"/>
               </a:rPr>
@@ -16765,7 +15887,7 @@
           </a:p>
           <a:p>
             <a:r>
-              <a:rPr lang="en-US" dirty="0" smtClean="0">
+              <a:rPr lang="en-US" dirty="0">
                 <a:latin typeface="Courier New" pitchFamily="49" charset="0"/>
                 <a:cs typeface="Courier New" pitchFamily="49" charset="0"/>
               </a:rPr>
@@ -16774,28 +15896,28 @@
           </a:p>
           <a:p>
             <a:r>
-              <a:rPr lang="en-US" dirty="0" smtClean="0">
+              <a:rPr lang="en-US" dirty="0">
                 <a:latin typeface="Courier New" pitchFamily="49" charset="0"/>
                 <a:cs typeface="Courier New" pitchFamily="49" charset="0"/>
               </a:rPr>
               <a:t>.</a:t>
             </a:r>
             <a:r>
-              <a:rPr lang="en-US" dirty="0" err="1" smtClean="0">
+              <a:rPr lang="en-US" dirty="0" err="1">
                 <a:latin typeface="Courier New" pitchFamily="49" charset="0"/>
                 <a:cs typeface="Courier New" pitchFamily="49" charset="0"/>
               </a:rPr>
               <a:t>abc</a:t>
             </a:r>
             <a:r>
-              <a:rPr lang="en-US" dirty="0" smtClean="0">
+              <a:rPr lang="en-US" dirty="0">
                 <a:latin typeface="Courier New" pitchFamily="49" charset="0"/>
                 <a:cs typeface="Courier New" pitchFamily="49" charset="0"/>
               </a:rPr>
               <a:t>{ }								  </a:t>
             </a:r>
             <a:r>
-              <a:rPr lang="en-US" i="1" dirty="0" smtClean="0">
+              <a:rPr lang="en-US" i="1" dirty="0">
                 <a:solidFill>
                   <a:schemeClr val="tx1">
                     <a:lumMod val="50000"/>
@@ -16813,20 +15935,13 @@
     </p:spTree>
     <p:extLst>
       <p:ext uri="{BB962C8B-B14F-4D97-AF65-F5344CB8AC3E}">
-        <p14:creationId xmlns="" xmlns:p14="http://schemas.microsoft.com/office/powerpoint/2010/main" val="2985965549"/>
+        <p14:creationId xmlns:p14="http://schemas.microsoft.com/office/powerpoint/2010/main" val="2985965549"/>
       </p:ext>
     </p:extLst>
   </p:cSld>
   <p:clrMapOvr>
     <a:masterClrMapping/>
   </p:clrMapOvr>
-  <p:timing>
-    <p:tnLst>
-      <p:par>
-        <p:cTn id="1" dur="indefinite" restart="never" nodeType="tmRoot"/>
-      </p:par>
-    </p:tnLst>
-  </p:timing>
 </p:sld>
 </file>
 
@@ -16863,14 +15978,9 @@
           <a:lstStyle/>
           <a:p>
             <a:r>
-              <a:rPr lang="en-IN" dirty="0" smtClean="0"/>
-              <a:t>b</a:t>
-            </a:r>
-            <a:r>
-              <a:rPr lang="en-IN" dirty="0" smtClean="0"/>
-              <a:t>ackground-size</a:t>
-            </a:r>
-            <a:endParaRPr lang="en-IN" dirty="0"/>
+              <a:rPr lang="en-IN" dirty="0"/>
+              <a:t>background-size</a:t>
+            </a:r>
           </a:p>
         </p:txBody>
       </p:sp>
@@ -16890,68 +16000,44 @@
           <a:lstStyle/>
           <a:p>
             <a:r>
-              <a:rPr lang="en-IN" dirty="0" smtClean="0"/>
-              <a:t>background-size: contain</a:t>
-            </a:r>
-            <a:r>
-              <a:rPr lang="en-IN" dirty="0" smtClean="0"/>
-              <a:t>;</a:t>
-            </a:r>
-          </a:p>
-          <a:p>
-            <a:r>
-              <a:rPr lang="en-IN" dirty="0" smtClean="0"/>
-              <a:t>background-size: cover</a:t>
-            </a:r>
-            <a:r>
-              <a:rPr lang="en-IN" dirty="0" smtClean="0"/>
-              <a:t>;</a:t>
-            </a:r>
-          </a:p>
-          <a:p>
-            <a:r>
-              <a:rPr lang="en-IN" dirty="0" smtClean="0"/>
-              <a:t>background-size: 50%; </a:t>
-            </a:r>
-            <a:r>
-              <a:rPr lang="en-IN" dirty="0" smtClean="0"/>
-              <a:t> </a:t>
-            </a:r>
-            <a:r>
-              <a:rPr lang="en-IN" dirty="0" smtClean="0">
+              <a:rPr lang="en-IN" dirty="0"/>
+              <a:t>background-size: contain;</a:t>
+            </a:r>
+          </a:p>
+          <a:p>
+            <a:r>
+              <a:rPr lang="en-IN" dirty="0"/>
+              <a:t>background-size: cover;</a:t>
+            </a:r>
+          </a:p>
+          <a:p>
+            <a:r>
+              <a:rPr lang="en-IN" dirty="0"/>
+              <a:t>background-size: 50%;  </a:t>
+            </a:r>
+            <a:r>
+              <a:rPr lang="en-IN" dirty="0">
                 <a:solidFill>
                   <a:srgbClr val="FF0000"/>
                 </a:solidFill>
               </a:rPr>
               <a:t>width is 50%,height is auto</a:t>
             </a:r>
-            <a:r>
-              <a:rPr lang="en-IN" dirty="0" smtClean="0"/>
-              <a:t/>
-            </a:r>
             <a:br>
-              <a:rPr lang="en-IN" dirty="0" smtClean="0"/>
+              <a:rPr lang="en-IN" dirty="0"/>
             </a:br>
             <a:r>
-              <a:rPr lang="en-IN" dirty="0" smtClean="0"/>
-              <a:t>background-size: auto</a:t>
-            </a:r>
-            <a:r>
-              <a:rPr lang="en-IN" dirty="0" smtClean="0"/>
-              <a:t>;</a:t>
-            </a:r>
-          </a:p>
-          <a:p>
-            <a:r>
-              <a:rPr lang="en-IN" dirty="0" smtClean="0"/>
-              <a:t>background-size: auto 6px</a:t>
-            </a:r>
-            <a:r>
-              <a:rPr lang="en-IN" dirty="0" smtClean="0"/>
-              <a:t>;  </a:t>
-            </a:r>
-            <a:r>
-              <a:rPr lang="en-IN" dirty="0" smtClean="0">
+              <a:rPr lang="en-IN" dirty="0"/>
+              <a:t>background-size: auto;</a:t>
+            </a:r>
+          </a:p>
+          <a:p>
+            <a:r>
+              <a:rPr lang="en-IN" dirty="0"/>
+              <a:t>background-size: auto 6px;  </a:t>
+            </a:r>
+            <a:r>
+              <a:rPr lang="en-IN" dirty="0">
                 <a:solidFill>
                   <a:srgbClr val="FF0000"/>
                 </a:solidFill>
@@ -16959,7 +16045,7 @@
               <a:t>width </a:t>
             </a:r>
             <a:r>
-              <a:rPr lang="en-IN" dirty="0" err="1" smtClean="0">
+              <a:rPr lang="en-IN" dirty="0" err="1">
                 <a:solidFill>
                   <a:srgbClr val="FF0000"/>
                 </a:solidFill>
@@ -16967,7 +16053,7 @@
               <a:t>auto,height</a:t>
             </a:r>
             <a:r>
-              <a:rPr lang="en-IN" dirty="0" smtClean="0">
+              <a:rPr lang="en-IN" dirty="0">
                 <a:solidFill>
                   <a:srgbClr val="FF0000"/>
                 </a:solidFill>
@@ -16977,26 +16063,17 @@
           </a:p>
           <a:p>
             <a:r>
-              <a:rPr lang="en-IN" dirty="0" smtClean="0"/>
-              <a:t>background-size: 6px, auto, contain</a:t>
-            </a:r>
-            <a:r>
-              <a:rPr lang="en-IN" dirty="0" smtClean="0"/>
-              <a:t>; </a:t>
-            </a:r>
-            <a:r>
-              <a:rPr lang="en-IN" dirty="0" smtClean="0">
+              <a:rPr lang="en-IN" dirty="0"/>
+              <a:t>background-size: 6px, auto, contain; </a:t>
+            </a:r>
+            <a:r>
+              <a:rPr lang="en-IN" dirty="0">
                 <a:solidFill>
                   <a:srgbClr val="FF0000"/>
                 </a:solidFill>
               </a:rPr>
               <a:t>for multiple backgrounds</a:t>
             </a:r>
-            <a:endParaRPr lang="en-IN" dirty="0">
-              <a:solidFill>
-                <a:srgbClr val="FF0000"/>
-              </a:solidFill>
-            </a:endParaRPr>
           </a:p>
         </p:txBody>
       </p:sp>
@@ -17067,99 +16144,89 @@
           <a:lstStyle/>
           <a:p>
             <a:r>
-              <a:rPr lang="en-IN" dirty="0" smtClean="0"/>
+              <a:rPr lang="en-IN" dirty="0"/>
               <a:t>border</a:t>
             </a:r>
+          </a:p>
+        </p:txBody>
+      </p:sp>
+      <p:sp>
+        <p:nvSpPr>
+          <p:cNvPr id="3" name="Content Placeholder 2"/>
+          <p:cNvSpPr>
+            <a:spLocks noGrp="1"/>
+          </p:cNvSpPr>
+          <p:nvPr>
+            <p:ph sz="quarter" idx="1"/>
+          </p:nvPr>
+        </p:nvSpPr>
+        <p:spPr/>
+        <p:txBody>
+          <a:bodyPr/>
+          <a:lstStyle/>
+          <a:p>
+            <a:r>
+              <a:rPr lang="en-IN" dirty="0"/>
+              <a:t>Border-style: solid, dashed, dotted, double, none, hidden</a:t>
+            </a:r>
+          </a:p>
+          <a:p>
+            <a:r>
+              <a:rPr lang="en-IN" dirty="0"/>
+              <a:t>Border-</a:t>
+            </a:r>
+            <a:r>
+              <a:rPr lang="en-IN" dirty="0" err="1"/>
+              <a:t>color</a:t>
+            </a:r>
+            <a:r>
+              <a:rPr lang="en-IN" dirty="0"/>
+              <a:t>: name, </a:t>
+            </a:r>
+            <a:r>
+              <a:rPr lang="en-IN" dirty="0" err="1"/>
+              <a:t>rgb,hsl,hex</a:t>
+            </a:r>
             <a:endParaRPr lang="en-IN" dirty="0"/>
           </a:p>
-        </p:txBody>
-      </p:sp>
-      <p:sp>
-        <p:nvSpPr>
-          <p:cNvPr id="3" name="Content Placeholder 2"/>
-          <p:cNvSpPr>
-            <a:spLocks noGrp="1"/>
-          </p:cNvSpPr>
-          <p:nvPr>
-            <p:ph sz="quarter" idx="1"/>
-          </p:nvPr>
-        </p:nvSpPr>
-        <p:spPr/>
-        <p:txBody>
-          <a:bodyPr/>
-          <a:lstStyle/>
-          <a:p>
-            <a:r>
-              <a:rPr lang="en-IN" dirty="0" smtClean="0"/>
-              <a:t>Border-style: solid, dashed, dotted, double, none, hidden</a:t>
-            </a:r>
-          </a:p>
-          <a:p>
-            <a:r>
-              <a:rPr lang="en-IN" dirty="0" smtClean="0"/>
-              <a:t>Border-</a:t>
-            </a:r>
-            <a:r>
-              <a:rPr lang="en-IN" dirty="0" err="1" smtClean="0"/>
-              <a:t>color</a:t>
-            </a:r>
-            <a:r>
-              <a:rPr lang="en-IN" dirty="0" smtClean="0"/>
-              <a:t>: name, </a:t>
-            </a:r>
-            <a:r>
-              <a:rPr lang="en-IN" dirty="0" err="1" smtClean="0"/>
-              <a:t>rgb,hsl,hex</a:t>
-            </a:r>
-            <a:endParaRPr lang="en-IN" dirty="0" smtClean="0"/>
-          </a:p>
-          <a:p>
-            <a:r>
-              <a:rPr lang="en-IN" dirty="0" smtClean="0"/>
+          <a:p>
+            <a:r>
+              <a:rPr lang="en-IN" dirty="0"/>
               <a:t>Border-width: The width can be set as a specific size (in </a:t>
             </a:r>
             <a:r>
-              <a:rPr lang="en-IN" dirty="0" err="1" smtClean="0"/>
+              <a:rPr lang="en-IN" dirty="0" err="1"/>
               <a:t>px</a:t>
             </a:r>
             <a:r>
-              <a:rPr lang="en-IN" dirty="0" smtClean="0"/>
+              <a:rPr lang="en-IN" dirty="0"/>
               <a:t>, pt, cm, </a:t>
             </a:r>
             <a:r>
-              <a:rPr lang="en-IN" dirty="0" err="1" smtClean="0"/>
+              <a:rPr lang="en-IN" dirty="0" err="1"/>
               <a:t>em</a:t>
             </a:r>
             <a:r>
-              <a:rPr lang="en-IN" dirty="0" smtClean="0"/>
+              <a:rPr lang="en-IN" dirty="0"/>
               <a:t>, etc) or by using one of the three pre-defined values: thin, medium, or thick:</a:t>
             </a:r>
           </a:p>
           <a:p>
             <a:r>
-              <a:rPr lang="en-IN" dirty="0" smtClean="0"/>
-              <a:t>Border-collapse: </a:t>
-            </a:r>
-            <a:r>
-              <a:rPr lang="en-IN" dirty="0" smtClean="0"/>
-              <a:t>used in &lt;table when we want cells to share or separate their borders. values are </a:t>
-            </a:r>
-            <a:r>
-              <a:rPr lang="en-IN" dirty="0" err="1" smtClean="0"/>
+              <a:rPr lang="en-IN" dirty="0"/>
+              <a:t>Border-collapse: used in &lt;table when we want cells to share or separate their borders. values are </a:t>
+            </a:r>
+            <a:r>
+              <a:rPr lang="en-IN" dirty="0" err="1"/>
               <a:t>collapse,separate</a:t>
             </a:r>
-            <a:endParaRPr lang="en-IN" dirty="0" smtClean="0"/>
-          </a:p>
-          <a:p>
-            <a:r>
-              <a:rPr lang="en-IN" dirty="0" smtClean="0"/>
-              <a:t>Border-spacing: </a:t>
-            </a:r>
-            <a:r>
-              <a:rPr lang="en-IN" dirty="0" smtClean="0"/>
-              <a:t>sets the distance between the borders of adjacent &lt;table&gt; cells</a:t>
-            </a:r>
-            <a:endParaRPr lang="en-IN" dirty="0" smtClean="0"/>
+            <a:endParaRPr lang="en-IN" dirty="0"/>
+          </a:p>
+          <a:p>
+            <a:r>
+              <a:rPr lang="en-IN" dirty="0"/>
+              <a:t>Border-spacing: sets the distance between the borders of adjacent &lt;table&gt; cells</a:t>
+            </a:r>
           </a:p>
           <a:p>
             <a:endParaRPr lang="en-IN" dirty="0"/>
@@ -17197,13 +16264,6 @@
   <p:clrMapOvr>
     <a:masterClrMapping/>
   </p:clrMapOvr>
-  <p:timing>
-    <p:tnLst>
-      <p:par>
-        <p:cTn id="1" dur="indefinite" restart="never" nodeType="tmRoot"/>
-      </p:par>
-    </p:tnLst>
-  </p:timing>
 </p:sld>
 </file>
 
@@ -17240,10 +16300,9 @@
           <a:lstStyle/>
           <a:p>
             <a:r>
-              <a:rPr lang="en-IN" dirty="0" smtClean="0"/>
+              <a:rPr lang="en-IN" dirty="0"/>
               <a:t>Guess the output</a:t>
             </a:r>
-            <a:endParaRPr lang="en-IN" dirty="0"/>
           </a:p>
         </p:txBody>
       </p:sp>
@@ -17263,70 +16322,46 @@
           <a:lstStyle/>
           <a:p>
             <a:r>
-              <a:rPr lang="en-IN" dirty="0" smtClean="0"/>
-              <a:t>border-style: dashed solid</a:t>
-            </a:r>
-            <a:r>
-              <a:rPr lang="en-IN" dirty="0" smtClean="0"/>
-              <a:t>;</a:t>
-            </a:r>
-          </a:p>
-          <a:p>
-            <a:r>
-              <a:rPr lang="en-IN" dirty="0" smtClean="0"/>
-              <a:t>border-style: dashed double none</a:t>
-            </a:r>
-            <a:r>
-              <a:rPr lang="en-IN" dirty="0" smtClean="0"/>
-              <a:t>;</a:t>
-            </a:r>
-          </a:p>
-          <a:p>
-            <a:r>
-              <a:rPr lang="en-IN" dirty="0" smtClean="0"/>
-              <a:t>border-style: dashed groove double none</a:t>
-            </a:r>
-            <a:r>
-              <a:rPr lang="en-IN" dirty="0" smtClean="0"/>
-              <a:t>;</a:t>
-            </a:r>
-          </a:p>
-          <a:p>
-            <a:r>
-              <a:rPr lang="en-IN" dirty="0" smtClean="0"/>
-              <a:t>border-top: thick double #32a1ce</a:t>
-            </a:r>
-            <a:r>
-              <a:rPr lang="en-IN" dirty="0" smtClean="0"/>
-              <a:t>;</a:t>
-            </a:r>
-          </a:p>
-          <a:p>
-            <a:r>
-              <a:rPr lang="en-IN" dirty="0" smtClean="0"/>
-              <a:t>border-top: none thick #32a1ce</a:t>
-            </a:r>
-            <a:r>
-              <a:rPr lang="en-IN" dirty="0" smtClean="0"/>
-              <a:t>;</a:t>
-            </a:r>
-          </a:p>
-          <a:p>
-            <a:r>
-              <a:rPr lang="en-IN" dirty="0" smtClean="0"/>
+              <a:rPr lang="en-IN" dirty="0"/>
+              <a:t>border-style: dashed solid;</a:t>
+            </a:r>
+          </a:p>
+          <a:p>
+            <a:r>
+              <a:rPr lang="en-IN" dirty="0"/>
+              <a:t>border-style: dashed double none;</a:t>
+            </a:r>
+          </a:p>
+          <a:p>
+            <a:r>
+              <a:rPr lang="en-IN" dirty="0"/>
+              <a:t>border-style: dashed groove double none;</a:t>
+            </a:r>
+          </a:p>
+          <a:p>
+            <a:r>
+              <a:rPr lang="en-IN" dirty="0"/>
+              <a:t>border-top: thick double #32a1ce;</a:t>
+            </a:r>
+          </a:p>
+          <a:p>
+            <a:r>
+              <a:rPr lang="en-IN" dirty="0"/>
+              <a:t>border-top: none thick #32a1ce;</a:t>
+            </a:r>
+          </a:p>
+          <a:p>
+            <a:r>
+              <a:rPr lang="en-IN" dirty="0"/>
               <a:t>box-shadow: 10px 5px </a:t>
             </a:r>
             <a:r>
-              <a:rPr lang="en-IN" dirty="0" err="1" smtClean="0"/>
+              <a:rPr lang="en-IN" dirty="0" err="1"/>
               <a:t>5px</a:t>
             </a:r>
             <a:r>
-              <a:rPr lang="en-IN" dirty="0" smtClean="0"/>
-              <a:t> red</a:t>
-            </a:r>
-            <a:r>
-              <a:rPr lang="en-IN" dirty="0" smtClean="0"/>
-              <a:t>;</a:t>
+              <a:rPr lang="en-IN" dirty="0"/>
+              <a:t> red;</a:t>
             </a:r>
           </a:p>
           <a:p>
@@ -17334,10 +16369,10 @@
               <a:buNone/>
             </a:pPr>
             <a:r>
-              <a:rPr lang="en-IN" dirty="0" err="1" smtClean="0"/>
+              <a:rPr lang="en-IN" dirty="0" err="1"/>
               <a:t>Specifies:offset-x,offset-y,blur,color</a:t>
             </a:r>
-            <a:endParaRPr lang="en-IN" dirty="0" smtClean="0"/>
+            <a:endParaRPr lang="en-IN" dirty="0"/>
           </a:p>
           <a:p>
             <a:endParaRPr lang="en-IN" dirty="0"/>
@@ -17439,17 +16474,13 @@
           <a:p>
             <a:r>
               <a:rPr lang="en-US" sz="2400" dirty="0"/>
-              <a:t>T</a:t>
-            </a:r>
-            <a:r>
-              <a:rPr lang="en-US" sz="2400" dirty="0" smtClean="0"/>
-              <a:t>he link tag, placed in the HTML page's head section, can specify an icon</a:t>
+              <a:t>The link tag, placed in the HTML page's head section, can specify an icon</a:t>
             </a:r>
           </a:p>
           <a:p>
             <a:pPr lvl="1"/>
             <a:r>
-              <a:rPr lang="en-US" sz="2000" dirty="0" smtClean="0"/>
+              <a:rPr lang="en-US" sz="2000" dirty="0"/>
               <a:t>this icon will be placed in the browser title bar and bookmark/favorite</a:t>
             </a:r>
             <a:endParaRPr lang="en-US" sz="1050" dirty="0"/>
@@ -17574,31 +16605,10 @@
                 <a:latin typeface="Courier New" pitchFamily="49" charset="0"/>
                 <a:cs typeface="Courier New" pitchFamily="49" charset="0"/>
               </a:rPr>
-              <a:t>="shortcut icon" /&gt; </a:t>
-            </a:r>
-            <a:r>
-              <a:rPr lang="en-US" dirty="0" smtClean="0">
-                <a:latin typeface="Courier New" pitchFamily="49" charset="0"/>
-                <a:cs typeface="Courier New" pitchFamily="49" charset="0"/>
-              </a:rPr>
-              <a:t>						</a:t>
-            </a:r>
-            <a:r>
-              <a:rPr lang="en-US" dirty="0">
-                <a:latin typeface="Courier New" pitchFamily="49" charset="0"/>
-                <a:cs typeface="Courier New" pitchFamily="49" charset="0"/>
-              </a:rPr>
-              <a:t> </a:t>
-            </a:r>
-            <a:r>
-              <a:rPr lang="en-US" dirty="0" smtClean="0">
-                <a:latin typeface="Courier New" pitchFamily="49" charset="0"/>
-                <a:cs typeface="Courier New" pitchFamily="49" charset="0"/>
-              </a:rPr>
-              <a:t>             </a:t>
-            </a:r>
-            <a:r>
-              <a:rPr lang="en-US" i="1" dirty="0" smtClean="0">
+              <a:t>="shortcut icon" /&gt; 						              </a:t>
+            </a:r>
+            <a:r>
+              <a:rPr lang="en-US" i="1" dirty="0">
                 <a:solidFill>
                   <a:schemeClr val="tx1">
                     <a:lumMod val="50000"/>
@@ -17678,17 +16688,10 @@
                 <a:latin typeface="Courier New" pitchFamily="49" charset="0"/>
                 <a:cs typeface="Courier New" pitchFamily="49" charset="0"/>
               </a:rPr>
-              <a:t>="shortcut icon" /&gt; </a:t>
-            </a:r>
-            <a:r>
-              <a:rPr lang="en-US" dirty="0" smtClean="0">
-                <a:latin typeface="Courier New" pitchFamily="49" charset="0"/>
-                <a:cs typeface="Courier New" pitchFamily="49" charset="0"/>
-              </a:rPr>
-              <a:t>			  								 				 </a:t>
-            </a:r>
-            <a:r>
-              <a:rPr lang="en-US" i="1" dirty="0" smtClean="0">
+              <a:t>="shortcut icon" /&gt; 			  								 				 </a:t>
+            </a:r>
+            <a:r>
+              <a:rPr lang="en-US" i="1" dirty="0">
                 <a:solidFill>
                   <a:schemeClr val="tx1">
                     <a:lumMod val="50000"/>
@@ -17715,7 +16718,7 @@
           <a:blip r:embed="rId3" cstate="print">
             <a:extLst>
               <a:ext uri="{28A0092B-C50C-407E-A947-70E740481C1C}">
-                <a14:useLocalDpi xmlns="" xmlns:a14="http://schemas.microsoft.com/office/drawing/2010/main" val="0"/>
+                <a14:useLocalDpi xmlns:a14="http://schemas.microsoft.com/office/drawing/2010/main" val="0"/>
               </a:ext>
             </a:extLst>
           </a:blip>
@@ -17739,14 +16742,14 @@
           <a:effectLst/>
           <a:extLst>
             <a:ext uri="{909E8E84-426E-40DD-AFC4-6F175D3DCCD1}">
-              <a14:hiddenFill xmlns="" xmlns:a14="http://schemas.microsoft.com/office/drawing/2010/main">
+              <a14:hiddenFill xmlns:a14="http://schemas.microsoft.com/office/drawing/2010/main">
                 <a:solidFill>
                   <a:schemeClr val="accent1"/>
                 </a:solidFill>
               </a14:hiddenFill>
             </a:ext>
             <a:ext uri="{91240B29-F687-4F45-9708-019B960494DF}">
-              <a14:hiddenLine xmlns="" xmlns:a14="http://schemas.microsoft.com/office/drawing/2010/main" w="9525">
+              <a14:hiddenLine xmlns:a14="http://schemas.microsoft.com/office/drawing/2010/main" w="9525">
                 <a:solidFill>
                   <a:schemeClr val="tx1"/>
                 </a:solidFill>
@@ -17756,7 +16759,7 @@
               </a14:hiddenLine>
             </a:ext>
             <a:ext uri="{AF507438-7753-43E0-B8FC-AC1667EBCBE1}">
-              <a14:hiddenEffects xmlns="" xmlns:a14="http://schemas.microsoft.com/office/drawing/2010/main">
+              <a14:hiddenEffects xmlns:a14="http://schemas.microsoft.com/office/drawing/2010/main">
                 <a:effectLst>
                   <a:outerShdw dist="35921" dir="2700000" algn="ctr" rotWithShape="0">
                     <a:schemeClr val="bg2"/>
@@ -17770,20 +16773,13 @@
     </p:spTree>
     <p:extLst>
       <p:ext uri="{BB962C8B-B14F-4D97-AF65-F5344CB8AC3E}">
-        <p14:creationId xmlns="" xmlns:p14="http://schemas.microsoft.com/office/powerpoint/2010/main" val="2467890007"/>
+        <p14:creationId xmlns:p14="http://schemas.microsoft.com/office/powerpoint/2010/main" val="2467890007"/>
       </p:ext>
     </p:extLst>
   </p:cSld>
   <p:clrMapOvr>
     <a:masterClrMapping/>
   </p:clrMapOvr>
-  <p:timing>
-    <p:tnLst>
-      <p:par>
-        <p:cTn id="1" dur="indefinite" restart="never" nodeType="tmRoot"/>
-      </p:par>
-    </p:tnLst>
-  </p:timing>
 </p:sld>
 </file>
 
@@ -17820,70 +16816,64 @@
           <a:lstStyle/>
           <a:p>
             <a:r>
-              <a:rPr lang="en-IN" dirty="0" smtClean="0"/>
+              <a:rPr lang="en-IN" dirty="0"/>
               <a:t>Margin</a:t>
             </a:r>
+          </a:p>
+        </p:txBody>
+      </p:sp>
+      <p:sp>
+        <p:nvSpPr>
+          <p:cNvPr id="3" name="Content Placeholder 2"/>
+          <p:cNvSpPr>
+            <a:spLocks noGrp="1"/>
+          </p:cNvSpPr>
+          <p:nvPr>
+            <p:ph sz="quarter" idx="1"/>
+          </p:nvPr>
+        </p:nvSpPr>
+        <p:spPr/>
+        <p:txBody>
+          <a:bodyPr/>
+          <a:lstStyle/>
+          <a:p>
+            <a:r>
+              <a:rPr lang="en-IN" dirty="0"/>
+              <a:t>create space around elements, outside of any defined borders.</a:t>
+            </a:r>
+          </a:p>
+          <a:p>
+            <a:r>
+              <a:rPr lang="en-IN" dirty="0"/>
+              <a:t>margin-top: auto or % or length or inherit</a:t>
+            </a:r>
+          </a:p>
+          <a:p>
+            <a:r>
+              <a:rPr lang="en-IN" dirty="0"/>
+              <a:t>margin-right</a:t>
+            </a:r>
+          </a:p>
+          <a:p>
+            <a:r>
+              <a:rPr lang="en-IN" dirty="0"/>
+              <a:t>margin-bottom</a:t>
+            </a:r>
+          </a:p>
+          <a:p>
+            <a:r>
+              <a:rPr lang="en-IN" dirty="0"/>
+              <a:t>margin-left</a:t>
+            </a:r>
+          </a:p>
+          <a:p>
+            <a:r>
+              <a:rPr lang="en-IN" dirty="0"/>
+              <a:t>Guess the output?</a:t>
+            </a:r>
+          </a:p>
+          <a:p>
             <a:endParaRPr lang="en-IN" dirty="0"/>
-          </a:p>
-        </p:txBody>
-      </p:sp>
-      <p:sp>
-        <p:nvSpPr>
-          <p:cNvPr id="3" name="Content Placeholder 2"/>
-          <p:cNvSpPr>
-            <a:spLocks noGrp="1"/>
-          </p:cNvSpPr>
-          <p:nvPr>
-            <p:ph sz="quarter" idx="1"/>
-          </p:nvPr>
-        </p:nvSpPr>
-        <p:spPr/>
-        <p:txBody>
-          <a:bodyPr/>
-          <a:lstStyle/>
-          <a:p>
-            <a:r>
-              <a:rPr lang="en-IN" dirty="0" smtClean="0"/>
-              <a:t>create space around elements, outside of any defined borders</a:t>
-            </a:r>
-            <a:r>
-              <a:rPr lang="en-IN" dirty="0" smtClean="0"/>
-              <a:t>.</a:t>
-            </a:r>
-          </a:p>
-          <a:p>
-            <a:r>
-              <a:rPr lang="en-IN" dirty="0" smtClean="0"/>
-              <a:t>margin-top: auto or % or length or inherit</a:t>
-            </a:r>
-            <a:endParaRPr lang="en-IN" dirty="0" smtClean="0"/>
-          </a:p>
-          <a:p>
-            <a:r>
-              <a:rPr lang="en-IN" dirty="0" smtClean="0"/>
-              <a:t>margin-right</a:t>
-            </a:r>
-          </a:p>
-          <a:p>
-            <a:r>
-              <a:rPr lang="en-IN" dirty="0" smtClean="0"/>
-              <a:t>margin-bottom</a:t>
-            </a:r>
-          </a:p>
-          <a:p>
-            <a:r>
-              <a:rPr lang="en-IN" dirty="0" smtClean="0"/>
-              <a:t>margin-left</a:t>
-            </a:r>
-          </a:p>
-          <a:p>
-            <a:r>
-              <a:rPr lang="en-IN" dirty="0" smtClean="0"/>
-              <a:t>Guess the output?</a:t>
-            </a:r>
-          </a:p>
-          <a:p>
-            <a:endParaRPr lang="en-IN" dirty="0" smtClean="0"/>
           </a:p>
           <a:p>
             <a:endParaRPr lang="en-IN" dirty="0"/>
@@ -17962,109 +16952,60 @@
           <a:lstStyle/>
           <a:p>
             <a:r>
-              <a:rPr lang="en-US" b="1" dirty="0" smtClean="0"/>
+              <a:rPr lang="en-US" b="1" dirty="0"/>
               <a:t>margin: 25px;</a:t>
             </a:r>
           </a:p>
           <a:p>
-            <a:endParaRPr lang="en-US" dirty="0" smtClean="0"/>
+            <a:endParaRPr lang="en-US" dirty="0"/>
           </a:p>
           <a:p>
             <a:pPr>
               <a:buNone/>
             </a:pPr>
             <a:r>
-              <a:rPr lang="en-US" dirty="0" smtClean="0"/>
-              <a:t>    p { margin</a:t>
-            </a:r>
-            <a:r>
-              <a:rPr lang="en-US" dirty="0" smtClean="0"/>
-              <a:t>: 25px </a:t>
-            </a:r>
-            <a:r>
-              <a:rPr lang="en-US" dirty="0" smtClean="0"/>
-              <a:t>50px;  } </a:t>
-            </a:r>
-          </a:p>
-          <a:p>
-            <a:endParaRPr lang="en-US" dirty="0" smtClean="0"/>
-          </a:p>
-          <a:p>
-            <a:r>
-              <a:rPr lang="en-US" dirty="0" smtClean="0"/>
+              <a:rPr lang="en-US" dirty="0"/>
+              <a:t>    p { margin: 25px 50px;  } </a:t>
+            </a:r>
+          </a:p>
+          <a:p>
+            <a:endParaRPr lang="en-US" dirty="0"/>
+          </a:p>
+          <a:p>
+            <a:r>
+              <a:rPr lang="en-US" dirty="0"/>
               <a:t>p {  margin: 25px 50px 75px; } </a:t>
             </a:r>
           </a:p>
           <a:p>
-            <a:endParaRPr lang="en-US" b="1" dirty="0" smtClean="0"/>
-          </a:p>
-          <a:p>
-            <a:r>
-              <a:rPr lang="en-US" dirty="0" smtClean="0"/>
-              <a:t>div </a:t>
-            </a:r>
-            <a:r>
-              <a:rPr lang="en-US" dirty="0" smtClean="0"/>
-              <a:t>{   margin</a:t>
-            </a:r>
-            <a:r>
-              <a:rPr lang="en-US" dirty="0" smtClean="0"/>
-              <a:t>: auto</a:t>
-            </a:r>
-            <a:r>
-              <a:rPr lang="en-US" dirty="0" smtClean="0"/>
-              <a:t>;} </a:t>
-            </a:r>
-          </a:p>
-          <a:p>
-            <a:endParaRPr lang="en-US" dirty="0" smtClean="0"/>
-          </a:p>
-          <a:p>
-            <a:r>
-              <a:rPr lang="en-US" dirty="0" smtClean="0"/>
-              <a:t>div </a:t>
-            </a:r>
-            <a:r>
-              <a:rPr lang="en-US" dirty="0" smtClean="0"/>
-              <a:t>{ margin-left</a:t>
-            </a:r>
-            <a:r>
-              <a:rPr lang="en-US" dirty="0" smtClean="0"/>
-              <a:t>: 100px</a:t>
-            </a:r>
-            <a:r>
-              <a:rPr lang="en-US" dirty="0" smtClean="0"/>
-              <a:t>; }</a:t>
-            </a:r>
-          </a:p>
-          <a:p>
-            <a:r>
-              <a:rPr lang="en-US" dirty="0" smtClean="0"/>
-              <a:t>div { margin-left: </a:t>
-            </a:r>
-            <a:r>
-              <a:rPr lang="en-US" dirty="0" smtClean="0"/>
-              <a:t>100px 0; </a:t>
-            </a:r>
-            <a:r>
-              <a:rPr lang="en-US" dirty="0" smtClean="0"/>
-              <a:t>}</a:t>
-            </a:r>
-          </a:p>
-          <a:p>
-            <a:r>
-              <a:rPr lang="en-US" dirty="0" smtClean="0"/>
-              <a:t>p.ex1 { margin-left</a:t>
-            </a:r>
-            <a:r>
-              <a:rPr lang="en-US" dirty="0" smtClean="0"/>
-              <a:t>: inherit</a:t>
-            </a:r>
-            <a:r>
-              <a:rPr lang="en-US" dirty="0" smtClean="0"/>
-              <a:t>;} </a:t>
-            </a:r>
-            <a:endParaRPr lang="en-US" dirty="0" smtClean="0"/>
+            <a:endParaRPr lang="en-US" b="1" dirty="0"/>
+          </a:p>
+          <a:p>
+            <a:r>
+              <a:rPr lang="en-US" dirty="0"/>
+              <a:t>div {   margin: auto;} </a:t>
+            </a:r>
+          </a:p>
+          <a:p>
+            <a:endParaRPr lang="en-US" dirty="0"/>
+          </a:p>
+          <a:p>
+            <a:r>
+              <a:rPr lang="en-US" dirty="0"/>
+              <a:t>div { margin-left: 100px; }</a:t>
+            </a:r>
+          </a:p>
+          <a:p>
+            <a:r>
+              <a:rPr lang="en-US" dirty="0"/>
+              <a:t>div { margin-left: 100px 0; }</a:t>
+            </a:r>
+          </a:p>
+          <a:p>
+            <a:r>
+              <a:rPr lang="en-US" dirty="0"/>
+              <a:t>p.ex1 { margin-left: inherit;} </a:t>
+            </a:r>
           </a:p>
           <a:p>
             <a:endParaRPr lang="en-IN" dirty="0"/>
@@ -18138,10 +17079,9 @@
           <a:lstStyle/>
           <a:p>
             <a:r>
-              <a:rPr lang="en-IN" dirty="0" smtClean="0"/>
+              <a:rPr lang="en-IN" dirty="0"/>
               <a:t>Padding</a:t>
             </a:r>
-            <a:endParaRPr lang="en-IN" dirty="0"/>
           </a:p>
         </p:txBody>
       </p:sp>
@@ -18161,34 +17101,33 @@
           <a:lstStyle/>
           <a:p>
             <a:r>
-              <a:rPr lang="en-IN" dirty="0" smtClean="0"/>
+              <a:rPr lang="en-IN" dirty="0"/>
               <a:t>padding-top</a:t>
             </a:r>
           </a:p>
           <a:p>
             <a:r>
-              <a:rPr lang="en-IN" dirty="0" smtClean="0"/>
+              <a:rPr lang="en-IN" dirty="0"/>
               <a:t>padding-right</a:t>
             </a:r>
           </a:p>
           <a:p>
             <a:r>
-              <a:rPr lang="en-IN" dirty="0" smtClean="0"/>
+              <a:rPr lang="en-IN" dirty="0"/>
               <a:t>padding-bottom</a:t>
             </a:r>
           </a:p>
           <a:p>
             <a:r>
-              <a:rPr lang="en-IN" dirty="0" smtClean="0"/>
+              <a:rPr lang="en-IN" dirty="0"/>
               <a:t>padding-left</a:t>
             </a:r>
           </a:p>
           <a:p>
             <a:r>
-              <a:rPr lang="en-IN" dirty="0" smtClean="0"/>
+              <a:rPr lang="en-IN" dirty="0"/>
               <a:t>space around an element's content, inside of any defined borders.</a:t>
             </a:r>
-            <a:endParaRPr lang="en-IN" dirty="0"/>
           </a:p>
         </p:txBody>
       </p:sp>
@@ -18255,95 +17194,57 @@
         </p:nvSpPr>
         <p:spPr/>
         <p:txBody>
+          <a:bodyPr>
+            <a:normAutofit/>
+          </a:bodyPr>
+          <a:lstStyle/>
+          <a:p>
+            <a:r>
+              <a:rPr lang="en-IN" dirty="0"/>
+              <a:t>CSS Box Model</a:t>
+            </a:r>
+          </a:p>
+        </p:txBody>
+      </p:sp>
+      <p:sp>
+        <p:nvSpPr>
+          <p:cNvPr id="3" name="Content Placeholder 2"/>
+          <p:cNvSpPr>
+            <a:spLocks noGrp="1"/>
+          </p:cNvSpPr>
+          <p:nvPr>
+            <p:ph sz="quarter" idx="1"/>
+          </p:nvPr>
+        </p:nvSpPr>
+        <p:spPr/>
+        <p:txBody>
           <a:bodyPr/>
           <a:lstStyle/>
           <a:p>
             <a:r>
-              <a:rPr lang="en-IN" dirty="0" err="1" smtClean="0"/>
-              <a:t>w</a:t>
-            </a:r>
-            <a:r>
-              <a:rPr lang="en-IN" dirty="0" err="1" smtClean="0"/>
-              <a:t>idth,height</a:t>
-            </a:r>
-            <a:endParaRPr lang="en-IN" dirty="0"/>
-          </a:p>
-        </p:txBody>
-      </p:sp>
-      <p:sp>
-        <p:nvSpPr>
-          <p:cNvPr id="3" name="Content Placeholder 2"/>
-          <p:cNvSpPr>
-            <a:spLocks noGrp="1"/>
-          </p:cNvSpPr>
-          <p:nvPr>
-            <p:ph sz="quarter" idx="1"/>
-          </p:nvPr>
-        </p:nvSpPr>
-        <p:spPr/>
-        <p:txBody>
-          <a:bodyPr/>
-          <a:lstStyle/>
-          <a:p>
-            <a:r>
-              <a:rPr lang="en-IN" dirty="0" smtClean="0"/>
-              <a:t>used to set the height and width of an element</a:t>
-            </a:r>
-            <a:r>
-              <a:rPr lang="en-IN" dirty="0" smtClean="0"/>
-              <a:t>.</a:t>
-            </a:r>
-          </a:p>
-          <a:p>
-            <a:r>
-              <a:rPr lang="en-IN" dirty="0" smtClean="0"/>
-              <a:t>Ex:</a:t>
-            </a:r>
-          </a:p>
-          <a:p>
-            <a:r>
-              <a:rPr lang="en-IN" dirty="0" smtClean="0"/>
-              <a:t>  height</a:t>
-            </a:r>
-            <a:r>
-              <a:rPr lang="en-IN" dirty="0" smtClean="0"/>
-              <a:t>: 200px;</a:t>
-            </a:r>
-            <a:br>
-              <a:rPr lang="en-IN" dirty="0" smtClean="0"/>
-            </a:br>
-            <a:r>
-              <a:rPr lang="en-IN" dirty="0" smtClean="0"/>
-              <a:t>  width: 50</a:t>
-            </a:r>
-            <a:r>
-              <a:rPr lang="en-IN" dirty="0" smtClean="0"/>
-              <a:t>%;</a:t>
-            </a:r>
-          </a:p>
-          <a:p>
-            <a:r>
-              <a:rPr lang="en-IN" dirty="0" smtClean="0"/>
-              <a:t>max-width property is used to set the maximum width of an element</a:t>
-            </a:r>
-            <a:r>
-              <a:rPr lang="en-IN" dirty="0" smtClean="0"/>
-              <a:t>. It </a:t>
-            </a:r>
-            <a:r>
-              <a:rPr lang="en-IN" dirty="0" smtClean="0"/>
-              <a:t>will improve the browser's handling of small windows</a:t>
-            </a:r>
-            <a:r>
-              <a:rPr lang="en-IN" dirty="0" smtClean="0"/>
-              <a:t>.</a:t>
-            </a:r>
-          </a:p>
-          <a:p>
-            <a:r>
-              <a:rPr lang="en-IN" dirty="0" smtClean="0"/>
-              <a:t>max-width: 500px;</a:t>
-            </a:r>
+              <a:rPr lang="en-IN" dirty="0"/>
+              <a:t>Content</a:t>
+            </a:r>
+          </a:p>
+          <a:p>
+            <a:r>
+              <a:rPr lang="en-IN" dirty="0"/>
+              <a:t>Padding</a:t>
+            </a:r>
+          </a:p>
+          <a:p>
+            <a:r>
+              <a:rPr lang="en-IN" dirty="0"/>
+              <a:t>Border</a:t>
+            </a:r>
+          </a:p>
+          <a:p>
+            <a:r>
+              <a:rPr lang="en-IN" dirty="0"/>
+              <a:t>Margin</a:t>
+            </a:r>
+          </a:p>
+          <a:p>
             <a:endParaRPr lang="en-IN" dirty="0"/>
           </a:p>
         </p:txBody>
@@ -18411,14 +17312,12 @@
         </p:nvSpPr>
         <p:spPr/>
         <p:txBody>
-          <a:bodyPr>
-            <a:normAutofit/>
-          </a:bodyPr>
-          <a:lstStyle/>
-          <a:p>
-            <a:r>
-              <a:rPr lang="en-IN" dirty="0" smtClean="0"/>
-              <a:t>CSS Box Model</a:t>
+          <a:bodyPr/>
+          <a:lstStyle/>
+          <a:p>
+            <a:r>
+              <a:rPr lang="en-IN" dirty="0" err="1"/>
+              <a:t>width,height</a:t>
             </a:r>
             <a:endParaRPr lang="en-IN" dirty="0"/>
           </a:p>
@@ -18440,30 +17339,40 @@
           <a:lstStyle/>
           <a:p>
             <a:r>
-              <a:rPr lang="en-IN" dirty="0" smtClean="0"/>
-              <a:t>Content</a:t>
-            </a:r>
-          </a:p>
-          <a:p>
-            <a:r>
-              <a:rPr lang="en-IN" dirty="0" smtClean="0"/>
-              <a:t>Padding</a:t>
-            </a:r>
-          </a:p>
-          <a:p>
-            <a:r>
-              <a:rPr lang="en-IN" dirty="0" smtClean="0"/>
-              <a:t>Border</a:t>
-            </a:r>
-          </a:p>
-          <a:p>
-            <a:r>
-              <a:rPr lang="en-IN" dirty="0" smtClean="0"/>
-              <a:t>Margin</a:t>
-            </a:r>
-          </a:p>
-          <a:p>
-            <a:endParaRPr lang="en-IN" dirty="0"/>
+              <a:rPr lang="en-IN" dirty="0"/>
+              <a:t>used to set the height and width of an element.</a:t>
+            </a:r>
+          </a:p>
+          <a:p>
+            <a:r>
+              <a:rPr lang="en-IN" dirty="0"/>
+              <a:t>Ex:</a:t>
+            </a:r>
+          </a:p>
+          <a:p>
+            <a:r>
+              <a:rPr lang="en-IN" dirty="0"/>
+              <a:t>  height: 200px;</a:t>
+            </a:r>
+            <a:br>
+              <a:rPr lang="en-IN" dirty="0"/>
+            </a:br>
+            <a:r>
+              <a:rPr lang="en-IN" dirty="0"/>
+              <a:t>  width: 50%;</a:t>
+            </a:r>
+          </a:p>
+          <a:p>
+            <a:r>
+              <a:rPr lang="en-IN" dirty="0"/>
+              <a:t>max-width property is used to set the maximum width of an element. It will improve the browser's handling of small windows.</a:t>
+            </a:r>
+          </a:p>
+          <a:p>
+            <a:r>
+              <a:rPr lang="en-IN" dirty="0"/>
+              <a:t>max-width: 500px;</a:t>
+            </a:r>
           </a:p>
         </p:txBody>
       </p:sp>
@@ -18534,11 +17443,11 @@
           <a:lstStyle/>
           <a:p>
             <a:r>
-              <a:rPr lang="en-IN" dirty="0" smtClean="0"/>
+              <a:rPr lang="en-IN" dirty="0"/>
               <a:t>3 ways of writing </a:t>
             </a:r>
             <a:r>
-              <a:rPr lang="en-IN" dirty="0" err="1" smtClean="0"/>
+              <a:rPr lang="en-IN" dirty="0" err="1"/>
               <a:t>css</a:t>
             </a:r>
             <a:endParaRPr lang="en-IN" dirty="0"/>
@@ -18561,22 +17470,21 @@
           <a:lstStyle/>
           <a:p>
             <a:r>
-              <a:rPr lang="en-IN" dirty="0" smtClean="0"/>
+              <a:rPr lang="en-IN" dirty="0"/>
               <a:t>Inline</a:t>
             </a:r>
           </a:p>
           <a:p>
             <a:r>
-              <a:rPr lang="en-IN" dirty="0" smtClean="0"/>
+              <a:rPr lang="en-IN" dirty="0"/>
               <a:t>Internal</a:t>
             </a:r>
           </a:p>
           <a:p>
             <a:r>
-              <a:rPr lang="en-IN" dirty="0" smtClean="0"/>
+              <a:rPr lang="en-IN" dirty="0"/>
               <a:t>external</a:t>
             </a:r>
-            <a:endParaRPr lang="en-IN" dirty="0"/>
           </a:p>
         </p:txBody>
       </p:sp>
@@ -18611,13 +17519,6 @@
   <p:clrMapOvr>
     <a:masterClrMapping/>
   </p:clrMapOvr>
-  <p:timing>
-    <p:tnLst>
-      <p:par>
-        <p:cTn id="1" dur="indefinite" restart="never" nodeType="tmRoot"/>
-      </p:par>
-    </p:tnLst>
-  </p:timing>
 </p:sld>
 </file>
 
@@ -18681,35 +17582,15 @@
           <a:lstStyle/>
           <a:p>
             <a:r>
-              <a:rPr lang="en-US" sz="2400" dirty="0" smtClean="0"/>
-              <a:t>A page </a:t>
-            </a:r>
-            <a:r>
               <a:rPr lang="en-US" sz="2400" dirty="0"/>
-              <a:t>can link to multiple style sheet files</a:t>
+              <a:t>A page can link to multiple style sheet files</a:t>
             </a:r>
           </a:p>
           <a:p>
             <a:pPr lvl="1"/>
             <a:r>
               <a:rPr lang="en-US" sz="2100" dirty="0"/>
-              <a:t>I</a:t>
-            </a:r>
-            <a:r>
-              <a:rPr lang="en-US" sz="2100" dirty="0" smtClean="0"/>
-              <a:t>n </a:t>
-            </a:r>
-            <a:r>
-              <a:rPr lang="en-US" sz="2100" dirty="0"/>
-              <a:t>case of a </a:t>
-            </a:r>
-            <a:r>
-              <a:rPr lang="en-US" sz="2100" dirty="0" smtClean="0"/>
-              <a:t>conflict (two sheets define a style for the same HTML element), the latter sheet's </a:t>
-            </a:r>
-            <a:r>
-              <a:rPr lang="en-US" sz="2100" dirty="0"/>
-              <a:t>properties will be used</a:t>
+              <a:t>In case of a conflict (two sheets define a style for the same HTML element), the latter sheet's properties will be used</a:t>
             </a:r>
             <a:endParaRPr lang="en-US" sz="1700" dirty="0"/>
           </a:p>
@@ -18883,31 +17764,10 @@
                 <a:latin typeface="Courier New" pitchFamily="49" charset="0"/>
                 <a:cs typeface="Courier New" pitchFamily="49" charset="0"/>
               </a:rPr>
-              <a:t>&lt;/head&gt;</a:t>
-            </a:r>
-            <a:r>
-              <a:rPr lang="en-US" dirty="0" smtClean="0">
-                <a:latin typeface="Courier New" pitchFamily="49" charset="0"/>
-                <a:cs typeface="Courier New" pitchFamily="49" charset="0"/>
-              </a:rPr>
-              <a:t>						</a:t>
-            </a:r>
-            <a:r>
-              <a:rPr lang="en-US" dirty="0">
-                <a:latin typeface="Courier New" pitchFamily="49" charset="0"/>
-                <a:cs typeface="Courier New" pitchFamily="49" charset="0"/>
-              </a:rPr>
-              <a:t> </a:t>
-            </a:r>
-            <a:r>
-              <a:rPr lang="en-US" dirty="0" smtClean="0">
-                <a:latin typeface="Courier New" pitchFamily="49" charset="0"/>
-                <a:cs typeface="Courier New" pitchFamily="49" charset="0"/>
-              </a:rPr>
-              <a:t>      </a:t>
-            </a:r>
-            <a:r>
-              <a:rPr lang="en-US" i="1" dirty="0" smtClean="0">
+              <a:t>&lt;/head&gt;						       </a:t>
+            </a:r>
+            <a:r>
+              <a:rPr lang="en-US" i="1" dirty="0">
                 <a:solidFill>
                   <a:schemeClr val="tx1">
                     <a:lumMod val="50000"/>
@@ -19082,17 +17942,10 @@
                 <a:latin typeface="Courier New" pitchFamily="49" charset="0"/>
                 <a:cs typeface="Courier New" pitchFamily="49" charset="0"/>
               </a:rPr>
-              <a:t>" </a:t>
-            </a:r>
-            <a:r>
-              <a:rPr lang="en-US" dirty="0" smtClean="0">
-                <a:latin typeface="Courier New" pitchFamily="49" charset="0"/>
-                <a:cs typeface="Courier New" pitchFamily="49" charset="0"/>
-              </a:rPr>
-              <a:t>/&gt;			  								 </a:t>
-            </a:r>
-            <a:r>
-              <a:rPr lang="en-US" i="1" dirty="0" smtClean="0">
+              <a:t>" /&gt;			  								 </a:t>
+            </a:r>
+            <a:r>
+              <a:rPr lang="en-US" i="1" dirty="0">
                 <a:solidFill>
                   <a:schemeClr val="tx1">
                     <a:lumMod val="50000"/>
@@ -19110,20 +17963,13 @@
     </p:spTree>
     <p:extLst>
       <p:ext uri="{BB962C8B-B14F-4D97-AF65-F5344CB8AC3E}">
-        <p14:creationId xmlns="" xmlns:p14="http://schemas.microsoft.com/office/powerpoint/2010/main" val="109164173"/>
+        <p14:creationId xmlns:p14="http://schemas.microsoft.com/office/powerpoint/2010/main" val="109164173"/>
       </p:ext>
     </p:extLst>
   </p:cSld>
   <p:clrMapOvr>
     <a:masterClrMapping/>
   </p:clrMapOvr>
-  <p:timing>
-    <p:tnLst>
-      <p:par>
-        <p:cTn id="1" dur="indefinite" restart="never" nodeType="tmRoot"/>
-      </p:par>
-    </p:tnLst>
-  </p:timing>
 </p:sld>
 </file>
 
@@ -19197,20 +18043,12 @@
               <a:t>B</a:t>
             </a:r>
             <a:r>
-              <a:rPr lang="en-US" sz="2400" i="1" dirty="0" smtClean="0"/>
-              <a:t>ad </a:t>
-            </a:r>
-            <a:r>
               <a:rPr lang="en-US" sz="2400" i="1" dirty="0"/>
-              <a:t>style </a:t>
-            </a:r>
-            <a:r>
-              <a:rPr lang="en-US" sz="2400" dirty="0" smtClean="0"/>
-              <a:t>and should be avoided when possible </a:t>
+              <a:t>ad style </a:t>
             </a:r>
             <a:r>
               <a:rPr lang="en-US" sz="2400" dirty="0"/>
-              <a:t>(why?)</a:t>
+              <a:t>and should be avoided when possible (why?)</a:t>
             </a:r>
             <a:endParaRPr lang="en-US" sz="2000" dirty="0"/>
           </a:p>
@@ -19338,14 +18176,7 @@
                 <a:latin typeface="Courier New" pitchFamily="49" charset="0"/>
                 <a:cs typeface="Courier New" pitchFamily="49" charset="0"/>
               </a:rPr>
-              <a:t>&lt;/head&gt; </a:t>
-            </a:r>
-            <a:r>
-              <a:rPr lang="en-US" dirty="0" smtClean="0">
-                <a:latin typeface="Courier New" pitchFamily="49" charset="0"/>
-                <a:cs typeface="Courier New" pitchFamily="49" charset="0"/>
-              </a:rPr>
-              <a:t>							</a:t>
+              <a:t>&lt;/head&gt; 							</a:t>
             </a:r>
           </a:p>
           <a:p>
@@ -19354,17 +18185,10 @@
                 <a:latin typeface="Courier New" pitchFamily="49" charset="0"/>
                 <a:cs typeface="Courier New" pitchFamily="49" charset="0"/>
               </a:rPr>
-              <a:t>	</a:t>
-            </a:r>
-            <a:r>
-              <a:rPr lang="en-US" dirty="0" smtClean="0">
-                <a:latin typeface="Courier New" pitchFamily="49" charset="0"/>
-                <a:cs typeface="Courier New" pitchFamily="49" charset="0"/>
-              </a:rPr>
-              <a:t>							 </a:t>
-            </a:r>
-            <a:r>
-              <a:rPr lang="en-US" i="1" dirty="0" smtClean="0">
+              <a:t>								 </a:t>
+            </a:r>
+            <a:r>
+              <a:rPr lang="en-US" i="1" dirty="0">
                 <a:solidFill>
                   <a:schemeClr val="tx1">
                     <a:lumMod val="50000"/>
@@ -19382,20 +18206,13 @@
     </p:spTree>
     <p:extLst>
       <p:ext uri="{BB962C8B-B14F-4D97-AF65-F5344CB8AC3E}">
-        <p14:creationId xmlns="" xmlns:p14="http://schemas.microsoft.com/office/powerpoint/2010/main" val="1621164364"/>
+        <p14:creationId xmlns:p14="http://schemas.microsoft.com/office/powerpoint/2010/main" val="1621164364"/>
       </p:ext>
     </p:extLst>
   </p:cSld>
   <p:clrMapOvr>
     <a:masterClrMapping/>
   </p:clrMapOvr>
-  <p:timing>
-    <p:tnLst>
-      <p:par>
-        <p:cTn id="1" dur="indefinite" restart="never" nodeType="tmRoot"/>
-      </p:par>
-    </p:tnLst>
-  </p:timing>
 </p:sld>
 </file>
 
@@ -19460,29 +18277,13 @@
           <a:p>
             <a:r>
               <a:rPr lang="en-US" sz="2400" dirty="0"/>
-              <a:t>H</a:t>
-            </a:r>
-            <a:r>
-              <a:rPr lang="en-US" sz="2400" dirty="0" smtClean="0"/>
-              <a:t>igher </a:t>
-            </a:r>
+              <a:t>Higher precedence than embedded or linked styles</a:t>
+            </a:r>
+          </a:p>
+          <a:p>
             <a:r>
               <a:rPr lang="en-US" sz="2400" dirty="0"/>
-              <a:t>precedence than embedded or linked styles</a:t>
-            </a:r>
-          </a:p>
-          <a:p>
-            <a:r>
-              <a:rPr lang="en-US" sz="2400" dirty="0"/>
-              <a:t>U</a:t>
-            </a:r>
-            <a:r>
-              <a:rPr lang="en-US" sz="2400" dirty="0" smtClean="0"/>
-              <a:t>sed </a:t>
-            </a:r>
-            <a:r>
-              <a:rPr lang="en-US" sz="2400" dirty="0"/>
-              <a:t>for one-time overrides and styling a particular element</a:t>
+              <a:t>Used for one-time overrides and styling a particular element</a:t>
             </a:r>
           </a:p>
           <a:p>
@@ -19491,12 +18292,8 @@
               <a:t>B</a:t>
             </a:r>
             <a:r>
-              <a:rPr lang="en-US" sz="2400" i="1" dirty="0" smtClean="0"/>
-              <a:t>ad </a:t>
-            </a:r>
-            <a:r>
               <a:rPr lang="en-US" sz="2400" i="1" dirty="0"/>
-              <a:t>style </a:t>
+              <a:t>ad style </a:t>
             </a:r>
             <a:r>
               <a:rPr lang="en-US" sz="2400" dirty="0"/>
@@ -19592,14 +18389,7 @@
                 <a:latin typeface="Courier New" pitchFamily="49" charset="0"/>
                 <a:cs typeface="Courier New" pitchFamily="49" charset="0"/>
               </a:rPr>
-              <a:t>This is a paragraph&lt;/p&gt; </a:t>
-            </a:r>
-            <a:r>
-              <a:rPr lang="en-US" dirty="0" smtClean="0">
-                <a:latin typeface="Courier New" pitchFamily="49" charset="0"/>
-                <a:cs typeface="Courier New" pitchFamily="49" charset="0"/>
-              </a:rPr>
-              <a:t>							</a:t>
+              <a:t>This is a paragraph&lt;/p&gt; 							</a:t>
             </a:r>
           </a:p>
           <a:p>
@@ -19608,17 +18398,10 @@
                 <a:latin typeface="Courier New" pitchFamily="49" charset="0"/>
                 <a:cs typeface="Courier New" pitchFamily="49" charset="0"/>
               </a:rPr>
-              <a:t>	</a:t>
-            </a:r>
-            <a:r>
-              <a:rPr lang="en-US" dirty="0" smtClean="0">
-                <a:latin typeface="Courier New" pitchFamily="49" charset="0"/>
-                <a:cs typeface="Courier New" pitchFamily="49" charset="0"/>
-              </a:rPr>
-              <a:t>							 </a:t>
-            </a:r>
-            <a:r>
-              <a:rPr lang="en-US" i="1" dirty="0" smtClean="0">
+              <a:t>								 </a:t>
+            </a:r>
+            <a:r>
+              <a:rPr lang="en-US" i="1" dirty="0">
                 <a:solidFill>
                   <a:schemeClr val="tx1">
                     <a:lumMod val="50000"/>
@@ -19661,28 +18444,14 @@
           <a:lstStyle/>
           <a:p>
             <a:r>
-              <a:rPr lang="en-US" sz="2000" dirty="0" smtClean="0">
-                <a:latin typeface="Times New Roman" pitchFamily="18" charset="0"/>
-                <a:cs typeface="Times New Roman" pitchFamily="18" charset="0"/>
-              </a:rPr>
-              <a:t>This </a:t>
-            </a:r>
-            <a:r>
               <a:rPr lang="en-US" sz="2000" dirty="0">
                 <a:latin typeface="Times New Roman" pitchFamily="18" charset="0"/>
                 <a:cs typeface="Times New Roman" pitchFamily="18" charset="0"/>
               </a:rPr>
-              <a:t>is a </a:t>
-            </a:r>
-            <a:r>
-              <a:rPr lang="en-US" sz="2000" dirty="0" smtClean="0">
-                <a:latin typeface="Times New Roman" pitchFamily="18" charset="0"/>
-                <a:cs typeface="Times New Roman" pitchFamily="18" charset="0"/>
-              </a:rPr>
-              <a:t>paragraph</a:t>
-            </a:r>
-            <a:r>
-              <a:rPr lang="en-US" dirty="0" smtClean="0">
+              <a:t>This is a paragraph</a:t>
+            </a:r>
+            <a:r>
+              <a:rPr lang="en-US" dirty="0">
                 <a:latin typeface="Courier New" pitchFamily="49" charset="0"/>
                 <a:cs typeface="Courier New" pitchFamily="49" charset="0"/>
               </a:rPr>
@@ -19695,31 +18464,10 @@
                 <a:latin typeface="Courier New" pitchFamily="49" charset="0"/>
                 <a:cs typeface="Courier New" pitchFamily="49" charset="0"/>
               </a:rPr>
-              <a:t>	</a:t>
-            </a:r>
-            <a:r>
-              <a:rPr lang="en-US" dirty="0" smtClean="0">
-                <a:latin typeface="Courier New" pitchFamily="49" charset="0"/>
-                <a:cs typeface="Courier New" pitchFamily="49" charset="0"/>
-              </a:rPr>
-              <a:t>					</a:t>
-            </a:r>
-            <a:r>
-              <a:rPr lang="en-US" dirty="0">
-                <a:latin typeface="Courier New" pitchFamily="49" charset="0"/>
-                <a:cs typeface="Courier New" pitchFamily="49" charset="0"/>
-              </a:rPr>
-              <a:t>	</a:t>
-            </a:r>
-            <a:r>
-              <a:rPr lang="en-US" dirty="0" smtClean="0">
-                <a:latin typeface="Courier New" pitchFamily="49" charset="0"/>
-                <a:cs typeface="Courier New" pitchFamily="49" charset="0"/>
-              </a:rPr>
-              <a:t>     </a:t>
-            </a:r>
-            <a:r>
-              <a:rPr lang="en-US" i="1" dirty="0" smtClean="0">
+              <a:t>							     </a:t>
+            </a:r>
+            <a:r>
+              <a:rPr lang="en-US" i="1" dirty="0">
                 <a:solidFill>
                   <a:schemeClr val="tx1">
                     <a:lumMod val="50000"/>
@@ -19737,20 +18485,13 @@
     </p:spTree>
     <p:extLst>
       <p:ext uri="{BB962C8B-B14F-4D97-AF65-F5344CB8AC3E}">
-        <p14:creationId xmlns="" xmlns:p14="http://schemas.microsoft.com/office/powerpoint/2010/main" val="2294262602"/>
+        <p14:creationId xmlns:p14="http://schemas.microsoft.com/office/powerpoint/2010/main" val="2294262602"/>
       </p:ext>
     </p:extLst>
   </p:cSld>
   <p:clrMapOvr>
     <a:masterClrMapping/>
   </p:clrMapOvr>
-  <p:timing>
-    <p:tnLst>
-      <p:par>
-        <p:cTn id="1" dur="indefinite" restart="never" nodeType="tmRoot"/>
-      </p:par>
-    </p:tnLst>
-  </p:timing>
 </p:sld>
 </file>
 
@@ -19787,10 +18528,9 @@
           <a:lstStyle/>
           <a:p>
             <a:r>
-              <a:rPr lang="en-IN" dirty="0" smtClean="0"/>
+              <a:rPr lang="en-IN" dirty="0"/>
               <a:t>Selectors</a:t>
             </a:r>
-            <a:endParaRPr lang="en-IN" dirty="0"/>
           </a:p>
         </p:txBody>
       </p:sp>
@@ -19810,11 +18550,11 @@
           <a:lstStyle/>
           <a:p>
             <a:r>
-              <a:rPr lang="en-IN" dirty="0" smtClean="0"/>
+              <a:rPr lang="en-IN" dirty="0"/>
               <a:t>Tag selectors 		</a:t>
             </a:r>
             <a:r>
-              <a:rPr lang="en-IN" dirty="0" smtClean="0">
+              <a:rPr lang="en-IN" dirty="0">
                 <a:solidFill>
                   <a:srgbClr val="FF0000"/>
                 </a:solidFill>
@@ -19822,13 +18562,13 @@
               <a:t>p</a:t>
             </a:r>
             <a:r>
-              <a:rPr lang="en-IN" dirty="0" smtClean="0"/>
+              <a:rPr lang="en-IN" dirty="0"/>
               <a:t>{        }</a:t>
             </a:r>
           </a:p>
           <a:p>
             <a:r>
-              <a:rPr lang="en-IN" dirty="0" smtClean="0"/>
+              <a:rPr lang="en-IN" dirty="0"/>
               <a:t>ID Selector	</a:t>
             </a:r>
           </a:p>
@@ -19837,7 +18577,7 @@
               <a:buNone/>
             </a:pPr>
             <a:r>
-              <a:rPr lang="en-IN" dirty="0" smtClean="0">
+              <a:rPr lang="en-IN" dirty="0">
                 <a:solidFill>
                   <a:schemeClr val="accent5">
                     <a:lumMod val="50000"/>
@@ -19847,7 +18587,7 @@
               <a:t>&lt;p id=“xyz”&gt;              </a:t>
             </a:r>
             <a:r>
-              <a:rPr lang="en-IN" dirty="0" smtClean="0">
+              <a:rPr lang="en-IN" dirty="0">
                 <a:solidFill>
                   <a:srgbClr val="FF0000"/>
                 </a:solidFill>
@@ -19857,7 +18597,7 @@
           </a:p>
           <a:p>
             <a:r>
-              <a:rPr lang="en-IN" dirty="0" smtClean="0"/>
+              <a:rPr lang="en-IN" dirty="0"/>
               <a:t>Class selector</a:t>
             </a:r>
           </a:p>
@@ -19866,7 +18606,7 @@
               <a:buNone/>
             </a:pPr>
             <a:r>
-              <a:rPr lang="en-IN" dirty="0" smtClean="0">
+              <a:rPr lang="en-IN" dirty="0">
                 <a:solidFill>
                   <a:schemeClr val="accent5">
                     <a:lumMod val="50000"/>
@@ -19876,7 +18616,7 @@
               <a:t>&lt; p class=“</a:t>
             </a:r>
             <a:r>
-              <a:rPr lang="en-IN" dirty="0" err="1" smtClean="0">
+              <a:rPr lang="en-IN" dirty="0" err="1">
                 <a:solidFill>
                   <a:schemeClr val="accent5">
                     <a:lumMod val="50000"/>
@@ -19886,7 +18626,7 @@
               <a:t>abc</a:t>
             </a:r>
             <a:r>
-              <a:rPr lang="en-IN" dirty="0" smtClean="0">
+              <a:rPr lang="en-IN" dirty="0">
                 <a:solidFill>
                   <a:schemeClr val="accent5">
                     <a:lumMod val="50000"/>
@@ -19896,11 +18636,11 @@
               <a:t>”&gt;  </a:t>
             </a:r>
             <a:r>
-              <a:rPr lang="en-IN" dirty="0" smtClean="0"/>
+              <a:rPr lang="en-IN" dirty="0"/>
               <a:t>	 </a:t>
             </a:r>
             <a:r>
-              <a:rPr lang="en-IN" dirty="0" smtClean="0">
+              <a:rPr lang="en-IN" dirty="0">
                 <a:solidFill>
                   <a:srgbClr val="FF0000"/>
                 </a:solidFill>
@@ -19908,7 +18648,7 @@
               <a:t>.</a:t>
             </a:r>
             <a:r>
-              <a:rPr lang="en-IN" dirty="0" err="1" smtClean="0">
+              <a:rPr lang="en-IN" dirty="0" err="1">
                 <a:solidFill>
                   <a:srgbClr val="FF0000"/>
                 </a:solidFill>
@@ -19916,18 +18656,13 @@
               <a:t>abc</a:t>
             </a:r>
             <a:r>
-              <a:rPr lang="en-IN" dirty="0" smtClean="0">
+              <a:rPr lang="en-IN" dirty="0">
                 <a:solidFill>
                   <a:srgbClr val="FF0000"/>
                 </a:solidFill>
               </a:rPr>
               <a:t>{   }</a:t>
             </a:r>
-            <a:endParaRPr lang="en-IN" dirty="0">
-              <a:solidFill>
-                <a:srgbClr val="FF0000"/>
-              </a:solidFill>
-            </a:endParaRPr>
           </a:p>
         </p:txBody>
       </p:sp>
@@ -19962,13 +18697,6 @@
   <p:clrMapOvr>
     <a:masterClrMapping/>
   </p:clrMapOvr>
-  <p:timing>
-    <p:tnLst>
-      <p:par>
-        <p:cTn id="1" dur="indefinite" restart="never" nodeType="tmRoot"/>
-      </p:par>
-    </p:tnLst>
-  </p:timing>
 </p:sld>
 </file>
 
@@ -20689,13 +19417,36 @@
 </file>
 
 <file path=customXml/itemProps1.xml><?xml version="1.0" encoding="utf-8"?>
-<ds:datastoreItem xmlns:ds="http://schemas.openxmlformats.org/officeDocument/2006/customXml" ds:itemID="{CBF71B75-15B4-4D34-BF90-29AC221A0254}"/>
+<ds:datastoreItem xmlns:ds="http://schemas.openxmlformats.org/officeDocument/2006/customXml" ds:itemID="{CBF71B75-15B4-4D34-BF90-29AC221A0254}">
+  <ds:schemaRefs>
+    <ds:schemaRef ds:uri="http://schemas.microsoft.com/office/2006/metadata/contentType"/>
+    <ds:schemaRef ds:uri="http://schemas.microsoft.com/office/2006/metadata/properties/metaAttributes"/>
+    <ds:schemaRef ds:uri="http://www.w3.org/2001/XMLSchema"/>
+    <ds:schemaRef ds:uri="http://schemas.microsoft.com/office/2006/metadata/properties"/>
+    <ds:schemaRef ds:uri="28a4c2e2-19fe-42a5-bd58-72eddb65ae70"/>
+    <ds:schemaRef ds:uri="http://schemas.microsoft.com/office/2006/documentManagement/types"/>
+    <ds:schemaRef ds:uri="http://schemas.microsoft.com/office/infopath/2007/PartnerControls"/>
+    <ds:schemaRef ds:uri="http://schemas.openxmlformats.org/package/2006/metadata/core-properties"/>
+    <ds:schemaRef ds:uri="http://purl.org/dc/elements/1.1/"/>
+    <ds:schemaRef ds:uri="http://purl.org/dc/terms/"/>
+    <ds:schemaRef ds:uri="http://schemas.microsoft.com/internal/obd"/>
+  </ds:schemaRefs>
+</ds:datastoreItem>
 </file>
 
 <file path=customXml/itemProps2.xml><?xml version="1.0" encoding="utf-8"?>
-<ds:datastoreItem xmlns:ds="http://schemas.openxmlformats.org/officeDocument/2006/customXml" ds:itemID="{301C08DC-0E1D-4AB9-82DE-7F52DFD3CC78}"/>
+<ds:datastoreItem xmlns:ds="http://schemas.openxmlformats.org/officeDocument/2006/customXml" ds:itemID="{301C08DC-0E1D-4AB9-82DE-7F52DFD3CC78}">
+  <ds:schemaRefs>
+    <ds:schemaRef ds:uri="http://schemas.microsoft.com/sharepoint/v3/contenttype/forms"/>
+  </ds:schemaRefs>
+</ds:datastoreItem>
 </file>
 
 <file path=customXml/itemProps3.xml><?xml version="1.0" encoding="utf-8"?>
-<ds:datastoreItem xmlns:ds="http://schemas.openxmlformats.org/officeDocument/2006/customXml" ds:itemID="{65D5E85C-9B19-4B04-9B7B-131902A7163B}"/>
+<ds:datastoreItem xmlns:ds="http://schemas.openxmlformats.org/officeDocument/2006/customXml" ds:itemID="{65D5E85C-9B19-4B04-9B7B-131902A7163B}">
+  <ds:schemaRefs>
+    <ds:schemaRef ds:uri="http://schemas.microsoft.com/office/2006/metadata/properties"/>
+    <ds:schemaRef ds:uri="http://schemas.microsoft.com/office/infopath/2007/PartnerControls"/>
+  </ds:schemaRefs>
+</ds:datastoreItem>
 </file>